--- a/superhero.pptx
+++ b/superhero.pptx
@@ -7,9 +7,11 @@
   <p:sldIdLst>
     <p:sldId id="256" r:id="rId2"/>
     <p:sldId id="257" r:id="rId3"/>
+    <p:sldId id="258" r:id="rId4"/>
+    <p:sldId id="259" r:id="rId5"/>
   </p:sldIdLst>
   <p:sldSz cx="12192000" cy="6858000"/>
-  <p:notesSz cx="6858000" cy="9144000"/>
+  <p:notesSz cx="6858000" cy="9947275"/>
   <p:defaultTextStyle>
     <a:defPPr>
       <a:defRPr lang="ru-RU"/>
@@ -108,7 +110,7 @@
   <p:extLst>
     <p:ext uri="{EFAFB233-063F-42B5-8137-9DF3F51BA10A}">
       <p15:sldGuideLst xmlns:p15="http://schemas.microsoft.com/office/powerpoint/2012/main">
-        <p15:guide id="1" orient="horz" pos="2160" userDrawn="1">
+        <p15:guide id="1" orient="horz" pos="2137" userDrawn="1">
           <p15:clr>
             <a:srgbClr val="A4A3A4"/>
           </p15:clr>
@@ -255,7 +257,7 @@
           <a:p>
             <a:fld id="{F1FFD0C4-E8D1-4B77-BD80-A04970D408A0}" type="datetimeFigureOut">
               <a:rPr lang="ru-RU" smtClean="0"/>
-              <a:t>30.06.2019</a:t>
+              <a:t>03.07.2019</a:t>
             </a:fld>
             <a:endParaRPr lang="ru-RU"/>
           </a:p>
@@ -425,7 +427,7 @@
           <a:p>
             <a:fld id="{F1FFD0C4-E8D1-4B77-BD80-A04970D408A0}" type="datetimeFigureOut">
               <a:rPr lang="ru-RU" smtClean="0"/>
-              <a:t>30.06.2019</a:t>
+              <a:t>03.07.2019</a:t>
             </a:fld>
             <a:endParaRPr lang="ru-RU"/>
           </a:p>
@@ -605,7 +607,7 @@
           <a:p>
             <a:fld id="{F1FFD0C4-E8D1-4B77-BD80-A04970D408A0}" type="datetimeFigureOut">
               <a:rPr lang="ru-RU" smtClean="0"/>
-              <a:t>30.06.2019</a:t>
+              <a:t>03.07.2019</a:t>
             </a:fld>
             <a:endParaRPr lang="ru-RU"/>
           </a:p>
@@ -775,7 +777,7 @@
           <a:p>
             <a:fld id="{F1FFD0C4-E8D1-4B77-BD80-A04970D408A0}" type="datetimeFigureOut">
               <a:rPr lang="ru-RU" smtClean="0"/>
-              <a:t>30.06.2019</a:t>
+              <a:t>03.07.2019</a:t>
             </a:fld>
             <a:endParaRPr lang="ru-RU"/>
           </a:p>
@@ -1021,7 +1023,7 @@
           <a:p>
             <a:fld id="{F1FFD0C4-E8D1-4B77-BD80-A04970D408A0}" type="datetimeFigureOut">
               <a:rPr lang="ru-RU" smtClean="0"/>
-              <a:t>30.06.2019</a:t>
+              <a:t>03.07.2019</a:t>
             </a:fld>
             <a:endParaRPr lang="ru-RU"/>
           </a:p>
@@ -1253,7 +1255,7 @@
           <a:p>
             <a:fld id="{F1FFD0C4-E8D1-4B77-BD80-A04970D408A0}" type="datetimeFigureOut">
               <a:rPr lang="ru-RU" smtClean="0"/>
-              <a:t>30.06.2019</a:t>
+              <a:t>03.07.2019</a:t>
             </a:fld>
             <a:endParaRPr lang="ru-RU"/>
           </a:p>
@@ -1620,7 +1622,7 @@
           <a:p>
             <a:fld id="{F1FFD0C4-E8D1-4B77-BD80-A04970D408A0}" type="datetimeFigureOut">
               <a:rPr lang="ru-RU" smtClean="0"/>
-              <a:t>30.06.2019</a:t>
+              <a:t>03.07.2019</a:t>
             </a:fld>
             <a:endParaRPr lang="ru-RU"/>
           </a:p>
@@ -1738,7 +1740,7 @@
           <a:p>
             <a:fld id="{F1FFD0C4-E8D1-4B77-BD80-A04970D408A0}" type="datetimeFigureOut">
               <a:rPr lang="ru-RU" smtClean="0"/>
-              <a:t>30.06.2019</a:t>
+              <a:t>03.07.2019</a:t>
             </a:fld>
             <a:endParaRPr lang="ru-RU"/>
           </a:p>
@@ -1833,7 +1835,7 @@
           <a:p>
             <a:fld id="{F1FFD0C4-E8D1-4B77-BD80-A04970D408A0}" type="datetimeFigureOut">
               <a:rPr lang="ru-RU" smtClean="0"/>
-              <a:t>30.06.2019</a:t>
+              <a:t>03.07.2019</a:t>
             </a:fld>
             <a:endParaRPr lang="ru-RU"/>
           </a:p>
@@ -2110,7 +2112,7 @@
           <a:p>
             <a:fld id="{F1FFD0C4-E8D1-4B77-BD80-A04970D408A0}" type="datetimeFigureOut">
               <a:rPr lang="ru-RU" smtClean="0"/>
-              <a:t>30.06.2019</a:t>
+              <a:t>03.07.2019</a:t>
             </a:fld>
             <a:endParaRPr lang="ru-RU"/>
           </a:p>
@@ -2363,7 +2365,7 @@
           <a:p>
             <a:fld id="{F1FFD0C4-E8D1-4B77-BD80-A04970D408A0}" type="datetimeFigureOut">
               <a:rPr lang="ru-RU" smtClean="0"/>
-              <a:t>30.06.2019</a:t>
+              <a:t>03.07.2019</a:t>
             </a:fld>
             <a:endParaRPr lang="ru-RU"/>
           </a:p>
@@ -2576,7 +2578,7 @@
           <a:p>
             <a:fld id="{F1FFD0C4-E8D1-4B77-BD80-A04970D408A0}" type="datetimeFigureOut">
               <a:rPr lang="ru-RU" smtClean="0"/>
-              <a:t>30.06.2019</a:t>
+              <a:t>03.07.2019</a:t>
             </a:fld>
             <a:endParaRPr lang="ru-RU"/>
           </a:p>
@@ -4599,6 +4601,3842 @@
 </p:sld>
 </file>
 
+<file path=ppt/slides/slide3.xml><?xml version="1.0" encoding="utf-8"?>
+<p:sld xmlns:a="http://schemas.openxmlformats.org/drawingml/2006/main" xmlns:r="http://schemas.openxmlformats.org/officeDocument/2006/relationships" xmlns:p="http://schemas.openxmlformats.org/presentationml/2006/main">
+  <p:cSld>
+    <p:spTree>
+      <p:nvGrpSpPr>
+        <p:cNvPr id="1" name=""/>
+        <p:cNvGrpSpPr/>
+        <p:nvPr/>
+      </p:nvGrpSpPr>
+      <p:grpSpPr>
+        <a:xfrm>
+          <a:off x="0" y="0"/>
+          <a:ext cx="0" cy="0"/>
+          <a:chOff x="0" y="0"/>
+          <a:chExt cx="0" cy="0"/>
+        </a:xfrm>
+      </p:grpSpPr>
+      <p:sp>
+        <p:nvSpPr>
+          <p:cNvPr id="72" name="Прямоугольник 71"/>
+          <p:cNvSpPr/>
+          <p:nvPr/>
+        </p:nvSpPr>
+        <p:spPr>
+          <a:xfrm>
+            <a:off x="0" y="-45931"/>
+            <a:ext cx="12390983" cy="6917021"/>
+          </a:xfrm>
+          <a:prstGeom prst="rect">
+            <a:avLst/>
+          </a:prstGeom>
+          <a:solidFill>
+            <a:schemeClr val="accent6">
+              <a:lumMod val="20000"/>
+              <a:lumOff val="80000"/>
+              <a:alpha val="44000"/>
+            </a:schemeClr>
+          </a:solidFill>
+          <a:ln>
+            <a:noFill/>
+          </a:ln>
+        </p:spPr>
+        <p:style>
+          <a:lnRef idx="2">
+            <a:schemeClr val="accent1">
+              <a:shade val="50000"/>
+            </a:schemeClr>
+          </a:lnRef>
+          <a:fillRef idx="1">
+            <a:schemeClr val="accent1"/>
+          </a:fillRef>
+          <a:effectRef idx="0">
+            <a:schemeClr val="accent1"/>
+          </a:effectRef>
+          <a:fontRef idx="minor">
+            <a:schemeClr val="lt1"/>
+          </a:fontRef>
+        </p:style>
+        <p:txBody>
+          <a:bodyPr rtlCol="0" anchor="ctr"/>
+          <a:lstStyle/>
+          <a:p>
+            <a:pPr algn="ctr"/>
+            <a:r>
+              <a:rPr lang="ru-RU">
+                <a:solidFill>
+                  <a:schemeClr val="accent6">
+                    <a:lumMod val="50000"/>
+                  </a:schemeClr>
+                </a:solidFill>
+              </a:rPr>
+              <a:t>ИТ</a:t>
+            </a:r>
+            <a:endParaRPr lang="ru-RU"/>
+          </a:p>
+        </p:txBody>
+      </p:sp>
+      <p:sp>
+        <p:nvSpPr>
+          <p:cNvPr id="66" name="Прямоугольный треугольник 65"/>
+          <p:cNvSpPr/>
+          <p:nvPr/>
+        </p:nvSpPr>
+        <p:spPr>
+          <a:xfrm rot="10800000">
+            <a:off x="5360941" y="-2"/>
+            <a:ext cx="6831058" cy="6825163"/>
+          </a:xfrm>
+          <a:prstGeom prst="rtTriangle">
+            <a:avLst/>
+          </a:prstGeom>
+          <a:solidFill>
+            <a:schemeClr val="accent2">
+              <a:lumMod val="20000"/>
+              <a:lumOff val="80000"/>
+              <a:alpha val="53000"/>
+            </a:schemeClr>
+          </a:solidFill>
+          <a:ln>
+            <a:noFill/>
+          </a:ln>
+        </p:spPr>
+        <p:style>
+          <a:lnRef idx="2">
+            <a:schemeClr val="accent1">
+              <a:shade val="50000"/>
+            </a:schemeClr>
+          </a:lnRef>
+          <a:fillRef idx="1">
+            <a:schemeClr val="accent1"/>
+          </a:fillRef>
+          <a:effectRef idx="0">
+            <a:schemeClr val="accent1"/>
+          </a:effectRef>
+          <a:fontRef idx="minor">
+            <a:schemeClr val="lt1"/>
+          </a:fontRef>
+        </p:style>
+        <p:txBody>
+          <a:bodyPr rtlCol="0" anchor="ctr"/>
+          <a:lstStyle/>
+          <a:p>
+            <a:pPr algn="ctr"/>
+            <a:endParaRPr lang="ru-RU"/>
+          </a:p>
+        </p:txBody>
+      </p:sp>
+      <p:sp>
+        <p:nvSpPr>
+          <p:cNvPr id="4" name="Прямоугольник 3"/>
+          <p:cNvSpPr/>
+          <p:nvPr/>
+        </p:nvSpPr>
+        <p:spPr>
+          <a:xfrm>
+            <a:off x="682690" y="3054819"/>
+            <a:ext cx="6002231" cy="3429000"/>
+          </a:xfrm>
+          <a:prstGeom prst="rect">
+            <a:avLst/>
+          </a:prstGeom>
+          <a:solidFill>
+            <a:schemeClr val="accent6">
+              <a:lumMod val="40000"/>
+              <a:lumOff val="60000"/>
+            </a:schemeClr>
+          </a:solidFill>
+          <a:ln>
+            <a:noFill/>
+          </a:ln>
+        </p:spPr>
+        <p:style>
+          <a:lnRef idx="2">
+            <a:schemeClr val="accent1">
+              <a:shade val="50000"/>
+            </a:schemeClr>
+          </a:lnRef>
+          <a:fillRef idx="1">
+            <a:schemeClr val="accent1"/>
+          </a:fillRef>
+          <a:effectRef idx="0">
+            <a:schemeClr val="accent1"/>
+          </a:effectRef>
+          <a:fontRef idx="minor">
+            <a:schemeClr val="lt1"/>
+          </a:fontRef>
+        </p:style>
+        <p:txBody>
+          <a:bodyPr rtlCol="0" anchor="ctr"/>
+          <a:lstStyle/>
+          <a:p>
+            <a:pPr algn="ctr"/>
+            <a:endParaRPr lang="ru-RU"/>
+          </a:p>
+        </p:txBody>
+      </p:sp>
+      <p:sp>
+        <p:nvSpPr>
+          <p:cNvPr id="2" name="Заголовок 1"/>
+          <p:cNvSpPr>
+            <a:spLocks noGrp="1"/>
+          </p:cNvSpPr>
+          <p:nvPr>
+            <p:ph type="title"/>
+          </p:nvPr>
+        </p:nvSpPr>
+        <p:spPr>
+          <a:xfrm>
+            <a:off x="530995" y="688272"/>
+            <a:ext cx="5031652" cy="802505"/>
+          </a:xfrm>
+        </p:spPr>
+        <p:txBody>
+          <a:bodyPr>
+            <a:noAutofit/>
+          </a:bodyPr>
+          <a:lstStyle/>
+          <a:p>
+            <a:pPr>
+              <a:tabLst>
+                <a:tab pos="6997700" algn="l"/>
+              </a:tabLst>
+            </a:pPr>
+            <a:r>
+              <a:rPr lang="ru-RU" dirty="0" smtClean="0"/>
+              <a:t>Разработчики и аналитики</a:t>
+            </a:r>
+            <a:endParaRPr lang="ru-RU" dirty="0"/>
+          </a:p>
+        </p:txBody>
+      </p:sp>
+      <p:sp>
+        <p:nvSpPr>
+          <p:cNvPr id="7" name="Прямоугольник 6"/>
+          <p:cNvSpPr/>
+          <p:nvPr/>
+        </p:nvSpPr>
+        <p:spPr>
+          <a:xfrm>
+            <a:off x="946895" y="4694675"/>
+            <a:ext cx="2166585" cy="1558344"/>
+          </a:xfrm>
+          <a:prstGeom prst="rect">
+            <a:avLst/>
+          </a:prstGeom>
+          <a:pattFill prst="pct10">
+            <a:fgClr>
+              <a:schemeClr val="accent6">
+                <a:lumMod val="20000"/>
+                <a:lumOff val="80000"/>
+              </a:schemeClr>
+            </a:fgClr>
+            <a:bgClr>
+              <a:schemeClr val="accent6">
+                <a:lumMod val="60000"/>
+                <a:lumOff val="40000"/>
+              </a:schemeClr>
+            </a:bgClr>
+          </a:pattFill>
+          <a:ln w="19050">
+            <a:prstDash val="dash"/>
+          </a:ln>
+        </p:spPr>
+        <p:style>
+          <a:lnRef idx="2">
+            <a:schemeClr val="accent1">
+              <a:shade val="50000"/>
+            </a:schemeClr>
+          </a:lnRef>
+          <a:fillRef idx="1">
+            <a:schemeClr val="accent1"/>
+          </a:fillRef>
+          <a:effectRef idx="0">
+            <a:schemeClr val="accent1"/>
+          </a:effectRef>
+          <a:fontRef idx="minor">
+            <a:schemeClr val="lt1"/>
+          </a:fontRef>
+        </p:style>
+        <p:txBody>
+          <a:bodyPr rtlCol="0" anchor="ctr"/>
+          <a:lstStyle/>
+          <a:p>
+            <a:pPr algn="ctr"/>
+            <a:endParaRPr lang="ru-RU"/>
+          </a:p>
+        </p:txBody>
+      </p:sp>
+      <p:sp>
+        <p:nvSpPr>
+          <p:cNvPr id="8" name="TextBox 7"/>
+          <p:cNvSpPr txBox="1"/>
+          <p:nvPr/>
+        </p:nvSpPr>
+        <p:spPr>
+          <a:xfrm>
+            <a:off x="974954" y="4668568"/>
+            <a:ext cx="2593852" cy="954107"/>
+          </a:xfrm>
+          <a:prstGeom prst="rect">
+            <a:avLst/>
+          </a:prstGeom>
+          <a:noFill/>
+        </p:spPr>
+        <p:txBody>
+          <a:bodyPr wrap="square" rtlCol="0">
+            <a:spAutoFit/>
+          </a:bodyPr>
+          <a:lstStyle/>
+          <a:p>
+            <a:r>
+              <a:rPr lang="ru-RU" sz="2800" dirty="0" smtClean="0">
+                <a:solidFill>
+                  <a:schemeClr val="accent6">
+                    <a:lumMod val="50000"/>
+                  </a:schemeClr>
+                </a:solidFill>
+              </a:rPr>
+              <a:t>Учебные задачи</a:t>
+            </a:r>
+            <a:endParaRPr lang="ru-RU" sz="2800" dirty="0">
+              <a:solidFill>
+                <a:schemeClr val="accent6">
+                  <a:lumMod val="50000"/>
+                </a:schemeClr>
+              </a:solidFill>
+            </a:endParaRPr>
+          </a:p>
+        </p:txBody>
+      </p:sp>
+      <p:sp>
+        <p:nvSpPr>
+          <p:cNvPr id="11" name="Овал 10"/>
+          <p:cNvSpPr/>
+          <p:nvPr/>
+        </p:nvSpPr>
+        <p:spPr>
+          <a:xfrm>
+            <a:off x="3547965" y="4762239"/>
+            <a:ext cx="261257" cy="268690"/>
+          </a:xfrm>
+          <a:prstGeom prst="ellipse">
+            <a:avLst/>
+          </a:prstGeom>
+          <a:solidFill>
+            <a:schemeClr val="accent6">
+              <a:lumMod val="50000"/>
+            </a:schemeClr>
+          </a:solidFill>
+          <a:ln>
+            <a:noFill/>
+          </a:ln>
+        </p:spPr>
+        <p:style>
+          <a:lnRef idx="2">
+            <a:schemeClr val="accent1">
+              <a:shade val="50000"/>
+            </a:schemeClr>
+          </a:lnRef>
+          <a:fillRef idx="1">
+            <a:schemeClr val="accent1"/>
+          </a:fillRef>
+          <a:effectRef idx="0">
+            <a:schemeClr val="accent1"/>
+          </a:effectRef>
+          <a:fontRef idx="minor">
+            <a:schemeClr val="lt1"/>
+          </a:fontRef>
+        </p:style>
+        <p:txBody>
+          <a:bodyPr rtlCol="0" anchor="ctr"/>
+          <a:lstStyle/>
+          <a:p>
+            <a:pPr algn="ctr"/>
+            <a:endParaRPr lang="ru-RU"/>
+          </a:p>
+        </p:txBody>
+      </p:sp>
+      <p:sp>
+        <p:nvSpPr>
+          <p:cNvPr id="13" name="Овал 12"/>
+          <p:cNvSpPr/>
+          <p:nvPr/>
+        </p:nvSpPr>
+        <p:spPr>
+          <a:xfrm>
+            <a:off x="835540" y="6099729"/>
+            <a:ext cx="261257" cy="268690"/>
+          </a:xfrm>
+          <a:prstGeom prst="ellipse">
+            <a:avLst/>
+          </a:prstGeom>
+          <a:solidFill>
+            <a:schemeClr val="accent6">
+              <a:lumMod val="50000"/>
+            </a:schemeClr>
+          </a:solidFill>
+          <a:ln>
+            <a:noFill/>
+          </a:ln>
+        </p:spPr>
+        <p:style>
+          <a:lnRef idx="2">
+            <a:schemeClr val="accent1">
+              <a:shade val="50000"/>
+            </a:schemeClr>
+          </a:lnRef>
+          <a:fillRef idx="1">
+            <a:schemeClr val="accent1"/>
+          </a:fillRef>
+          <a:effectRef idx="0">
+            <a:schemeClr val="accent1"/>
+          </a:effectRef>
+          <a:fontRef idx="minor">
+            <a:schemeClr val="lt1"/>
+          </a:fontRef>
+        </p:style>
+        <p:txBody>
+          <a:bodyPr rtlCol="0" anchor="ctr"/>
+          <a:lstStyle/>
+          <a:p>
+            <a:pPr algn="ctr"/>
+            <a:endParaRPr lang="ru-RU"/>
+          </a:p>
+        </p:txBody>
+      </p:sp>
+      <p:sp>
+        <p:nvSpPr>
+          <p:cNvPr id="15" name="Прямоугольный треугольник 14"/>
+          <p:cNvSpPr/>
+          <p:nvPr/>
+        </p:nvSpPr>
+        <p:spPr>
+          <a:xfrm rot="10800000">
+            <a:off x="4013881" y="3054817"/>
+            <a:ext cx="2671040" cy="2550144"/>
+          </a:xfrm>
+          <a:prstGeom prst="rtTriangle">
+            <a:avLst/>
+          </a:prstGeom>
+          <a:pattFill prst="ltUpDiag">
+            <a:fgClr>
+              <a:schemeClr val="accent6">
+                <a:lumMod val="75000"/>
+              </a:schemeClr>
+            </a:fgClr>
+            <a:bgClr>
+              <a:schemeClr val="accent6">
+                <a:lumMod val="40000"/>
+                <a:lumOff val="60000"/>
+              </a:schemeClr>
+            </a:bgClr>
+          </a:pattFill>
+          <a:ln>
+            <a:noFill/>
+          </a:ln>
+        </p:spPr>
+        <p:style>
+          <a:lnRef idx="2">
+            <a:schemeClr val="accent1">
+              <a:shade val="50000"/>
+            </a:schemeClr>
+          </a:lnRef>
+          <a:fillRef idx="1">
+            <a:schemeClr val="accent1"/>
+          </a:fillRef>
+          <a:effectRef idx="0">
+            <a:schemeClr val="accent1"/>
+          </a:effectRef>
+          <a:fontRef idx="minor">
+            <a:schemeClr val="lt1"/>
+          </a:fontRef>
+        </p:style>
+        <p:txBody>
+          <a:bodyPr rtlCol="0" anchor="ctr"/>
+          <a:lstStyle/>
+          <a:p>
+            <a:pPr algn="ctr"/>
+            <a:endParaRPr lang="ru-RU"/>
+          </a:p>
+        </p:txBody>
+      </p:sp>
+      <p:sp>
+        <p:nvSpPr>
+          <p:cNvPr id="12" name="Овал 11"/>
+          <p:cNvSpPr/>
+          <p:nvPr/>
+        </p:nvSpPr>
+        <p:spPr>
+          <a:xfrm>
+            <a:off x="5896501" y="3659896"/>
+            <a:ext cx="261257" cy="268690"/>
+          </a:xfrm>
+          <a:prstGeom prst="ellipse">
+            <a:avLst/>
+          </a:prstGeom>
+          <a:solidFill>
+            <a:schemeClr val="accent6">
+              <a:lumMod val="50000"/>
+            </a:schemeClr>
+          </a:solidFill>
+          <a:ln>
+            <a:noFill/>
+          </a:ln>
+        </p:spPr>
+        <p:style>
+          <a:lnRef idx="2">
+            <a:schemeClr val="accent1">
+              <a:shade val="50000"/>
+            </a:schemeClr>
+          </a:lnRef>
+          <a:fillRef idx="1">
+            <a:schemeClr val="accent1"/>
+          </a:fillRef>
+          <a:effectRef idx="0">
+            <a:schemeClr val="accent1"/>
+          </a:effectRef>
+          <a:fontRef idx="minor">
+            <a:schemeClr val="lt1"/>
+          </a:fontRef>
+        </p:style>
+        <p:txBody>
+          <a:bodyPr rtlCol="0" anchor="ctr"/>
+          <a:lstStyle/>
+          <a:p>
+            <a:pPr algn="ctr"/>
+            <a:endParaRPr lang="ru-RU"/>
+          </a:p>
+        </p:txBody>
+      </p:sp>
+      <p:sp>
+        <p:nvSpPr>
+          <p:cNvPr id="16" name="TextBox 15"/>
+          <p:cNvSpPr txBox="1"/>
+          <p:nvPr/>
+        </p:nvSpPr>
+        <p:spPr>
+          <a:xfrm>
+            <a:off x="3387156" y="5279958"/>
+            <a:ext cx="2318994" cy="954107"/>
+          </a:xfrm>
+          <a:prstGeom prst="rect">
+            <a:avLst/>
+          </a:prstGeom>
+          <a:noFill/>
+        </p:spPr>
+        <p:txBody>
+          <a:bodyPr wrap="square" rtlCol="0">
+            <a:spAutoFit/>
+          </a:bodyPr>
+          <a:lstStyle/>
+          <a:p>
+            <a:r>
+              <a:rPr lang="en-US" sz="2800" dirty="0" smtClean="0">
+                <a:solidFill>
+                  <a:schemeClr val="bg2">
+                    <a:lumMod val="25000"/>
+                  </a:schemeClr>
+                </a:solidFill>
+              </a:rPr>
+              <a:t>Junior</a:t>
+            </a:r>
+            <a:r>
+              <a:rPr lang="ru-RU" sz="2800" dirty="0" smtClean="0">
+                <a:solidFill>
+                  <a:schemeClr val="bg2">
+                    <a:lumMod val="25000"/>
+                  </a:schemeClr>
+                </a:solidFill>
+              </a:rPr>
+              <a:t> разработчик</a:t>
+            </a:r>
+            <a:endParaRPr lang="ru-RU" sz="2800" dirty="0">
+              <a:solidFill>
+                <a:schemeClr val="bg2">
+                  <a:lumMod val="25000"/>
+                </a:schemeClr>
+              </a:solidFill>
+            </a:endParaRPr>
+          </a:p>
+        </p:txBody>
+      </p:sp>
+      <p:sp>
+        <p:nvSpPr>
+          <p:cNvPr id="17" name="TextBox 16"/>
+          <p:cNvSpPr txBox="1"/>
+          <p:nvPr/>
+        </p:nvSpPr>
+        <p:spPr>
+          <a:xfrm>
+            <a:off x="3081619" y="3075629"/>
+            <a:ext cx="2384100" cy="954107"/>
+          </a:xfrm>
+          <a:prstGeom prst="rect">
+            <a:avLst/>
+          </a:prstGeom>
+          <a:noFill/>
+        </p:spPr>
+        <p:txBody>
+          <a:bodyPr wrap="square" rtlCol="0">
+            <a:spAutoFit/>
+          </a:bodyPr>
+          <a:lstStyle>
+            <a:defPPr>
+              <a:defRPr lang="ru-RU"/>
+            </a:defPPr>
+            <a:lvl1pPr>
+              <a:defRPr sz="2800">
+                <a:solidFill>
+                  <a:schemeClr val="bg2">
+                    <a:lumMod val="25000"/>
+                  </a:schemeClr>
+                </a:solidFill>
+              </a:defRPr>
+            </a:lvl1pPr>
+          </a:lstStyle>
+          <a:p>
+            <a:pPr algn="r"/>
+            <a:r>
+              <a:rPr lang="en-US" dirty="0" smtClean="0"/>
+              <a:t>Senior </a:t>
+            </a:r>
+            <a:r>
+              <a:rPr lang="ru-RU" dirty="0" smtClean="0"/>
+              <a:t>разработчик</a:t>
+            </a:r>
+            <a:endParaRPr lang="ru-RU" dirty="0"/>
+          </a:p>
+        </p:txBody>
+      </p:sp>
+      <p:sp>
+        <p:nvSpPr>
+          <p:cNvPr id="18" name="TextBox 17"/>
+          <p:cNvSpPr txBox="1"/>
+          <p:nvPr/>
+        </p:nvSpPr>
+        <p:spPr>
+          <a:xfrm>
+            <a:off x="965607" y="6385363"/>
+            <a:ext cx="1349036" cy="523220"/>
+          </a:xfrm>
+          <a:prstGeom prst="rect">
+            <a:avLst/>
+          </a:prstGeom>
+          <a:noFill/>
+        </p:spPr>
+        <p:txBody>
+          <a:bodyPr wrap="square" rtlCol="0">
+            <a:spAutoFit/>
+          </a:bodyPr>
+          <a:lstStyle/>
+          <a:p>
+            <a:r>
+              <a:rPr lang="en-US" sz="2800" dirty="0" smtClean="0">
+                <a:solidFill>
+                  <a:schemeClr val="bg2">
+                    <a:lumMod val="25000"/>
+                  </a:schemeClr>
+                </a:solidFill>
+              </a:rPr>
+              <a:t>“</a:t>
+            </a:r>
+            <a:r>
+              <a:rPr lang="en-US" sz="2800" dirty="0">
+                <a:solidFill>
+                  <a:schemeClr val="bg2">
+                    <a:lumMod val="25000"/>
+                  </a:schemeClr>
+                </a:solidFill>
+              </a:rPr>
+              <a:t>Noob</a:t>
+            </a:r>
+            <a:r>
+              <a:rPr lang="en-US" sz="2800" dirty="0" smtClean="0">
+                <a:solidFill>
+                  <a:schemeClr val="bg2">
+                    <a:lumMod val="25000"/>
+                  </a:schemeClr>
+                </a:solidFill>
+              </a:rPr>
+              <a:t>”</a:t>
+            </a:r>
+            <a:endParaRPr lang="ru-RU" sz="2800" dirty="0">
+              <a:solidFill>
+                <a:schemeClr val="bg2">
+                  <a:lumMod val="25000"/>
+                </a:schemeClr>
+              </a:solidFill>
+            </a:endParaRPr>
+          </a:p>
+        </p:txBody>
+      </p:sp>
+      <p:sp>
+        <p:nvSpPr>
+          <p:cNvPr id="19" name="TextBox 18"/>
+          <p:cNvSpPr txBox="1"/>
+          <p:nvPr/>
+        </p:nvSpPr>
+        <p:spPr>
+          <a:xfrm rot="2595840">
+            <a:off x="4342217" y="4730623"/>
+            <a:ext cx="2668169" cy="707886"/>
+          </a:xfrm>
+          <a:prstGeom prst="rect">
+            <a:avLst/>
+          </a:prstGeom>
+          <a:noFill/>
+        </p:spPr>
+        <p:txBody>
+          <a:bodyPr wrap="square" rtlCol="0">
+            <a:spAutoFit/>
+          </a:bodyPr>
+          <a:lstStyle/>
+          <a:p>
+            <a:pPr algn="ctr"/>
+            <a:r>
+              <a:rPr lang="ru-RU" sz="2000" dirty="0" smtClean="0">
+                <a:solidFill>
+                  <a:schemeClr val="accent6">
+                    <a:lumMod val="50000"/>
+                  </a:schemeClr>
+                </a:solidFill>
+              </a:rPr>
+              <a:t>Решения об архитектуре ПО</a:t>
+            </a:r>
+            <a:endParaRPr lang="ru-RU" sz="2000" dirty="0">
+              <a:solidFill>
+                <a:schemeClr val="accent6">
+                  <a:lumMod val="50000"/>
+                </a:schemeClr>
+              </a:solidFill>
+            </a:endParaRPr>
+          </a:p>
+        </p:txBody>
+      </p:sp>
+      <p:sp>
+        <p:nvSpPr>
+          <p:cNvPr id="22" name="TextBox 21"/>
+          <p:cNvSpPr txBox="1"/>
+          <p:nvPr/>
+        </p:nvSpPr>
+        <p:spPr>
+          <a:xfrm>
+            <a:off x="4149833" y="6422450"/>
+            <a:ext cx="2896706" cy="400110"/>
+          </a:xfrm>
+          <a:prstGeom prst="rect">
+            <a:avLst/>
+          </a:prstGeom>
+          <a:noFill/>
+        </p:spPr>
+        <p:txBody>
+          <a:bodyPr wrap="square" rtlCol="0">
+            <a:spAutoFit/>
+          </a:bodyPr>
+          <a:lstStyle/>
+          <a:p>
+            <a:r>
+              <a:rPr lang="ru-RU" sz="2000" dirty="0" smtClean="0">
+                <a:solidFill>
+                  <a:schemeClr val="accent6">
+                    <a:lumMod val="50000"/>
+                  </a:schemeClr>
+                </a:solidFill>
+              </a:rPr>
+              <a:t>Сложность задач</a:t>
+            </a:r>
+            <a:endParaRPr lang="ru-RU" sz="2000" dirty="0">
+              <a:solidFill>
+                <a:schemeClr val="accent6">
+                  <a:lumMod val="50000"/>
+                </a:schemeClr>
+              </a:solidFill>
+            </a:endParaRPr>
+          </a:p>
+        </p:txBody>
+      </p:sp>
+      <p:sp>
+        <p:nvSpPr>
+          <p:cNvPr id="23" name="Стрелка вправо 22"/>
+          <p:cNvSpPr/>
+          <p:nvPr/>
+        </p:nvSpPr>
+        <p:spPr>
+          <a:xfrm>
+            <a:off x="6322400" y="6528570"/>
+            <a:ext cx="346850" cy="258749"/>
+          </a:xfrm>
+          <a:prstGeom prst="rightArrow">
+            <a:avLst/>
+          </a:prstGeom>
+          <a:solidFill>
+            <a:schemeClr val="accent6">
+              <a:lumMod val="40000"/>
+              <a:lumOff val="60000"/>
+            </a:schemeClr>
+          </a:solidFill>
+          <a:ln>
+            <a:noFill/>
+          </a:ln>
+        </p:spPr>
+        <p:style>
+          <a:lnRef idx="2">
+            <a:schemeClr val="accent1">
+              <a:shade val="50000"/>
+            </a:schemeClr>
+          </a:lnRef>
+          <a:fillRef idx="1">
+            <a:schemeClr val="accent1"/>
+          </a:fillRef>
+          <a:effectRef idx="0">
+            <a:schemeClr val="accent1"/>
+          </a:effectRef>
+          <a:fontRef idx="minor">
+            <a:schemeClr val="lt1"/>
+          </a:fontRef>
+        </p:style>
+        <p:txBody>
+          <a:bodyPr rtlCol="0" anchor="ctr"/>
+          <a:lstStyle/>
+          <a:p>
+            <a:pPr algn="ctr"/>
+            <a:endParaRPr lang="ru-RU"/>
+          </a:p>
+        </p:txBody>
+      </p:sp>
+      <p:sp>
+        <p:nvSpPr>
+          <p:cNvPr id="24" name="TextBox 23"/>
+          <p:cNvSpPr txBox="1"/>
+          <p:nvPr/>
+        </p:nvSpPr>
+        <p:spPr>
+          <a:xfrm rot="16200000">
+            <a:off x="-1024666" y="4674009"/>
+            <a:ext cx="2896706" cy="400110"/>
+          </a:xfrm>
+          <a:prstGeom prst="rect">
+            <a:avLst/>
+          </a:prstGeom>
+          <a:noFill/>
+        </p:spPr>
+        <p:txBody>
+          <a:bodyPr wrap="square" rtlCol="0">
+            <a:spAutoFit/>
+          </a:bodyPr>
+          <a:lstStyle>
+            <a:defPPr>
+              <a:defRPr lang="ru-RU"/>
+            </a:defPPr>
+            <a:lvl1pPr>
+              <a:defRPr sz="2000">
+                <a:solidFill>
+                  <a:schemeClr val="accent6">
+                    <a:lumMod val="50000"/>
+                  </a:schemeClr>
+                </a:solidFill>
+              </a:defRPr>
+            </a:lvl1pPr>
+          </a:lstStyle>
+          <a:p>
+            <a:pPr algn="r"/>
+            <a:r>
+              <a:rPr lang="ru-RU" dirty="0"/>
+              <a:t>Квалификация</a:t>
+            </a:r>
+          </a:p>
+        </p:txBody>
+      </p:sp>
+      <p:sp>
+        <p:nvSpPr>
+          <p:cNvPr id="25" name="Стрелка вправо 24"/>
+          <p:cNvSpPr/>
+          <p:nvPr/>
+        </p:nvSpPr>
+        <p:spPr>
+          <a:xfrm rot="-5400000">
+            <a:off x="276563" y="3126200"/>
+            <a:ext cx="346850" cy="258749"/>
+          </a:xfrm>
+          <a:prstGeom prst="rightArrow">
+            <a:avLst/>
+          </a:prstGeom>
+          <a:solidFill>
+            <a:schemeClr val="accent6">
+              <a:lumMod val="40000"/>
+              <a:lumOff val="60000"/>
+            </a:schemeClr>
+          </a:solidFill>
+          <a:ln>
+            <a:noFill/>
+          </a:ln>
+        </p:spPr>
+        <p:style>
+          <a:lnRef idx="2">
+            <a:schemeClr val="accent1">
+              <a:shade val="50000"/>
+            </a:schemeClr>
+          </a:lnRef>
+          <a:fillRef idx="1">
+            <a:schemeClr val="accent1"/>
+          </a:fillRef>
+          <a:effectRef idx="0">
+            <a:schemeClr val="accent1"/>
+          </a:effectRef>
+          <a:fontRef idx="minor">
+            <a:schemeClr val="lt1"/>
+          </a:fontRef>
+        </p:style>
+        <p:txBody>
+          <a:bodyPr rtlCol="0" anchor="ctr"/>
+          <a:lstStyle/>
+          <a:p>
+            <a:pPr algn="ctr"/>
+            <a:endParaRPr lang="ru-RU"/>
+          </a:p>
+        </p:txBody>
+      </p:sp>
+      <p:cxnSp>
+        <p:nvCxnSpPr>
+          <p:cNvPr id="27" name="Прямая со стрелкой 26"/>
+          <p:cNvCxnSpPr/>
+          <p:nvPr/>
+        </p:nvCxnSpPr>
+        <p:spPr>
+          <a:xfrm flipV="1">
+            <a:off x="1220571" y="5030929"/>
+            <a:ext cx="2155168" cy="1018180"/>
+          </a:xfrm>
+          <a:prstGeom prst="straightConnector1">
+            <a:avLst/>
+          </a:prstGeom>
+          <a:ln>
+            <a:solidFill>
+              <a:schemeClr val="accent6">
+                <a:lumMod val="50000"/>
+              </a:schemeClr>
+            </a:solidFill>
+            <a:tailEnd type="triangle"/>
+          </a:ln>
+        </p:spPr>
+        <p:style>
+          <a:lnRef idx="1">
+            <a:schemeClr val="accent1"/>
+          </a:lnRef>
+          <a:fillRef idx="0">
+            <a:schemeClr val="accent1"/>
+          </a:fillRef>
+          <a:effectRef idx="0">
+            <a:schemeClr val="accent1"/>
+          </a:effectRef>
+          <a:fontRef idx="minor">
+            <a:schemeClr val="tx1"/>
+          </a:fontRef>
+        </p:style>
+      </p:cxnSp>
+      <p:cxnSp>
+        <p:nvCxnSpPr>
+          <p:cNvPr id="28" name="Прямая со стрелкой 27"/>
+          <p:cNvCxnSpPr/>
+          <p:nvPr/>
+        </p:nvCxnSpPr>
+        <p:spPr>
+          <a:xfrm flipV="1">
+            <a:off x="3954932" y="3931626"/>
+            <a:ext cx="1694349" cy="830614"/>
+          </a:xfrm>
+          <a:prstGeom prst="straightConnector1">
+            <a:avLst/>
+          </a:prstGeom>
+          <a:ln>
+            <a:solidFill>
+              <a:schemeClr val="accent6">
+                <a:lumMod val="50000"/>
+              </a:schemeClr>
+            </a:solidFill>
+            <a:tailEnd type="triangle"/>
+          </a:ln>
+        </p:spPr>
+        <p:style>
+          <a:lnRef idx="1">
+            <a:schemeClr val="accent1"/>
+          </a:lnRef>
+          <a:fillRef idx="0">
+            <a:schemeClr val="accent1"/>
+          </a:fillRef>
+          <a:effectRef idx="0">
+            <a:schemeClr val="accent1"/>
+          </a:effectRef>
+          <a:fontRef idx="minor">
+            <a:schemeClr val="tx1"/>
+          </a:fontRef>
+        </p:style>
+      </p:cxnSp>
+      <p:sp>
+        <p:nvSpPr>
+          <p:cNvPr id="33" name="Овал 32"/>
+          <p:cNvSpPr/>
+          <p:nvPr/>
+        </p:nvSpPr>
+        <p:spPr>
+          <a:xfrm>
+            <a:off x="5649281" y="1567382"/>
+            <a:ext cx="3918856" cy="2140419"/>
+          </a:xfrm>
+          <a:prstGeom prst="ellipse">
+            <a:avLst/>
+          </a:prstGeom>
+          <a:solidFill>
+            <a:schemeClr val="accent1">
+              <a:lumMod val="60000"/>
+              <a:lumOff val="40000"/>
+            </a:schemeClr>
+          </a:solidFill>
+          <a:ln>
+            <a:solidFill>
+              <a:schemeClr val="bg1"/>
+            </a:solidFill>
+          </a:ln>
+        </p:spPr>
+        <p:style>
+          <a:lnRef idx="2">
+            <a:schemeClr val="accent1">
+              <a:shade val="50000"/>
+            </a:schemeClr>
+          </a:lnRef>
+          <a:fillRef idx="1">
+            <a:schemeClr val="accent1"/>
+          </a:fillRef>
+          <a:effectRef idx="0">
+            <a:schemeClr val="accent1"/>
+          </a:effectRef>
+          <a:fontRef idx="minor">
+            <a:schemeClr val="lt1"/>
+          </a:fontRef>
+        </p:style>
+        <p:txBody>
+          <a:bodyPr rtlCol="0" anchor="ctr"/>
+          <a:lstStyle/>
+          <a:p>
+            <a:pPr algn="ctr"/>
+            <a:endParaRPr lang="ru-RU" sz="3200" dirty="0"/>
+          </a:p>
+        </p:txBody>
+      </p:sp>
+      <p:sp>
+        <p:nvSpPr>
+          <p:cNvPr id="34" name="TextBox 33"/>
+          <p:cNvSpPr txBox="1"/>
+          <p:nvPr/>
+        </p:nvSpPr>
+        <p:spPr>
+          <a:xfrm>
+            <a:off x="569346" y="2055649"/>
+            <a:ext cx="3490593" cy="954107"/>
+          </a:xfrm>
+          <a:prstGeom prst="rect">
+            <a:avLst/>
+          </a:prstGeom>
+          <a:noFill/>
+        </p:spPr>
+        <p:txBody>
+          <a:bodyPr wrap="square" rtlCol="0">
+            <a:spAutoFit/>
+          </a:bodyPr>
+          <a:lstStyle/>
+          <a:p>
+            <a:r>
+              <a:rPr lang="ru-RU" sz="2800" dirty="0" smtClean="0">
+                <a:solidFill>
+                  <a:schemeClr val="accent6">
+                    <a:lumMod val="50000"/>
+                  </a:schemeClr>
+                </a:solidFill>
+              </a:rPr>
+              <a:t>ИТ-система / программа (</a:t>
+            </a:r>
+            <a:r>
+              <a:rPr lang="en-US" sz="2800" dirty="0" smtClean="0">
+                <a:solidFill>
+                  <a:schemeClr val="accent6">
+                    <a:lumMod val="50000"/>
+                  </a:schemeClr>
+                </a:solidFill>
+              </a:rPr>
+              <a:t>software</a:t>
+            </a:r>
+            <a:r>
+              <a:rPr lang="ru-RU" sz="2800" dirty="0" smtClean="0">
+                <a:solidFill>
+                  <a:schemeClr val="accent6">
+                    <a:lumMod val="50000"/>
+                  </a:schemeClr>
+                </a:solidFill>
+              </a:rPr>
+              <a:t>)</a:t>
+            </a:r>
+            <a:endParaRPr lang="ru-RU" sz="2800" dirty="0">
+              <a:solidFill>
+                <a:schemeClr val="accent6">
+                  <a:lumMod val="50000"/>
+                </a:schemeClr>
+              </a:solidFill>
+            </a:endParaRPr>
+          </a:p>
+        </p:txBody>
+      </p:sp>
+      <p:cxnSp>
+        <p:nvCxnSpPr>
+          <p:cNvPr id="37" name="Прямая соединительная линия 36"/>
+          <p:cNvCxnSpPr/>
+          <p:nvPr/>
+        </p:nvCxnSpPr>
+        <p:spPr>
+          <a:xfrm>
+            <a:off x="3705644" y="4917670"/>
+            <a:ext cx="160719" cy="330352"/>
+          </a:xfrm>
+          <a:prstGeom prst="line">
+            <a:avLst/>
+          </a:prstGeom>
+          <a:ln>
+            <a:solidFill>
+              <a:schemeClr val="accent6">
+                <a:lumMod val="75000"/>
+              </a:schemeClr>
+            </a:solidFill>
+          </a:ln>
+        </p:spPr>
+        <p:style>
+          <a:lnRef idx="1">
+            <a:schemeClr val="accent1"/>
+          </a:lnRef>
+          <a:fillRef idx="0">
+            <a:schemeClr val="accent1"/>
+          </a:fillRef>
+          <a:effectRef idx="0">
+            <a:schemeClr val="accent1"/>
+          </a:effectRef>
+          <a:fontRef idx="minor">
+            <a:schemeClr val="tx1"/>
+          </a:fontRef>
+        </p:style>
+      </p:cxnSp>
+      <p:cxnSp>
+        <p:nvCxnSpPr>
+          <p:cNvPr id="40" name="Прямая соединительная линия 39"/>
+          <p:cNvCxnSpPr>
+            <a:endCxn id="18" idx="1"/>
+          </p:cNvCxnSpPr>
+          <p:nvPr/>
+        </p:nvCxnSpPr>
+        <p:spPr>
+          <a:xfrm>
+            <a:off x="946895" y="6407086"/>
+            <a:ext cx="18712" cy="239887"/>
+          </a:xfrm>
+          <a:prstGeom prst="line">
+            <a:avLst/>
+          </a:prstGeom>
+          <a:ln>
+            <a:solidFill>
+              <a:schemeClr val="accent6">
+                <a:lumMod val="75000"/>
+              </a:schemeClr>
+            </a:solidFill>
+          </a:ln>
+        </p:spPr>
+        <p:style>
+          <a:lnRef idx="1">
+            <a:schemeClr val="accent1"/>
+          </a:lnRef>
+          <a:fillRef idx="0">
+            <a:schemeClr val="accent1"/>
+          </a:fillRef>
+          <a:effectRef idx="0">
+            <a:schemeClr val="accent1"/>
+          </a:effectRef>
+          <a:fontRef idx="minor">
+            <a:schemeClr val="tx1"/>
+          </a:fontRef>
+        </p:style>
+      </p:cxnSp>
+      <p:sp>
+        <p:nvSpPr>
+          <p:cNvPr id="43" name="TextBox 42"/>
+          <p:cNvSpPr txBox="1"/>
+          <p:nvPr/>
+        </p:nvSpPr>
+        <p:spPr>
+          <a:xfrm>
+            <a:off x="9636019" y="2281106"/>
+            <a:ext cx="2347947" cy="400110"/>
+          </a:xfrm>
+          <a:prstGeom prst="rect">
+            <a:avLst/>
+          </a:prstGeom>
+          <a:noFill/>
+        </p:spPr>
+        <p:txBody>
+          <a:bodyPr wrap="square" rtlCol="0">
+            <a:spAutoFit/>
+          </a:bodyPr>
+          <a:lstStyle>
+            <a:defPPr>
+              <a:defRPr lang="ru-RU"/>
+            </a:defPPr>
+            <a:lvl1pPr>
+              <a:defRPr sz="2800">
+                <a:solidFill>
+                  <a:schemeClr val="bg2">
+                    <a:lumMod val="25000"/>
+                  </a:schemeClr>
+                </a:solidFill>
+              </a:defRPr>
+            </a:lvl1pPr>
+          </a:lstStyle>
+          <a:p>
+            <a:r>
+              <a:rPr lang="ru-RU" sz="2000" dirty="0"/>
+              <a:t>Бизнес-аналитик</a:t>
+            </a:r>
+          </a:p>
+        </p:txBody>
+      </p:sp>
+      <p:sp>
+        <p:nvSpPr>
+          <p:cNvPr id="35" name="Овал 34"/>
+          <p:cNvSpPr/>
+          <p:nvPr/>
+        </p:nvSpPr>
+        <p:spPr>
+          <a:xfrm>
+            <a:off x="6564076" y="3131899"/>
+            <a:ext cx="261257" cy="268690"/>
+          </a:xfrm>
+          <a:prstGeom prst="ellipse">
+            <a:avLst/>
+          </a:prstGeom>
+          <a:solidFill>
+            <a:schemeClr val="accent1">
+              <a:lumMod val="50000"/>
+            </a:schemeClr>
+          </a:solidFill>
+          <a:ln>
+            <a:solidFill>
+              <a:schemeClr val="accent1">
+                <a:lumMod val="50000"/>
+              </a:schemeClr>
+            </a:solidFill>
+          </a:ln>
+        </p:spPr>
+        <p:style>
+          <a:lnRef idx="2">
+            <a:schemeClr val="accent1">
+              <a:shade val="50000"/>
+            </a:schemeClr>
+          </a:lnRef>
+          <a:fillRef idx="1">
+            <a:schemeClr val="accent1"/>
+          </a:fillRef>
+          <a:effectRef idx="0">
+            <a:schemeClr val="accent1"/>
+          </a:effectRef>
+          <a:fontRef idx="minor">
+            <a:schemeClr val="lt1"/>
+          </a:fontRef>
+        </p:style>
+        <p:txBody>
+          <a:bodyPr rtlCol="0" anchor="ctr"/>
+          <a:lstStyle/>
+          <a:p>
+            <a:pPr algn="ctr"/>
+            <a:endParaRPr lang="ru-RU"/>
+          </a:p>
+        </p:txBody>
+      </p:sp>
+      <p:sp>
+        <p:nvSpPr>
+          <p:cNvPr id="51" name="TextBox 50"/>
+          <p:cNvSpPr txBox="1"/>
+          <p:nvPr/>
+        </p:nvSpPr>
+        <p:spPr>
+          <a:xfrm>
+            <a:off x="6830631" y="3691687"/>
+            <a:ext cx="2347947" cy="707886"/>
+          </a:xfrm>
+          <a:prstGeom prst="rect">
+            <a:avLst/>
+          </a:prstGeom>
+          <a:noFill/>
+        </p:spPr>
+        <p:txBody>
+          <a:bodyPr wrap="square" rtlCol="0">
+            <a:spAutoFit/>
+          </a:bodyPr>
+          <a:lstStyle>
+            <a:defPPr>
+              <a:defRPr lang="ru-RU"/>
+            </a:defPPr>
+            <a:lvl1pPr>
+              <a:defRPr sz="2800">
+                <a:solidFill>
+                  <a:schemeClr val="bg2">
+                    <a:lumMod val="25000"/>
+                  </a:schemeClr>
+                </a:solidFill>
+              </a:defRPr>
+            </a:lvl1pPr>
+          </a:lstStyle>
+          <a:p>
+            <a:r>
+              <a:rPr lang="ru-RU" sz="2000" dirty="0" smtClean="0"/>
+              <a:t>Системный аналитик</a:t>
+            </a:r>
+            <a:endParaRPr lang="ru-RU" sz="2000" dirty="0"/>
+          </a:p>
+        </p:txBody>
+      </p:sp>
+      <p:cxnSp>
+        <p:nvCxnSpPr>
+          <p:cNvPr id="52" name="Прямая соединительная линия 51"/>
+          <p:cNvCxnSpPr/>
+          <p:nvPr/>
+        </p:nvCxnSpPr>
+        <p:spPr>
+          <a:xfrm>
+            <a:off x="6868483" y="3475114"/>
+            <a:ext cx="261512" cy="253368"/>
+          </a:xfrm>
+          <a:prstGeom prst="line">
+            <a:avLst/>
+          </a:prstGeom>
+          <a:ln>
+            <a:solidFill>
+              <a:schemeClr val="tx1">
+                <a:lumMod val="75000"/>
+                <a:lumOff val="25000"/>
+              </a:schemeClr>
+            </a:solidFill>
+          </a:ln>
+        </p:spPr>
+        <p:style>
+          <a:lnRef idx="1">
+            <a:schemeClr val="accent1"/>
+          </a:lnRef>
+          <a:fillRef idx="0">
+            <a:schemeClr val="accent1"/>
+          </a:fillRef>
+          <a:effectRef idx="0">
+            <a:schemeClr val="accent1"/>
+          </a:effectRef>
+          <a:fontRef idx="minor">
+            <a:schemeClr val="tx1"/>
+          </a:fontRef>
+        </p:style>
+      </p:cxnSp>
+      <p:cxnSp>
+        <p:nvCxnSpPr>
+          <p:cNvPr id="57" name="Прямая соединительная линия 56"/>
+          <p:cNvCxnSpPr/>
+          <p:nvPr/>
+        </p:nvCxnSpPr>
+        <p:spPr>
+          <a:xfrm>
+            <a:off x="5533601" y="3622961"/>
+            <a:ext cx="259573" cy="105521"/>
+          </a:xfrm>
+          <a:prstGeom prst="line">
+            <a:avLst/>
+          </a:prstGeom>
+          <a:ln>
+            <a:solidFill>
+              <a:schemeClr val="tx1">
+                <a:lumMod val="75000"/>
+                <a:lumOff val="25000"/>
+              </a:schemeClr>
+            </a:solidFill>
+          </a:ln>
+        </p:spPr>
+        <p:style>
+          <a:lnRef idx="1">
+            <a:schemeClr val="accent1"/>
+          </a:lnRef>
+          <a:fillRef idx="0">
+            <a:schemeClr val="accent1"/>
+          </a:fillRef>
+          <a:effectRef idx="0">
+            <a:schemeClr val="accent1"/>
+          </a:effectRef>
+          <a:fontRef idx="minor">
+            <a:schemeClr val="tx1"/>
+          </a:fontRef>
+        </p:style>
+      </p:cxnSp>
+      <p:sp>
+        <p:nvSpPr>
+          <p:cNvPr id="77" name="TextBox 76"/>
+          <p:cNvSpPr txBox="1"/>
+          <p:nvPr/>
+        </p:nvSpPr>
+        <p:spPr>
+          <a:xfrm>
+            <a:off x="9779089" y="4128739"/>
+            <a:ext cx="2347947" cy="954107"/>
+          </a:xfrm>
+          <a:prstGeom prst="rect">
+            <a:avLst/>
+          </a:prstGeom>
+          <a:noFill/>
+        </p:spPr>
+        <p:txBody>
+          <a:bodyPr wrap="square" rtlCol="0">
+            <a:spAutoFit/>
+          </a:bodyPr>
+          <a:lstStyle>
+            <a:defPPr>
+              <a:defRPr lang="ru-RU"/>
+            </a:defPPr>
+            <a:lvl1pPr>
+              <a:defRPr sz="2800">
+                <a:solidFill>
+                  <a:schemeClr val="bg2">
+                    <a:lumMod val="25000"/>
+                  </a:schemeClr>
+                </a:solidFill>
+              </a:defRPr>
+            </a:lvl1pPr>
+          </a:lstStyle>
+          <a:p>
+            <a:pPr algn="r"/>
+            <a:r>
+              <a:rPr lang="ru-RU" dirty="0" smtClean="0">
+                <a:solidFill>
+                  <a:schemeClr val="accent2">
+                    <a:lumMod val="50000"/>
+                  </a:schemeClr>
+                </a:solidFill>
+              </a:rPr>
+              <a:t>Предметная область</a:t>
+            </a:r>
+            <a:endParaRPr lang="ru-RU" dirty="0">
+              <a:solidFill>
+                <a:schemeClr val="accent2">
+                  <a:lumMod val="50000"/>
+                </a:schemeClr>
+              </a:solidFill>
+            </a:endParaRPr>
+          </a:p>
+        </p:txBody>
+      </p:sp>
+      <p:sp>
+        <p:nvSpPr>
+          <p:cNvPr id="85" name="Прямоугольник 84"/>
+          <p:cNvSpPr/>
+          <p:nvPr/>
+        </p:nvSpPr>
+        <p:spPr>
+          <a:xfrm>
+            <a:off x="8100155" y="5859141"/>
+            <a:ext cx="3228938" cy="954107"/>
+          </a:xfrm>
+          <a:prstGeom prst="rect">
+            <a:avLst/>
+          </a:prstGeom>
+          <a:noFill/>
+        </p:spPr>
+        <p:txBody>
+          <a:bodyPr wrap="square" rtlCol="0">
+            <a:spAutoFit/>
+          </a:bodyPr>
+          <a:lstStyle/>
+          <a:p>
+            <a:pPr algn="r"/>
+            <a:r>
+              <a:rPr lang="ru-RU" sz="2800" dirty="0">
+                <a:solidFill>
+                  <a:schemeClr val="bg2">
+                    <a:lumMod val="25000"/>
+                  </a:schemeClr>
+                </a:solidFill>
+              </a:rPr>
+              <a:t>Информационные технологии</a:t>
+            </a:r>
+          </a:p>
+        </p:txBody>
+      </p:sp>
+      <p:cxnSp>
+        <p:nvCxnSpPr>
+          <p:cNvPr id="87" name="Прямая соединительная линия 86"/>
+          <p:cNvCxnSpPr>
+            <a:endCxn id="90" idx="4"/>
+          </p:cNvCxnSpPr>
+          <p:nvPr/>
+        </p:nvCxnSpPr>
+        <p:spPr>
+          <a:xfrm>
+            <a:off x="5321627" y="-11015"/>
+            <a:ext cx="1625475" cy="1621417"/>
+          </a:xfrm>
+          <a:prstGeom prst="line">
+            <a:avLst/>
+          </a:prstGeom>
+          <a:ln cap="rnd">
+            <a:prstDash val="dash"/>
+            <a:bevel/>
+          </a:ln>
+        </p:spPr>
+        <p:style>
+          <a:lnRef idx="1">
+            <a:schemeClr val="accent1"/>
+          </a:lnRef>
+          <a:fillRef idx="0">
+            <a:schemeClr val="accent1"/>
+          </a:fillRef>
+          <a:effectRef idx="0">
+            <a:schemeClr val="accent1"/>
+          </a:effectRef>
+          <a:fontRef idx="minor">
+            <a:schemeClr val="tx1"/>
+          </a:fontRef>
+        </p:style>
+      </p:cxnSp>
+      <p:sp>
+        <p:nvSpPr>
+          <p:cNvPr id="6" name="Прямоугольник 5"/>
+          <p:cNvSpPr/>
+          <p:nvPr/>
+        </p:nvSpPr>
+        <p:spPr>
+          <a:xfrm>
+            <a:off x="8567113" y="753651"/>
+            <a:ext cx="3458727" cy="1597939"/>
+          </a:xfrm>
+          <a:prstGeom prst="rect">
+            <a:avLst/>
+          </a:prstGeom>
+          <a:solidFill>
+            <a:schemeClr val="accent2">
+              <a:lumMod val="60000"/>
+              <a:lumOff val="40000"/>
+              <a:alpha val="79000"/>
+            </a:schemeClr>
+          </a:solidFill>
+          <a:ln>
+            <a:noFill/>
+          </a:ln>
+        </p:spPr>
+        <p:style>
+          <a:lnRef idx="2">
+            <a:schemeClr val="accent1">
+              <a:shade val="50000"/>
+            </a:schemeClr>
+          </a:lnRef>
+          <a:fillRef idx="1">
+            <a:schemeClr val="accent1"/>
+          </a:fillRef>
+          <a:effectRef idx="0">
+            <a:schemeClr val="accent1"/>
+          </a:effectRef>
+          <a:fontRef idx="minor">
+            <a:schemeClr val="lt1"/>
+          </a:fontRef>
+        </p:style>
+        <p:txBody>
+          <a:bodyPr rtlCol="0" anchor="ctr"/>
+          <a:lstStyle/>
+          <a:p>
+            <a:pPr algn="ctr"/>
+            <a:r>
+              <a:rPr lang="ru-RU" sz="4000" dirty="0" smtClean="0">
+                <a:solidFill>
+                  <a:schemeClr val="accent2">
+                    <a:lumMod val="75000"/>
+                  </a:schemeClr>
+                </a:solidFill>
+              </a:rPr>
+              <a:t>Бизнес-логика</a:t>
+            </a:r>
+            <a:endParaRPr lang="ru-RU" sz="4000" dirty="0">
+              <a:solidFill>
+                <a:schemeClr val="accent2">
+                  <a:lumMod val="75000"/>
+                </a:schemeClr>
+              </a:solidFill>
+            </a:endParaRPr>
+          </a:p>
+        </p:txBody>
+      </p:sp>
+      <p:sp>
+        <p:nvSpPr>
+          <p:cNvPr id="42" name="Овал 41"/>
+          <p:cNvSpPr/>
+          <p:nvPr/>
+        </p:nvSpPr>
+        <p:spPr>
+          <a:xfrm>
+            <a:off x="8664326" y="2027750"/>
+            <a:ext cx="261257" cy="268690"/>
+          </a:xfrm>
+          <a:prstGeom prst="ellipse">
+            <a:avLst/>
+          </a:prstGeom>
+          <a:solidFill>
+            <a:schemeClr val="accent2">
+              <a:lumMod val="75000"/>
+            </a:schemeClr>
+          </a:solidFill>
+          <a:ln>
+            <a:noFill/>
+          </a:ln>
+        </p:spPr>
+        <p:style>
+          <a:lnRef idx="2">
+            <a:schemeClr val="accent1">
+              <a:shade val="50000"/>
+            </a:schemeClr>
+          </a:lnRef>
+          <a:fillRef idx="1">
+            <a:schemeClr val="accent1"/>
+          </a:fillRef>
+          <a:effectRef idx="0">
+            <a:schemeClr val="accent1"/>
+          </a:effectRef>
+          <a:fontRef idx="minor">
+            <a:schemeClr val="lt1"/>
+          </a:fontRef>
+        </p:style>
+        <p:txBody>
+          <a:bodyPr rtlCol="0" anchor="ctr"/>
+          <a:lstStyle/>
+          <a:p>
+            <a:pPr algn="ctr"/>
+            <a:endParaRPr lang="ru-RU"/>
+          </a:p>
+        </p:txBody>
+      </p:sp>
+      <p:cxnSp>
+        <p:nvCxnSpPr>
+          <p:cNvPr id="45" name="Прямая соединительная линия 44"/>
+          <p:cNvCxnSpPr>
+            <a:endCxn id="43" idx="1"/>
+          </p:cNvCxnSpPr>
+          <p:nvPr/>
+        </p:nvCxnSpPr>
+        <p:spPr>
+          <a:xfrm>
+            <a:off x="8989286" y="2230522"/>
+            <a:ext cx="646733" cy="250639"/>
+          </a:xfrm>
+          <a:prstGeom prst="line">
+            <a:avLst/>
+          </a:prstGeom>
+          <a:ln>
+            <a:solidFill>
+              <a:schemeClr val="tx1">
+                <a:lumMod val="75000"/>
+                <a:lumOff val="25000"/>
+              </a:schemeClr>
+            </a:solidFill>
+          </a:ln>
+        </p:spPr>
+        <p:style>
+          <a:lnRef idx="1">
+            <a:schemeClr val="accent1"/>
+          </a:lnRef>
+          <a:fillRef idx="0">
+            <a:schemeClr val="accent1"/>
+          </a:fillRef>
+          <a:effectRef idx="0">
+            <a:schemeClr val="accent1"/>
+          </a:effectRef>
+          <a:fontRef idx="minor">
+            <a:schemeClr val="tx1"/>
+          </a:fontRef>
+        </p:style>
+      </p:cxnSp>
+      <p:sp>
+        <p:nvSpPr>
+          <p:cNvPr id="70" name="Овал 69"/>
+          <p:cNvSpPr/>
+          <p:nvPr/>
+        </p:nvSpPr>
+        <p:spPr>
+          <a:xfrm>
+            <a:off x="9892122" y="50179"/>
+            <a:ext cx="2273711" cy="849245"/>
+          </a:xfrm>
+          <a:prstGeom prst="ellipse">
+            <a:avLst/>
+          </a:prstGeom>
+          <a:solidFill>
+            <a:schemeClr val="bg1">
+              <a:lumMod val="65000"/>
+            </a:schemeClr>
+          </a:solidFill>
+          <a:ln>
+            <a:noFill/>
+          </a:ln>
+        </p:spPr>
+        <p:style>
+          <a:lnRef idx="2">
+            <a:schemeClr val="accent1">
+              <a:shade val="50000"/>
+            </a:schemeClr>
+          </a:lnRef>
+          <a:fillRef idx="1">
+            <a:schemeClr val="accent1"/>
+          </a:fillRef>
+          <a:effectRef idx="0">
+            <a:schemeClr val="accent1"/>
+          </a:effectRef>
+          <a:fontRef idx="minor">
+            <a:schemeClr val="lt1"/>
+          </a:fontRef>
+        </p:style>
+        <p:txBody>
+          <a:bodyPr rtlCol="0" anchor="ctr"/>
+          <a:lstStyle/>
+          <a:p>
+            <a:pPr algn="ctr"/>
+            <a:r>
+              <a:rPr lang="ru-RU" dirty="0" smtClean="0"/>
+              <a:t>Стратегия</a:t>
+            </a:r>
+            <a:endParaRPr lang="ru-RU" dirty="0"/>
+          </a:p>
+        </p:txBody>
+      </p:sp>
+      <p:sp>
+        <p:nvSpPr>
+          <p:cNvPr id="10" name="Прямоугольник 9"/>
+          <p:cNvSpPr/>
+          <p:nvPr/>
+        </p:nvSpPr>
+        <p:spPr>
+          <a:xfrm>
+            <a:off x="6047556" y="2016699"/>
+            <a:ext cx="2837162" cy="954107"/>
+          </a:xfrm>
+          <a:prstGeom prst="rect">
+            <a:avLst/>
+          </a:prstGeom>
+        </p:spPr>
+        <p:txBody>
+          <a:bodyPr wrap="square">
+            <a:spAutoFit/>
+          </a:bodyPr>
+          <a:lstStyle/>
+          <a:p>
+            <a:pPr algn="ctr"/>
+            <a:r>
+              <a:rPr lang="ru-RU" sz="2800" b="1" dirty="0">
+                <a:solidFill>
+                  <a:schemeClr val="accent5">
+                    <a:lumMod val="50000"/>
+                  </a:schemeClr>
+                </a:solidFill>
+              </a:rPr>
+              <a:t>Требования (</a:t>
+            </a:r>
+            <a:r>
+              <a:rPr lang="en-US" sz="2800" b="1" dirty="0">
+                <a:solidFill>
+                  <a:schemeClr val="accent5">
+                    <a:lumMod val="50000"/>
+                  </a:schemeClr>
+                </a:solidFill>
+              </a:rPr>
+              <a:t>requirements</a:t>
+            </a:r>
+            <a:r>
+              <a:rPr lang="ru-RU" sz="2800" b="1" dirty="0">
+                <a:solidFill>
+                  <a:schemeClr val="accent5">
+                    <a:lumMod val="50000"/>
+                  </a:schemeClr>
+                </a:solidFill>
+              </a:rPr>
+              <a:t>)</a:t>
+            </a:r>
+            <a:endParaRPr lang="en-US" sz="2800" b="1" dirty="0">
+              <a:solidFill>
+                <a:schemeClr val="accent5">
+                  <a:lumMod val="50000"/>
+                </a:schemeClr>
+              </a:solidFill>
+            </a:endParaRPr>
+          </a:p>
+        </p:txBody>
+      </p:sp>
+      <p:sp>
+        <p:nvSpPr>
+          <p:cNvPr id="90" name="Молния 89"/>
+          <p:cNvSpPr/>
+          <p:nvPr/>
+        </p:nvSpPr>
+        <p:spPr>
+          <a:xfrm>
+            <a:off x="6203347" y="863920"/>
+            <a:ext cx="743755" cy="746482"/>
+          </a:xfrm>
+          <a:prstGeom prst="lightningBolt">
+            <a:avLst/>
+          </a:prstGeom>
+        </p:spPr>
+        <p:style>
+          <a:lnRef idx="2">
+            <a:schemeClr val="accent1">
+              <a:shade val="50000"/>
+            </a:schemeClr>
+          </a:lnRef>
+          <a:fillRef idx="1">
+            <a:schemeClr val="accent1"/>
+          </a:fillRef>
+          <a:effectRef idx="0">
+            <a:schemeClr val="accent1"/>
+          </a:effectRef>
+          <a:fontRef idx="minor">
+            <a:schemeClr val="lt1"/>
+          </a:fontRef>
+        </p:style>
+        <p:txBody>
+          <a:bodyPr rtlCol="0" anchor="ctr"/>
+          <a:lstStyle/>
+          <a:p>
+            <a:pPr algn="ctr"/>
+            <a:endParaRPr lang="ru-RU"/>
+          </a:p>
+        </p:txBody>
+      </p:sp>
+      <p:cxnSp>
+        <p:nvCxnSpPr>
+          <p:cNvPr id="92" name="Прямая соединительная линия 91"/>
+          <p:cNvCxnSpPr>
+            <a:endCxn id="66" idx="0"/>
+          </p:cNvCxnSpPr>
+          <p:nvPr/>
+        </p:nvCxnSpPr>
+        <p:spPr>
+          <a:xfrm>
+            <a:off x="8795981" y="3479632"/>
+            <a:ext cx="3396018" cy="3345529"/>
+          </a:xfrm>
+          <a:prstGeom prst="line">
+            <a:avLst/>
+          </a:prstGeom>
+          <a:ln cap="rnd">
+            <a:prstDash val="dash"/>
+            <a:bevel/>
+          </a:ln>
+        </p:spPr>
+        <p:style>
+          <a:lnRef idx="1">
+            <a:schemeClr val="accent1"/>
+          </a:lnRef>
+          <a:fillRef idx="0">
+            <a:schemeClr val="accent1"/>
+          </a:fillRef>
+          <a:effectRef idx="0">
+            <a:schemeClr val="accent1"/>
+          </a:effectRef>
+          <a:fontRef idx="minor">
+            <a:schemeClr val="tx1"/>
+          </a:fontRef>
+        </p:style>
+      </p:cxnSp>
+      <p:sp>
+        <p:nvSpPr>
+          <p:cNvPr id="94" name="Молния 93"/>
+          <p:cNvSpPr/>
+          <p:nvPr/>
+        </p:nvSpPr>
+        <p:spPr>
+          <a:xfrm rot="10601200">
+            <a:off x="8881899" y="3495984"/>
+            <a:ext cx="743755" cy="746482"/>
+          </a:xfrm>
+          <a:prstGeom prst="lightningBolt">
+            <a:avLst/>
+          </a:prstGeom>
+        </p:spPr>
+        <p:style>
+          <a:lnRef idx="2">
+            <a:schemeClr val="accent1">
+              <a:shade val="50000"/>
+            </a:schemeClr>
+          </a:lnRef>
+          <a:fillRef idx="1">
+            <a:schemeClr val="accent1"/>
+          </a:fillRef>
+          <a:effectRef idx="0">
+            <a:schemeClr val="accent1"/>
+          </a:effectRef>
+          <a:fontRef idx="minor">
+            <a:schemeClr val="lt1"/>
+          </a:fontRef>
+        </p:style>
+        <p:txBody>
+          <a:bodyPr rtlCol="0" anchor="ctr"/>
+          <a:lstStyle/>
+          <a:p>
+            <a:pPr algn="ctr"/>
+            <a:endParaRPr lang="ru-RU"/>
+          </a:p>
+        </p:txBody>
+      </p:sp>
+    </p:spTree>
+    <p:extLst>
+      <p:ext uri="{BB962C8B-B14F-4D97-AF65-F5344CB8AC3E}">
+        <p14:creationId xmlns:p14="http://schemas.microsoft.com/office/powerpoint/2010/main" val="30699778"/>
+      </p:ext>
+    </p:extLst>
+  </p:cSld>
+  <p:clrMapOvr>
+    <a:masterClrMapping/>
+  </p:clrMapOvr>
+</p:sld>
+</file>
+
+<file path=ppt/slides/slide4.xml><?xml version="1.0" encoding="utf-8"?>
+<p:sld xmlns:a="http://schemas.openxmlformats.org/drawingml/2006/main" xmlns:r="http://schemas.openxmlformats.org/officeDocument/2006/relationships" xmlns:p="http://schemas.openxmlformats.org/presentationml/2006/main">
+  <p:cSld>
+    <p:spTree>
+      <p:nvGrpSpPr>
+        <p:cNvPr id="1" name=""/>
+        <p:cNvGrpSpPr/>
+        <p:nvPr/>
+      </p:nvGrpSpPr>
+      <p:grpSpPr>
+        <a:xfrm>
+          <a:off x="0" y="0"/>
+          <a:ext cx="0" cy="0"/>
+          <a:chOff x="0" y="0"/>
+          <a:chExt cx="0" cy="0"/>
+        </a:xfrm>
+      </p:grpSpPr>
+      <p:sp>
+        <p:nvSpPr>
+          <p:cNvPr id="72" name="Прямоугольник 71"/>
+          <p:cNvSpPr/>
+          <p:nvPr/>
+        </p:nvSpPr>
+        <p:spPr>
+          <a:xfrm>
+            <a:off x="1" y="-45931"/>
+            <a:ext cx="12192000" cy="6917021"/>
+          </a:xfrm>
+          <a:prstGeom prst="rect">
+            <a:avLst/>
+          </a:prstGeom>
+          <a:solidFill>
+            <a:schemeClr val="accent6">
+              <a:lumMod val="20000"/>
+              <a:lumOff val="80000"/>
+              <a:alpha val="44000"/>
+            </a:schemeClr>
+          </a:solidFill>
+          <a:ln>
+            <a:noFill/>
+          </a:ln>
+        </p:spPr>
+        <p:style>
+          <a:lnRef idx="2">
+            <a:schemeClr val="accent1">
+              <a:shade val="50000"/>
+            </a:schemeClr>
+          </a:lnRef>
+          <a:fillRef idx="1">
+            <a:schemeClr val="accent1"/>
+          </a:fillRef>
+          <a:effectRef idx="0">
+            <a:schemeClr val="accent1"/>
+          </a:effectRef>
+          <a:fontRef idx="minor">
+            <a:schemeClr val="lt1"/>
+          </a:fontRef>
+        </p:style>
+        <p:txBody>
+          <a:bodyPr rtlCol="0" anchor="ctr"/>
+          <a:lstStyle/>
+          <a:p>
+            <a:pPr algn="ctr"/>
+            <a:r>
+              <a:rPr lang="ru-RU">
+                <a:solidFill>
+                  <a:schemeClr val="accent6">
+                    <a:lumMod val="50000"/>
+                  </a:schemeClr>
+                </a:solidFill>
+              </a:rPr>
+              <a:t>ИТ</a:t>
+            </a:r>
+            <a:endParaRPr lang="ru-RU"/>
+          </a:p>
+        </p:txBody>
+      </p:sp>
+      <p:sp>
+        <p:nvSpPr>
+          <p:cNvPr id="66" name="Прямоугольный треугольник 65"/>
+          <p:cNvSpPr/>
+          <p:nvPr/>
+        </p:nvSpPr>
+        <p:spPr>
+          <a:xfrm rot="10800000">
+            <a:off x="5360941" y="-2"/>
+            <a:ext cx="6831058" cy="6825163"/>
+          </a:xfrm>
+          <a:prstGeom prst="rtTriangle">
+            <a:avLst/>
+          </a:prstGeom>
+          <a:solidFill>
+            <a:schemeClr val="accent2">
+              <a:lumMod val="20000"/>
+              <a:lumOff val="80000"/>
+              <a:alpha val="53000"/>
+            </a:schemeClr>
+          </a:solidFill>
+          <a:ln>
+            <a:noFill/>
+          </a:ln>
+        </p:spPr>
+        <p:style>
+          <a:lnRef idx="2">
+            <a:schemeClr val="accent1">
+              <a:shade val="50000"/>
+            </a:schemeClr>
+          </a:lnRef>
+          <a:fillRef idx="1">
+            <a:schemeClr val="accent1"/>
+          </a:fillRef>
+          <a:effectRef idx="0">
+            <a:schemeClr val="accent1"/>
+          </a:effectRef>
+          <a:fontRef idx="minor">
+            <a:schemeClr val="lt1"/>
+          </a:fontRef>
+        </p:style>
+        <p:txBody>
+          <a:bodyPr rtlCol="0" anchor="ctr"/>
+          <a:lstStyle/>
+          <a:p>
+            <a:pPr algn="ctr"/>
+            <a:endParaRPr lang="ru-RU"/>
+          </a:p>
+        </p:txBody>
+      </p:sp>
+      <p:sp>
+        <p:nvSpPr>
+          <p:cNvPr id="4" name="Прямоугольник 3"/>
+          <p:cNvSpPr/>
+          <p:nvPr/>
+        </p:nvSpPr>
+        <p:spPr>
+          <a:xfrm>
+            <a:off x="682690" y="3054819"/>
+            <a:ext cx="6002231" cy="3429000"/>
+          </a:xfrm>
+          <a:prstGeom prst="rect">
+            <a:avLst/>
+          </a:prstGeom>
+          <a:solidFill>
+            <a:schemeClr val="accent6">
+              <a:lumMod val="40000"/>
+              <a:lumOff val="60000"/>
+            </a:schemeClr>
+          </a:solidFill>
+          <a:ln>
+            <a:noFill/>
+          </a:ln>
+        </p:spPr>
+        <p:style>
+          <a:lnRef idx="2">
+            <a:schemeClr val="accent1">
+              <a:shade val="50000"/>
+            </a:schemeClr>
+          </a:lnRef>
+          <a:fillRef idx="1">
+            <a:schemeClr val="accent1"/>
+          </a:fillRef>
+          <a:effectRef idx="0">
+            <a:schemeClr val="accent1"/>
+          </a:effectRef>
+          <a:fontRef idx="minor">
+            <a:schemeClr val="lt1"/>
+          </a:fontRef>
+        </p:style>
+        <p:txBody>
+          <a:bodyPr rtlCol="0" anchor="ctr"/>
+          <a:lstStyle/>
+          <a:p>
+            <a:pPr algn="ctr"/>
+            <a:endParaRPr lang="ru-RU"/>
+          </a:p>
+        </p:txBody>
+      </p:sp>
+      <p:sp>
+        <p:nvSpPr>
+          <p:cNvPr id="2" name="Заголовок 1"/>
+          <p:cNvSpPr>
+            <a:spLocks noGrp="1"/>
+          </p:cNvSpPr>
+          <p:nvPr>
+            <p:ph type="title"/>
+          </p:nvPr>
+        </p:nvSpPr>
+        <p:spPr>
+          <a:xfrm>
+            <a:off x="452946" y="543823"/>
+            <a:ext cx="5592268" cy="802505"/>
+          </a:xfrm>
+        </p:spPr>
+        <p:txBody>
+          <a:bodyPr>
+            <a:noAutofit/>
+          </a:bodyPr>
+          <a:lstStyle/>
+          <a:p>
+            <a:pPr>
+              <a:tabLst>
+                <a:tab pos="6997700" algn="l"/>
+              </a:tabLst>
+            </a:pPr>
+            <a:r>
+              <a:rPr lang="en-US" dirty="0" smtClean="0"/>
+              <a:t>Software development</a:t>
+            </a:r>
+            <a:endParaRPr lang="ru-RU" dirty="0"/>
+          </a:p>
+        </p:txBody>
+      </p:sp>
+      <p:sp>
+        <p:nvSpPr>
+          <p:cNvPr id="7" name="Прямоугольник 6"/>
+          <p:cNvSpPr/>
+          <p:nvPr/>
+        </p:nvSpPr>
+        <p:spPr>
+          <a:xfrm>
+            <a:off x="946895" y="4694675"/>
+            <a:ext cx="2166585" cy="1558344"/>
+          </a:xfrm>
+          <a:prstGeom prst="rect">
+            <a:avLst/>
+          </a:prstGeom>
+          <a:pattFill prst="pct10">
+            <a:fgClr>
+              <a:schemeClr val="accent6">
+                <a:lumMod val="20000"/>
+                <a:lumOff val="80000"/>
+              </a:schemeClr>
+            </a:fgClr>
+            <a:bgClr>
+              <a:schemeClr val="accent6">
+                <a:lumMod val="60000"/>
+                <a:lumOff val="40000"/>
+              </a:schemeClr>
+            </a:bgClr>
+          </a:pattFill>
+          <a:ln w="19050">
+            <a:prstDash val="dash"/>
+          </a:ln>
+        </p:spPr>
+        <p:style>
+          <a:lnRef idx="2">
+            <a:schemeClr val="accent1">
+              <a:shade val="50000"/>
+            </a:schemeClr>
+          </a:lnRef>
+          <a:fillRef idx="1">
+            <a:schemeClr val="accent1"/>
+          </a:fillRef>
+          <a:effectRef idx="0">
+            <a:schemeClr val="accent1"/>
+          </a:effectRef>
+          <a:fontRef idx="minor">
+            <a:schemeClr val="lt1"/>
+          </a:fontRef>
+        </p:style>
+        <p:txBody>
+          <a:bodyPr rtlCol="0" anchor="ctr"/>
+          <a:lstStyle/>
+          <a:p>
+            <a:pPr algn="ctr"/>
+            <a:endParaRPr lang="ru-RU"/>
+          </a:p>
+        </p:txBody>
+      </p:sp>
+      <p:sp>
+        <p:nvSpPr>
+          <p:cNvPr id="8" name="TextBox 7"/>
+          <p:cNvSpPr txBox="1"/>
+          <p:nvPr/>
+        </p:nvSpPr>
+        <p:spPr>
+          <a:xfrm>
+            <a:off x="988668" y="4724802"/>
+            <a:ext cx="1828303" cy="523220"/>
+          </a:xfrm>
+          <a:prstGeom prst="rect">
+            <a:avLst/>
+          </a:prstGeom>
+          <a:noFill/>
+        </p:spPr>
+        <p:txBody>
+          <a:bodyPr wrap="square" rtlCol="0">
+            <a:spAutoFit/>
+          </a:bodyPr>
+          <a:lstStyle/>
+          <a:p>
+            <a:r>
+              <a:rPr lang="en-US" sz="2800" dirty="0" smtClean="0">
+                <a:solidFill>
+                  <a:schemeClr val="accent6">
+                    <a:lumMod val="50000"/>
+                  </a:schemeClr>
+                </a:solidFill>
+              </a:rPr>
+              <a:t>Classroom</a:t>
+            </a:r>
+            <a:endParaRPr lang="ru-RU" sz="2800" dirty="0">
+              <a:solidFill>
+                <a:schemeClr val="accent6">
+                  <a:lumMod val="50000"/>
+                </a:schemeClr>
+              </a:solidFill>
+            </a:endParaRPr>
+          </a:p>
+        </p:txBody>
+      </p:sp>
+      <p:sp>
+        <p:nvSpPr>
+          <p:cNvPr id="11" name="Овал 10"/>
+          <p:cNvSpPr/>
+          <p:nvPr/>
+        </p:nvSpPr>
+        <p:spPr>
+          <a:xfrm>
+            <a:off x="3547965" y="4762239"/>
+            <a:ext cx="261257" cy="268690"/>
+          </a:xfrm>
+          <a:prstGeom prst="ellipse">
+            <a:avLst/>
+          </a:prstGeom>
+          <a:solidFill>
+            <a:schemeClr val="accent6">
+              <a:lumMod val="50000"/>
+            </a:schemeClr>
+          </a:solidFill>
+          <a:ln>
+            <a:noFill/>
+          </a:ln>
+        </p:spPr>
+        <p:style>
+          <a:lnRef idx="2">
+            <a:schemeClr val="accent1">
+              <a:shade val="50000"/>
+            </a:schemeClr>
+          </a:lnRef>
+          <a:fillRef idx="1">
+            <a:schemeClr val="accent1"/>
+          </a:fillRef>
+          <a:effectRef idx="0">
+            <a:schemeClr val="accent1"/>
+          </a:effectRef>
+          <a:fontRef idx="minor">
+            <a:schemeClr val="lt1"/>
+          </a:fontRef>
+        </p:style>
+        <p:txBody>
+          <a:bodyPr rtlCol="0" anchor="ctr"/>
+          <a:lstStyle/>
+          <a:p>
+            <a:pPr algn="ctr"/>
+            <a:endParaRPr lang="ru-RU"/>
+          </a:p>
+        </p:txBody>
+      </p:sp>
+      <p:sp>
+        <p:nvSpPr>
+          <p:cNvPr id="13" name="Овал 12"/>
+          <p:cNvSpPr/>
+          <p:nvPr/>
+        </p:nvSpPr>
+        <p:spPr>
+          <a:xfrm>
+            <a:off x="835540" y="6099729"/>
+            <a:ext cx="261257" cy="268690"/>
+          </a:xfrm>
+          <a:prstGeom prst="ellipse">
+            <a:avLst/>
+          </a:prstGeom>
+          <a:solidFill>
+            <a:schemeClr val="accent6">
+              <a:lumMod val="50000"/>
+            </a:schemeClr>
+          </a:solidFill>
+          <a:ln>
+            <a:noFill/>
+          </a:ln>
+        </p:spPr>
+        <p:style>
+          <a:lnRef idx="2">
+            <a:schemeClr val="accent1">
+              <a:shade val="50000"/>
+            </a:schemeClr>
+          </a:lnRef>
+          <a:fillRef idx="1">
+            <a:schemeClr val="accent1"/>
+          </a:fillRef>
+          <a:effectRef idx="0">
+            <a:schemeClr val="accent1"/>
+          </a:effectRef>
+          <a:fontRef idx="minor">
+            <a:schemeClr val="lt1"/>
+          </a:fontRef>
+        </p:style>
+        <p:txBody>
+          <a:bodyPr rtlCol="0" anchor="ctr"/>
+          <a:lstStyle/>
+          <a:p>
+            <a:pPr algn="ctr"/>
+            <a:endParaRPr lang="ru-RU"/>
+          </a:p>
+        </p:txBody>
+      </p:sp>
+      <p:sp>
+        <p:nvSpPr>
+          <p:cNvPr id="15" name="Прямоугольный треугольник 14"/>
+          <p:cNvSpPr/>
+          <p:nvPr/>
+        </p:nvSpPr>
+        <p:spPr>
+          <a:xfrm rot="10800000">
+            <a:off x="4013881" y="3054817"/>
+            <a:ext cx="2671040" cy="2550144"/>
+          </a:xfrm>
+          <a:prstGeom prst="rtTriangle">
+            <a:avLst/>
+          </a:prstGeom>
+          <a:pattFill prst="ltUpDiag">
+            <a:fgClr>
+              <a:schemeClr val="accent6">
+                <a:lumMod val="75000"/>
+              </a:schemeClr>
+            </a:fgClr>
+            <a:bgClr>
+              <a:schemeClr val="accent6">
+                <a:lumMod val="40000"/>
+                <a:lumOff val="60000"/>
+              </a:schemeClr>
+            </a:bgClr>
+          </a:pattFill>
+          <a:ln>
+            <a:noFill/>
+          </a:ln>
+        </p:spPr>
+        <p:style>
+          <a:lnRef idx="2">
+            <a:schemeClr val="accent1">
+              <a:shade val="50000"/>
+            </a:schemeClr>
+          </a:lnRef>
+          <a:fillRef idx="1">
+            <a:schemeClr val="accent1"/>
+          </a:fillRef>
+          <a:effectRef idx="0">
+            <a:schemeClr val="accent1"/>
+          </a:effectRef>
+          <a:fontRef idx="minor">
+            <a:schemeClr val="lt1"/>
+          </a:fontRef>
+        </p:style>
+        <p:txBody>
+          <a:bodyPr rtlCol="0" anchor="ctr"/>
+          <a:lstStyle/>
+          <a:p>
+            <a:pPr algn="ctr"/>
+            <a:endParaRPr lang="ru-RU"/>
+          </a:p>
+        </p:txBody>
+      </p:sp>
+      <p:sp>
+        <p:nvSpPr>
+          <p:cNvPr id="12" name="Овал 11"/>
+          <p:cNvSpPr/>
+          <p:nvPr/>
+        </p:nvSpPr>
+        <p:spPr>
+          <a:xfrm>
+            <a:off x="5896501" y="3659896"/>
+            <a:ext cx="261257" cy="268690"/>
+          </a:xfrm>
+          <a:prstGeom prst="ellipse">
+            <a:avLst/>
+          </a:prstGeom>
+          <a:solidFill>
+            <a:schemeClr val="accent6">
+              <a:lumMod val="50000"/>
+            </a:schemeClr>
+          </a:solidFill>
+          <a:ln>
+            <a:noFill/>
+          </a:ln>
+        </p:spPr>
+        <p:style>
+          <a:lnRef idx="2">
+            <a:schemeClr val="accent1">
+              <a:shade val="50000"/>
+            </a:schemeClr>
+          </a:lnRef>
+          <a:fillRef idx="1">
+            <a:schemeClr val="accent1"/>
+          </a:fillRef>
+          <a:effectRef idx="0">
+            <a:schemeClr val="accent1"/>
+          </a:effectRef>
+          <a:fontRef idx="minor">
+            <a:schemeClr val="lt1"/>
+          </a:fontRef>
+        </p:style>
+        <p:txBody>
+          <a:bodyPr rtlCol="0" anchor="ctr"/>
+          <a:lstStyle/>
+          <a:p>
+            <a:pPr algn="ctr"/>
+            <a:endParaRPr lang="ru-RU"/>
+          </a:p>
+        </p:txBody>
+      </p:sp>
+      <p:sp>
+        <p:nvSpPr>
+          <p:cNvPr id="16" name="TextBox 15"/>
+          <p:cNvSpPr txBox="1"/>
+          <p:nvPr/>
+        </p:nvSpPr>
+        <p:spPr>
+          <a:xfrm>
+            <a:off x="3387156" y="5279958"/>
+            <a:ext cx="2318994" cy="954107"/>
+          </a:xfrm>
+          <a:prstGeom prst="rect">
+            <a:avLst/>
+          </a:prstGeom>
+          <a:noFill/>
+        </p:spPr>
+        <p:txBody>
+          <a:bodyPr wrap="square" rtlCol="0">
+            <a:spAutoFit/>
+          </a:bodyPr>
+          <a:lstStyle/>
+          <a:p>
+            <a:r>
+              <a:rPr lang="en-US" sz="2800" dirty="0" smtClean="0">
+                <a:solidFill>
+                  <a:schemeClr val="bg2">
+                    <a:lumMod val="25000"/>
+                  </a:schemeClr>
+                </a:solidFill>
+              </a:rPr>
+              <a:t>Junior</a:t>
+            </a:r>
+            <a:r>
+              <a:rPr lang="ru-RU" sz="2800" dirty="0" smtClean="0">
+                <a:solidFill>
+                  <a:schemeClr val="bg2">
+                    <a:lumMod val="25000"/>
+                  </a:schemeClr>
+                </a:solidFill>
+              </a:rPr>
+              <a:t> </a:t>
+            </a:r>
+            <a:r>
+              <a:rPr lang="en-US" sz="2800" dirty="0" smtClean="0">
+                <a:solidFill>
+                  <a:schemeClr val="bg2">
+                    <a:lumMod val="25000"/>
+                  </a:schemeClr>
+                </a:solidFill>
+              </a:rPr>
+              <a:t>developer</a:t>
+            </a:r>
+            <a:endParaRPr lang="ru-RU" sz="2800" dirty="0">
+              <a:solidFill>
+                <a:schemeClr val="bg2">
+                  <a:lumMod val="25000"/>
+                </a:schemeClr>
+              </a:solidFill>
+            </a:endParaRPr>
+          </a:p>
+        </p:txBody>
+      </p:sp>
+      <p:sp>
+        <p:nvSpPr>
+          <p:cNvPr id="17" name="TextBox 16"/>
+          <p:cNvSpPr txBox="1"/>
+          <p:nvPr/>
+        </p:nvSpPr>
+        <p:spPr>
+          <a:xfrm>
+            <a:off x="3119471" y="3354504"/>
+            <a:ext cx="2384100" cy="523220"/>
+          </a:xfrm>
+          <a:prstGeom prst="rect">
+            <a:avLst/>
+          </a:prstGeom>
+          <a:noFill/>
+        </p:spPr>
+        <p:txBody>
+          <a:bodyPr wrap="square" rtlCol="0">
+            <a:spAutoFit/>
+          </a:bodyPr>
+          <a:lstStyle>
+            <a:defPPr>
+              <a:defRPr lang="ru-RU"/>
+            </a:defPPr>
+            <a:lvl1pPr>
+              <a:defRPr sz="2800">
+                <a:solidFill>
+                  <a:schemeClr val="bg2">
+                    <a:lumMod val="25000"/>
+                  </a:schemeClr>
+                </a:solidFill>
+              </a:defRPr>
+            </a:lvl1pPr>
+          </a:lstStyle>
+          <a:p>
+            <a:pPr algn="r"/>
+            <a:r>
+              <a:rPr lang="en-US" dirty="0" smtClean="0"/>
+              <a:t>Senior dev</a:t>
+            </a:r>
+            <a:endParaRPr lang="ru-RU" dirty="0"/>
+          </a:p>
+        </p:txBody>
+      </p:sp>
+      <p:sp>
+        <p:nvSpPr>
+          <p:cNvPr id="18" name="TextBox 17"/>
+          <p:cNvSpPr txBox="1"/>
+          <p:nvPr/>
+        </p:nvSpPr>
+        <p:spPr>
+          <a:xfrm>
+            <a:off x="965607" y="6385363"/>
+            <a:ext cx="1512118" cy="523220"/>
+          </a:xfrm>
+          <a:prstGeom prst="rect">
+            <a:avLst/>
+          </a:prstGeom>
+          <a:noFill/>
+        </p:spPr>
+        <p:txBody>
+          <a:bodyPr wrap="square" rtlCol="0">
+            <a:spAutoFit/>
+          </a:bodyPr>
+          <a:lstStyle/>
+          <a:p>
+            <a:r>
+              <a:rPr lang="en-US" sz="2800" dirty="0" smtClean="0">
+                <a:solidFill>
+                  <a:schemeClr val="bg2">
+                    <a:lumMod val="25000"/>
+                  </a:schemeClr>
+                </a:solidFill>
+              </a:rPr>
+              <a:t>“Starter”</a:t>
+            </a:r>
+            <a:endParaRPr lang="ru-RU" sz="2800" dirty="0">
+              <a:solidFill>
+                <a:schemeClr val="bg2">
+                  <a:lumMod val="25000"/>
+                </a:schemeClr>
+              </a:solidFill>
+            </a:endParaRPr>
+          </a:p>
+        </p:txBody>
+      </p:sp>
+      <p:sp>
+        <p:nvSpPr>
+          <p:cNvPr id="19" name="TextBox 18"/>
+          <p:cNvSpPr txBox="1"/>
+          <p:nvPr/>
+        </p:nvSpPr>
+        <p:spPr>
+          <a:xfrm rot="2595840">
+            <a:off x="4342217" y="4730623"/>
+            <a:ext cx="2668169" cy="707886"/>
+          </a:xfrm>
+          <a:prstGeom prst="rect">
+            <a:avLst/>
+          </a:prstGeom>
+          <a:noFill/>
+        </p:spPr>
+        <p:txBody>
+          <a:bodyPr wrap="square" rtlCol="0">
+            <a:spAutoFit/>
+          </a:bodyPr>
+          <a:lstStyle/>
+          <a:p>
+            <a:pPr algn="ctr"/>
+            <a:r>
+              <a:rPr lang="en-US" sz="2000" dirty="0" smtClean="0">
+                <a:solidFill>
+                  <a:schemeClr val="accent6">
+                    <a:lumMod val="50000"/>
+                  </a:schemeClr>
+                </a:solidFill>
+              </a:rPr>
+              <a:t>Software design decisions</a:t>
+            </a:r>
+            <a:endParaRPr lang="ru-RU" sz="2000" dirty="0">
+              <a:solidFill>
+                <a:schemeClr val="accent6">
+                  <a:lumMod val="50000"/>
+                </a:schemeClr>
+              </a:solidFill>
+            </a:endParaRPr>
+          </a:p>
+        </p:txBody>
+      </p:sp>
+      <p:sp>
+        <p:nvSpPr>
+          <p:cNvPr id="22" name="TextBox 21"/>
+          <p:cNvSpPr txBox="1"/>
+          <p:nvPr/>
+        </p:nvSpPr>
+        <p:spPr>
+          <a:xfrm>
+            <a:off x="4149833" y="6422450"/>
+            <a:ext cx="2896706" cy="400110"/>
+          </a:xfrm>
+          <a:prstGeom prst="rect">
+            <a:avLst/>
+          </a:prstGeom>
+          <a:noFill/>
+        </p:spPr>
+        <p:txBody>
+          <a:bodyPr wrap="square" rtlCol="0">
+            <a:spAutoFit/>
+          </a:bodyPr>
+          <a:lstStyle/>
+          <a:p>
+            <a:r>
+              <a:rPr lang="en-US" sz="2000" dirty="0" smtClean="0">
+                <a:solidFill>
+                  <a:schemeClr val="accent6">
+                    <a:lumMod val="50000"/>
+                  </a:schemeClr>
+                </a:solidFill>
+              </a:rPr>
+              <a:t>Task complexity</a:t>
+            </a:r>
+            <a:endParaRPr lang="ru-RU" sz="2000" dirty="0">
+              <a:solidFill>
+                <a:schemeClr val="accent6">
+                  <a:lumMod val="50000"/>
+                </a:schemeClr>
+              </a:solidFill>
+            </a:endParaRPr>
+          </a:p>
+        </p:txBody>
+      </p:sp>
+      <p:sp>
+        <p:nvSpPr>
+          <p:cNvPr id="23" name="Стрелка вправо 22"/>
+          <p:cNvSpPr/>
+          <p:nvPr/>
+        </p:nvSpPr>
+        <p:spPr>
+          <a:xfrm>
+            <a:off x="6322400" y="6528570"/>
+            <a:ext cx="346850" cy="258749"/>
+          </a:xfrm>
+          <a:prstGeom prst="rightArrow">
+            <a:avLst/>
+          </a:prstGeom>
+          <a:solidFill>
+            <a:schemeClr val="accent6">
+              <a:lumMod val="40000"/>
+              <a:lumOff val="60000"/>
+            </a:schemeClr>
+          </a:solidFill>
+          <a:ln>
+            <a:noFill/>
+          </a:ln>
+        </p:spPr>
+        <p:style>
+          <a:lnRef idx="2">
+            <a:schemeClr val="accent1">
+              <a:shade val="50000"/>
+            </a:schemeClr>
+          </a:lnRef>
+          <a:fillRef idx="1">
+            <a:schemeClr val="accent1"/>
+          </a:fillRef>
+          <a:effectRef idx="0">
+            <a:schemeClr val="accent1"/>
+          </a:effectRef>
+          <a:fontRef idx="minor">
+            <a:schemeClr val="lt1"/>
+          </a:fontRef>
+        </p:style>
+        <p:txBody>
+          <a:bodyPr rtlCol="0" anchor="ctr"/>
+          <a:lstStyle/>
+          <a:p>
+            <a:pPr algn="ctr"/>
+            <a:endParaRPr lang="ru-RU"/>
+          </a:p>
+        </p:txBody>
+      </p:sp>
+      <p:sp>
+        <p:nvSpPr>
+          <p:cNvPr id="24" name="TextBox 23"/>
+          <p:cNvSpPr txBox="1"/>
+          <p:nvPr/>
+        </p:nvSpPr>
+        <p:spPr>
+          <a:xfrm rot="16200000">
+            <a:off x="-1005932" y="4765030"/>
+            <a:ext cx="2896706" cy="400110"/>
+          </a:xfrm>
+          <a:prstGeom prst="rect">
+            <a:avLst/>
+          </a:prstGeom>
+          <a:noFill/>
+        </p:spPr>
+        <p:txBody>
+          <a:bodyPr wrap="square" rtlCol="0">
+            <a:spAutoFit/>
+          </a:bodyPr>
+          <a:lstStyle>
+            <a:defPPr>
+              <a:defRPr lang="ru-RU"/>
+            </a:defPPr>
+            <a:lvl1pPr>
+              <a:defRPr sz="2000">
+                <a:solidFill>
+                  <a:schemeClr val="accent6">
+                    <a:lumMod val="50000"/>
+                  </a:schemeClr>
+                </a:solidFill>
+              </a:defRPr>
+            </a:lvl1pPr>
+          </a:lstStyle>
+          <a:p>
+            <a:pPr algn="r"/>
+            <a:r>
+              <a:rPr lang="en-US" dirty="0" smtClean="0"/>
+              <a:t>Code quality</a:t>
+            </a:r>
+            <a:endParaRPr lang="ru-RU" dirty="0"/>
+          </a:p>
+        </p:txBody>
+      </p:sp>
+      <p:sp>
+        <p:nvSpPr>
+          <p:cNvPr id="25" name="Стрелка вправо 24"/>
+          <p:cNvSpPr/>
+          <p:nvPr/>
+        </p:nvSpPr>
+        <p:spPr>
+          <a:xfrm rot="-5400000">
+            <a:off x="276563" y="3126200"/>
+            <a:ext cx="346850" cy="258749"/>
+          </a:xfrm>
+          <a:prstGeom prst="rightArrow">
+            <a:avLst/>
+          </a:prstGeom>
+          <a:solidFill>
+            <a:schemeClr val="accent6">
+              <a:lumMod val="40000"/>
+              <a:lumOff val="60000"/>
+            </a:schemeClr>
+          </a:solidFill>
+          <a:ln>
+            <a:noFill/>
+          </a:ln>
+        </p:spPr>
+        <p:style>
+          <a:lnRef idx="2">
+            <a:schemeClr val="accent1">
+              <a:shade val="50000"/>
+            </a:schemeClr>
+          </a:lnRef>
+          <a:fillRef idx="1">
+            <a:schemeClr val="accent1"/>
+          </a:fillRef>
+          <a:effectRef idx="0">
+            <a:schemeClr val="accent1"/>
+          </a:effectRef>
+          <a:fontRef idx="minor">
+            <a:schemeClr val="lt1"/>
+          </a:fontRef>
+        </p:style>
+        <p:txBody>
+          <a:bodyPr rtlCol="0" anchor="ctr"/>
+          <a:lstStyle/>
+          <a:p>
+            <a:pPr algn="ctr"/>
+            <a:endParaRPr lang="ru-RU"/>
+          </a:p>
+        </p:txBody>
+      </p:sp>
+      <p:cxnSp>
+        <p:nvCxnSpPr>
+          <p:cNvPr id="27" name="Прямая со стрелкой 26"/>
+          <p:cNvCxnSpPr/>
+          <p:nvPr/>
+        </p:nvCxnSpPr>
+        <p:spPr>
+          <a:xfrm flipV="1">
+            <a:off x="1220571" y="5030929"/>
+            <a:ext cx="2155168" cy="1018180"/>
+          </a:xfrm>
+          <a:prstGeom prst="straightConnector1">
+            <a:avLst/>
+          </a:prstGeom>
+          <a:ln>
+            <a:solidFill>
+              <a:schemeClr val="accent6">
+                <a:lumMod val="50000"/>
+              </a:schemeClr>
+            </a:solidFill>
+            <a:tailEnd type="triangle"/>
+          </a:ln>
+        </p:spPr>
+        <p:style>
+          <a:lnRef idx="1">
+            <a:schemeClr val="accent1"/>
+          </a:lnRef>
+          <a:fillRef idx="0">
+            <a:schemeClr val="accent1"/>
+          </a:fillRef>
+          <a:effectRef idx="0">
+            <a:schemeClr val="accent1"/>
+          </a:effectRef>
+          <a:fontRef idx="minor">
+            <a:schemeClr val="tx1"/>
+          </a:fontRef>
+        </p:style>
+      </p:cxnSp>
+      <p:cxnSp>
+        <p:nvCxnSpPr>
+          <p:cNvPr id="28" name="Прямая со стрелкой 27"/>
+          <p:cNvCxnSpPr/>
+          <p:nvPr/>
+        </p:nvCxnSpPr>
+        <p:spPr>
+          <a:xfrm flipV="1">
+            <a:off x="3954932" y="3931626"/>
+            <a:ext cx="1694349" cy="830614"/>
+          </a:xfrm>
+          <a:prstGeom prst="straightConnector1">
+            <a:avLst/>
+          </a:prstGeom>
+          <a:ln>
+            <a:solidFill>
+              <a:schemeClr val="accent6">
+                <a:lumMod val="50000"/>
+              </a:schemeClr>
+            </a:solidFill>
+            <a:tailEnd type="triangle"/>
+          </a:ln>
+        </p:spPr>
+        <p:style>
+          <a:lnRef idx="1">
+            <a:schemeClr val="accent1"/>
+          </a:lnRef>
+          <a:fillRef idx="0">
+            <a:schemeClr val="accent1"/>
+          </a:fillRef>
+          <a:effectRef idx="0">
+            <a:schemeClr val="accent1"/>
+          </a:effectRef>
+          <a:fontRef idx="minor">
+            <a:schemeClr val="tx1"/>
+          </a:fontRef>
+        </p:style>
+      </p:cxnSp>
+      <p:sp>
+        <p:nvSpPr>
+          <p:cNvPr id="33" name="Овал 32"/>
+          <p:cNvSpPr/>
+          <p:nvPr/>
+        </p:nvSpPr>
+        <p:spPr>
+          <a:xfrm>
+            <a:off x="5649281" y="1567382"/>
+            <a:ext cx="3918856" cy="2140419"/>
+          </a:xfrm>
+          <a:prstGeom prst="ellipse">
+            <a:avLst/>
+          </a:prstGeom>
+          <a:solidFill>
+            <a:schemeClr val="accent1">
+              <a:lumMod val="60000"/>
+              <a:lumOff val="40000"/>
+            </a:schemeClr>
+          </a:solidFill>
+          <a:ln>
+            <a:solidFill>
+              <a:schemeClr val="bg1"/>
+            </a:solidFill>
+          </a:ln>
+        </p:spPr>
+        <p:style>
+          <a:lnRef idx="2">
+            <a:schemeClr val="accent1">
+              <a:shade val="50000"/>
+            </a:schemeClr>
+          </a:lnRef>
+          <a:fillRef idx="1">
+            <a:schemeClr val="accent1"/>
+          </a:fillRef>
+          <a:effectRef idx="0">
+            <a:schemeClr val="accent1"/>
+          </a:effectRef>
+          <a:fontRef idx="minor">
+            <a:schemeClr val="lt1"/>
+          </a:fontRef>
+        </p:style>
+        <p:txBody>
+          <a:bodyPr rtlCol="0" anchor="ctr"/>
+          <a:lstStyle/>
+          <a:p>
+            <a:pPr algn="ctr"/>
+            <a:endParaRPr lang="ru-RU" sz="3200" dirty="0"/>
+          </a:p>
+        </p:txBody>
+      </p:sp>
+      <p:sp>
+        <p:nvSpPr>
+          <p:cNvPr id="34" name="TextBox 33"/>
+          <p:cNvSpPr txBox="1"/>
+          <p:nvPr/>
+        </p:nvSpPr>
+        <p:spPr>
+          <a:xfrm>
+            <a:off x="634490" y="2484762"/>
+            <a:ext cx="3490593" cy="523220"/>
+          </a:xfrm>
+          <a:prstGeom prst="rect">
+            <a:avLst/>
+          </a:prstGeom>
+          <a:noFill/>
+        </p:spPr>
+        <p:txBody>
+          <a:bodyPr wrap="square" rtlCol="0">
+            <a:spAutoFit/>
+          </a:bodyPr>
+          <a:lstStyle/>
+          <a:p>
+            <a:r>
+              <a:rPr lang="en-US" sz="2800" dirty="0" smtClean="0">
+                <a:solidFill>
+                  <a:schemeClr val="accent6">
+                    <a:lumMod val="50000"/>
+                  </a:schemeClr>
+                </a:solidFill>
+              </a:rPr>
+              <a:t>IT system/software</a:t>
+            </a:r>
+            <a:endParaRPr lang="ru-RU" sz="2800" dirty="0">
+              <a:solidFill>
+                <a:schemeClr val="accent6">
+                  <a:lumMod val="50000"/>
+                </a:schemeClr>
+              </a:solidFill>
+            </a:endParaRPr>
+          </a:p>
+        </p:txBody>
+      </p:sp>
+      <p:cxnSp>
+        <p:nvCxnSpPr>
+          <p:cNvPr id="37" name="Прямая соединительная линия 36"/>
+          <p:cNvCxnSpPr/>
+          <p:nvPr/>
+        </p:nvCxnSpPr>
+        <p:spPr>
+          <a:xfrm>
+            <a:off x="3705644" y="4917670"/>
+            <a:ext cx="160719" cy="330352"/>
+          </a:xfrm>
+          <a:prstGeom prst="line">
+            <a:avLst/>
+          </a:prstGeom>
+          <a:ln>
+            <a:solidFill>
+              <a:schemeClr val="accent6">
+                <a:lumMod val="75000"/>
+              </a:schemeClr>
+            </a:solidFill>
+          </a:ln>
+        </p:spPr>
+        <p:style>
+          <a:lnRef idx="1">
+            <a:schemeClr val="accent1"/>
+          </a:lnRef>
+          <a:fillRef idx="0">
+            <a:schemeClr val="accent1"/>
+          </a:fillRef>
+          <a:effectRef idx="0">
+            <a:schemeClr val="accent1"/>
+          </a:effectRef>
+          <a:fontRef idx="minor">
+            <a:schemeClr val="tx1"/>
+          </a:fontRef>
+        </p:style>
+      </p:cxnSp>
+      <p:cxnSp>
+        <p:nvCxnSpPr>
+          <p:cNvPr id="40" name="Прямая соединительная линия 39"/>
+          <p:cNvCxnSpPr>
+            <a:endCxn id="18" idx="1"/>
+          </p:cNvCxnSpPr>
+          <p:nvPr/>
+        </p:nvCxnSpPr>
+        <p:spPr>
+          <a:xfrm>
+            <a:off x="946895" y="6407086"/>
+            <a:ext cx="18712" cy="239887"/>
+          </a:xfrm>
+          <a:prstGeom prst="line">
+            <a:avLst/>
+          </a:prstGeom>
+          <a:ln>
+            <a:solidFill>
+              <a:schemeClr val="accent6">
+                <a:lumMod val="75000"/>
+              </a:schemeClr>
+            </a:solidFill>
+          </a:ln>
+        </p:spPr>
+        <p:style>
+          <a:lnRef idx="1">
+            <a:schemeClr val="accent1"/>
+          </a:lnRef>
+          <a:fillRef idx="0">
+            <a:schemeClr val="accent1"/>
+          </a:fillRef>
+          <a:effectRef idx="0">
+            <a:schemeClr val="accent1"/>
+          </a:effectRef>
+          <a:fontRef idx="minor">
+            <a:schemeClr val="tx1"/>
+          </a:fontRef>
+        </p:style>
+      </p:cxnSp>
+      <p:sp>
+        <p:nvSpPr>
+          <p:cNvPr id="43" name="TextBox 42"/>
+          <p:cNvSpPr txBox="1"/>
+          <p:nvPr/>
+        </p:nvSpPr>
+        <p:spPr>
+          <a:xfrm>
+            <a:off x="9603765" y="2395819"/>
+            <a:ext cx="2347947" cy="400110"/>
+          </a:xfrm>
+          <a:prstGeom prst="rect">
+            <a:avLst/>
+          </a:prstGeom>
+          <a:noFill/>
+        </p:spPr>
+        <p:txBody>
+          <a:bodyPr wrap="square" rtlCol="0">
+            <a:spAutoFit/>
+          </a:bodyPr>
+          <a:lstStyle>
+            <a:defPPr>
+              <a:defRPr lang="ru-RU"/>
+            </a:defPPr>
+            <a:lvl1pPr>
+              <a:defRPr sz="2800">
+                <a:solidFill>
+                  <a:schemeClr val="bg2">
+                    <a:lumMod val="25000"/>
+                  </a:schemeClr>
+                </a:solidFill>
+              </a:defRPr>
+            </a:lvl1pPr>
+          </a:lstStyle>
+          <a:p>
+            <a:r>
+              <a:rPr lang="en-US" sz="2000" dirty="0" smtClean="0"/>
+              <a:t>Business analyst</a:t>
+            </a:r>
+            <a:endParaRPr lang="ru-RU" sz="2000" dirty="0"/>
+          </a:p>
+        </p:txBody>
+      </p:sp>
+      <p:sp>
+        <p:nvSpPr>
+          <p:cNvPr id="35" name="Овал 34"/>
+          <p:cNvSpPr/>
+          <p:nvPr/>
+        </p:nvSpPr>
+        <p:spPr>
+          <a:xfrm>
+            <a:off x="6564076" y="3131899"/>
+            <a:ext cx="261257" cy="268690"/>
+          </a:xfrm>
+          <a:prstGeom prst="ellipse">
+            <a:avLst/>
+          </a:prstGeom>
+          <a:solidFill>
+            <a:schemeClr val="accent1">
+              <a:lumMod val="50000"/>
+            </a:schemeClr>
+          </a:solidFill>
+          <a:ln>
+            <a:solidFill>
+              <a:schemeClr val="accent1">
+                <a:lumMod val="50000"/>
+              </a:schemeClr>
+            </a:solidFill>
+          </a:ln>
+        </p:spPr>
+        <p:style>
+          <a:lnRef idx="2">
+            <a:schemeClr val="accent1">
+              <a:shade val="50000"/>
+            </a:schemeClr>
+          </a:lnRef>
+          <a:fillRef idx="1">
+            <a:schemeClr val="accent1"/>
+          </a:fillRef>
+          <a:effectRef idx="0">
+            <a:schemeClr val="accent1"/>
+          </a:effectRef>
+          <a:fontRef idx="minor">
+            <a:schemeClr val="lt1"/>
+          </a:fontRef>
+        </p:style>
+        <p:txBody>
+          <a:bodyPr rtlCol="0" anchor="ctr"/>
+          <a:lstStyle/>
+          <a:p>
+            <a:pPr algn="ctr"/>
+            <a:endParaRPr lang="ru-RU"/>
+          </a:p>
+        </p:txBody>
+      </p:sp>
+      <p:sp>
+        <p:nvSpPr>
+          <p:cNvPr id="51" name="TextBox 50"/>
+          <p:cNvSpPr txBox="1"/>
+          <p:nvPr/>
+        </p:nvSpPr>
+        <p:spPr>
+          <a:xfrm>
+            <a:off x="409422" y="1336588"/>
+            <a:ext cx="5344573" cy="707886"/>
+          </a:xfrm>
+          <a:prstGeom prst="rect">
+            <a:avLst/>
+          </a:prstGeom>
+          <a:noFill/>
+        </p:spPr>
+        <p:txBody>
+          <a:bodyPr wrap="square" rtlCol="0">
+            <a:spAutoFit/>
+          </a:bodyPr>
+          <a:lstStyle>
+            <a:defPPr>
+              <a:defRPr lang="ru-RU"/>
+            </a:defPPr>
+            <a:lvl1pPr>
+              <a:defRPr sz="2800">
+                <a:solidFill>
+                  <a:schemeClr val="bg2">
+                    <a:lumMod val="25000"/>
+                  </a:schemeClr>
+                </a:solidFill>
+              </a:defRPr>
+            </a:lvl1pPr>
+          </a:lstStyle>
+          <a:p>
+            <a:r>
+              <a:rPr lang="en-US" sz="2000" dirty="0" smtClean="0"/>
+              <a:t>1) Find </a:t>
+            </a:r>
+            <a:r>
+              <a:rPr lang="en-US" sz="2000" dirty="0" smtClean="0">
+                <a:solidFill>
+                  <a:srgbClr val="FF0000"/>
+                </a:solidFill>
+              </a:rPr>
+              <a:t>weaknesses</a:t>
+            </a:r>
+            <a:r>
+              <a:rPr lang="en-US" sz="2000" dirty="0" smtClean="0"/>
+              <a:t>: Why this flow may not work? </a:t>
+            </a:r>
+          </a:p>
+          <a:p>
+            <a:r>
+              <a:rPr lang="en-US" sz="2000" dirty="0" smtClean="0"/>
+              <a:t>2) Suggest </a:t>
+            </a:r>
+            <a:r>
+              <a:rPr lang="en-US" sz="2000" dirty="0" smtClean="0">
+                <a:solidFill>
+                  <a:schemeClr val="accent6">
+                    <a:lumMod val="50000"/>
+                  </a:schemeClr>
+                </a:solidFill>
+              </a:rPr>
+              <a:t>remedies</a:t>
+            </a:r>
+            <a:r>
+              <a:rPr lang="en-US" sz="2000" dirty="0" smtClean="0"/>
+              <a:t>: How to mak</a:t>
+            </a:r>
+            <a:r>
+              <a:rPr lang="en-US" sz="2000" dirty="0" smtClean="0"/>
+              <a:t>e it work?</a:t>
+            </a:r>
+            <a:endParaRPr lang="ru-RU" sz="2000" dirty="0"/>
+          </a:p>
+        </p:txBody>
+      </p:sp>
+      <p:cxnSp>
+        <p:nvCxnSpPr>
+          <p:cNvPr id="52" name="Прямая соединительная линия 51"/>
+          <p:cNvCxnSpPr/>
+          <p:nvPr/>
+        </p:nvCxnSpPr>
+        <p:spPr>
+          <a:xfrm>
+            <a:off x="6868483" y="3475114"/>
+            <a:ext cx="261512" cy="253368"/>
+          </a:xfrm>
+          <a:prstGeom prst="line">
+            <a:avLst/>
+          </a:prstGeom>
+          <a:ln>
+            <a:solidFill>
+              <a:schemeClr val="tx1">
+                <a:lumMod val="75000"/>
+                <a:lumOff val="25000"/>
+              </a:schemeClr>
+            </a:solidFill>
+          </a:ln>
+        </p:spPr>
+        <p:style>
+          <a:lnRef idx="1">
+            <a:schemeClr val="accent1"/>
+          </a:lnRef>
+          <a:fillRef idx="0">
+            <a:schemeClr val="accent1"/>
+          </a:fillRef>
+          <a:effectRef idx="0">
+            <a:schemeClr val="accent1"/>
+          </a:effectRef>
+          <a:fontRef idx="minor">
+            <a:schemeClr val="tx1"/>
+          </a:fontRef>
+        </p:style>
+      </p:cxnSp>
+      <p:cxnSp>
+        <p:nvCxnSpPr>
+          <p:cNvPr id="57" name="Прямая соединительная линия 56"/>
+          <p:cNvCxnSpPr/>
+          <p:nvPr/>
+        </p:nvCxnSpPr>
+        <p:spPr>
+          <a:xfrm>
+            <a:off x="5533601" y="3622961"/>
+            <a:ext cx="259573" cy="105521"/>
+          </a:xfrm>
+          <a:prstGeom prst="line">
+            <a:avLst/>
+          </a:prstGeom>
+          <a:ln>
+            <a:solidFill>
+              <a:schemeClr val="tx1">
+                <a:lumMod val="75000"/>
+                <a:lumOff val="25000"/>
+              </a:schemeClr>
+            </a:solidFill>
+          </a:ln>
+        </p:spPr>
+        <p:style>
+          <a:lnRef idx="1">
+            <a:schemeClr val="accent1"/>
+          </a:lnRef>
+          <a:fillRef idx="0">
+            <a:schemeClr val="accent1"/>
+          </a:fillRef>
+          <a:effectRef idx="0">
+            <a:schemeClr val="accent1"/>
+          </a:effectRef>
+          <a:fontRef idx="minor">
+            <a:schemeClr val="tx1"/>
+          </a:fontRef>
+        </p:style>
+      </p:cxnSp>
+      <p:sp>
+        <p:nvSpPr>
+          <p:cNvPr id="77" name="TextBox 76"/>
+          <p:cNvSpPr txBox="1"/>
+          <p:nvPr/>
+        </p:nvSpPr>
+        <p:spPr>
+          <a:xfrm>
+            <a:off x="9760155" y="4010978"/>
+            <a:ext cx="2347947" cy="954107"/>
+          </a:xfrm>
+          <a:prstGeom prst="rect">
+            <a:avLst/>
+          </a:prstGeom>
+          <a:noFill/>
+        </p:spPr>
+        <p:txBody>
+          <a:bodyPr wrap="square" rtlCol="0">
+            <a:spAutoFit/>
+          </a:bodyPr>
+          <a:lstStyle>
+            <a:defPPr>
+              <a:defRPr lang="ru-RU"/>
+            </a:defPPr>
+            <a:lvl1pPr>
+              <a:defRPr sz="2800">
+                <a:solidFill>
+                  <a:schemeClr val="bg2">
+                    <a:lumMod val="25000"/>
+                  </a:schemeClr>
+                </a:solidFill>
+              </a:defRPr>
+            </a:lvl1pPr>
+          </a:lstStyle>
+          <a:p>
+            <a:pPr algn="r"/>
+            <a:r>
+              <a:rPr lang="en-US" dirty="0" smtClean="0">
+                <a:solidFill>
+                  <a:schemeClr val="accent2">
+                    <a:lumMod val="50000"/>
+                  </a:schemeClr>
+                </a:solidFill>
+              </a:rPr>
+              <a:t>Domain knowledge</a:t>
+            </a:r>
+            <a:endParaRPr lang="ru-RU" dirty="0">
+              <a:solidFill>
+                <a:schemeClr val="accent2">
+                  <a:lumMod val="50000"/>
+                </a:schemeClr>
+              </a:solidFill>
+            </a:endParaRPr>
+          </a:p>
+        </p:txBody>
+      </p:sp>
+      <p:sp>
+        <p:nvSpPr>
+          <p:cNvPr id="85" name="Прямоугольник 84"/>
+          <p:cNvSpPr/>
+          <p:nvPr/>
+        </p:nvSpPr>
+        <p:spPr>
+          <a:xfrm>
+            <a:off x="8081745" y="5838170"/>
+            <a:ext cx="3228938" cy="954107"/>
+          </a:xfrm>
+          <a:prstGeom prst="rect">
+            <a:avLst/>
+          </a:prstGeom>
+          <a:noFill/>
+        </p:spPr>
+        <p:txBody>
+          <a:bodyPr wrap="square" rtlCol="0">
+            <a:spAutoFit/>
+          </a:bodyPr>
+          <a:lstStyle/>
+          <a:p>
+            <a:pPr algn="r"/>
+            <a:r>
+              <a:rPr lang="en-US" sz="2800" dirty="0" smtClean="0">
+                <a:solidFill>
+                  <a:schemeClr val="accent6">
+                    <a:lumMod val="50000"/>
+                  </a:schemeClr>
+                </a:solidFill>
+              </a:rPr>
+              <a:t>Software engineering</a:t>
+            </a:r>
+            <a:endParaRPr lang="ru-RU" sz="2800" dirty="0">
+              <a:solidFill>
+                <a:schemeClr val="accent6">
+                  <a:lumMod val="50000"/>
+                </a:schemeClr>
+              </a:solidFill>
+            </a:endParaRPr>
+          </a:p>
+        </p:txBody>
+      </p:sp>
+      <p:cxnSp>
+        <p:nvCxnSpPr>
+          <p:cNvPr id="87" name="Прямая соединительная линия 86"/>
+          <p:cNvCxnSpPr>
+            <a:endCxn id="90" idx="4"/>
+          </p:cNvCxnSpPr>
+          <p:nvPr/>
+        </p:nvCxnSpPr>
+        <p:spPr>
+          <a:xfrm>
+            <a:off x="5321627" y="-11015"/>
+            <a:ext cx="1625475" cy="1621417"/>
+          </a:xfrm>
+          <a:prstGeom prst="line">
+            <a:avLst/>
+          </a:prstGeom>
+          <a:ln cap="rnd">
+            <a:prstDash val="dash"/>
+            <a:bevel/>
+          </a:ln>
+        </p:spPr>
+        <p:style>
+          <a:lnRef idx="1">
+            <a:schemeClr val="accent1"/>
+          </a:lnRef>
+          <a:fillRef idx="0">
+            <a:schemeClr val="accent1"/>
+          </a:fillRef>
+          <a:effectRef idx="0">
+            <a:schemeClr val="accent1"/>
+          </a:effectRef>
+          <a:fontRef idx="minor">
+            <a:schemeClr val="tx1"/>
+          </a:fontRef>
+        </p:style>
+      </p:cxnSp>
+      <p:sp>
+        <p:nvSpPr>
+          <p:cNvPr id="6" name="Прямоугольник 5"/>
+          <p:cNvSpPr/>
+          <p:nvPr/>
+        </p:nvSpPr>
+        <p:spPr>
+          <a:xfrm>
+            <a:off x="8567113" y="753651"/>
+            <a:ext cx="3458727" cy="1597939"/>
+          </a:xfrm>
+          <a:prstGeom prst="rect">
+            <a:avLst/>
+          </a:prstGeom>
+          <a:solidFill>
+            <a:schemeClr val="accent2">
+              <a:lumMod val="60000"/>
+              <a:lumOff val="40000"/>
+              <a:alpha val="79000"/>
+            </a:schemeClr>
+          </a:solidFill>
+          <a:ln>
+            <a:noFill/>
+          </a:ln>
+        </p:spPr>
+        <p:style>
+          <a:lnRef idx="2">
+            <a:schemeClr val="accent1">
+              <a:shade val="50000"/>
+            </a:schemeClr>
+          </a:lnRef>
+          <a:fillRef idx="1">
+            <a:schemeClr val="accent1"/>
+          </a:fillRef>
+          <a:effectRef idx="0">
+            <a:schemeClr val="accent1"/>
+          </a:effectRef>
+          <a:fontRef idx="minor">
+            <a:schemeClr val="lt1"/>
+          </a:fontRef>
+        </p:style>
+        <p:txBody>
+          <a:bodyPr rtlCol="0" anchor="ctr"/>
+          <a:lstStyle/>
+          <a:p>
+            <a:pPr algn="ctr"/>
+            <a:r>
+              <a:rPr lang="en-US" sz="4000" dirty="0" smtClean="0">
+                <a:solidFill>
+                  <a:schemeClr val="accent2">
+                    <a:lumMod val="75000"/>
+                  </a:schemeClr>
+                </a:solidFill>
+              </a:rPr>
+              <a:t>Business logic</a:t>
+            </a:r>
+            <a:endParaRPr lang="ru-RU" sz="4000" dirty="0">
+              <a:solidFill>
+                <a:schemeClr val="accent2">
+                  <a:lumMod val="75000"/>
+                </a:schemeClr>
+              </a:solidFill>
+            </a:endParaRPr>
+          </a:p>
+        </p:txBody>
+      </p:sp>
+      <p:sp>
+        <p:nvSpPr>
+          <p:cNvPr id="42" name="Овал 41"/>
+          <p:cNvSpPr/>
+          <p:nvPr/>
+        </p:nvSpPr>
+        <p:spPr>
+          <a:xfrm>
+            <a:off x="8664326" y="2027750"/>
+            <a:ext cx="261257" cy="268690"/>
+          </a:xfrm>
+          <a:prstGeom prst="ellipse">
+            <a:avLst/>
+          </a:prstGeom>
+          <a:solidFill>
+            <a:schemeClr val="accent2">
+              <a:lumMod val="75000"/>
+            </a:schemeClr>
+          </a:solidFill>
+          <a:ln>
+            <a:noFill/>
+          </a:ln>
+        </p:spPr>
+        <p:style>
+          <a:lnRef idx="2">
+            <a:schemeClr val="accent1">
+              <a:shade val="50000"/>
+            </a:schemeClr>
+          </a:lnRef>
+          <a:fillRef idx="1">
+            <a:schemeClr val="accent1"/>
+          </a:fillRef>
+          <a:effectRef idx="0">
+            <a:schemeClr val="accent1"/>
+          </a:effectRef>
+          <a:fontRef idx="minor">
+            <a:schemeClr val="lt1"/>
+          </a:fontRef>
+        </p:style>
+        <p:txBody>
+          <a:bodyPr rtlCol="0" anchor="ctr"/>
+          <a:lstStyle/>
+          <a:p>
+            <a:pPr algn="ctr"/>
+            <a:endParaRPr lang="ru-RU"/>
+          </a:p>
+        </p:txBody>
+      </p:sp>
+      <p:cxnSp>
+        <p:nvCxnSpPr>
+          <p:cNvPr id="45" name="Прямая соединительная линия 44"/>
+          <p:cNvCxnSpPr>
+            <a:endCxn id="43" idx="1"/>
+          </p:cNvCxnSpPr>
+          <p:nvPr/>
+        </p:nvCxnSpPr>
+        <p:spPr>
+          <a:xfrm>
+            <a:off x="8957032" y="2345235"/>
+            <a:ext cx="646733" cy="250639"/>
+          </a:xfrm>
+          <a:prstGeom prst="line">
+            <a:avLst/>
+          </a:prstGeom>
+          <a:ln>
+            <a:solidFill>
+              <a:schemeClr val="tx1">
+                <a:lumMod val="75000"/>
+                <a:lumOff val="25000"/>
+              </a:schemeClr>
+            </a:solidFill>
+          </a:ln>
+        </p:spPr>
+        <p:style>
+          <a:lnRef idx="1">
+            <a:schemeClr val="accent1"/>
+          </a:lnRef>
+          <a:fillRef idx="0">
+            <a:schemeClr val="accent1"/>
+          </a:fillRef>
+          <a:effectRef idx="0">
+            <a:schemeClr val="accent1"/>
+          </a:effectRef>
+          <a:fontRef idx="minor">
+            <a:schemeClr val="tx1"/>
+          </a:fontRef>
+        </p:style>
+      </p:cxnSp>
+      <p:sp>
+        <p:nvSpPr>
+          <p:cNvPr id="70" name="Овал 69"/>
+          <p:cNvSpPr/>
+          <p:nvPr/>
+        </p:nvSpPr>
+        <p:spPr>
+          <a:xfrm>
+            <a:off x="9760155" y="48190"/>
+            <a:ext cx="2273711" cy="849245"/>
+          </a:xfrm>
+          <a:prstGeom prst="ellipse">
+            <a:avLst/>
+          </a:prstGeom>
+          <a:solidFill>
+            <a:schemeClr val="bg1">
+              <a:lumMod val="65000"/>
+            </a:schemeClr>
+          </a:solidFill>
+          <a:ln>
+            <a:noFill/>
+          </a:ln>
+        </p:spPr>
+        <p:style>
+          <a:lnRef idx="2">
+            <a:schemeClr val="accent1">
+              <a:shade val="50000"/>
+            </a:schemeClr>
+          </a:lnRef>
+          <a:fillRef idx="1">
+            <a:schemeClr val="accent1"/>
+          </a:fillRef>
+          <a:effectRef idx="0">
+            <a:schemeClr val="accent1"/>
+          </a:effectRef>
+          <a:fontRef idx="minor">
+            <a:schemeClr val="lt1"/>
+          </a:fontRef>
+        </p:style>
+        <p:txBody>
+          <a:bodyPr rtlCol="0" anchor="ctr"/>
+          <a:lstStyle/>
+          <a:p>
+            <a:pPr algn="ctr"/>
+            <a:r>
+              <a:rPr lang="en-US" dirty="0" smtClean="0"/>
+              <a:t>Enterprise strategy</a:t>
+            </a:r>
+            <a:endParaRPr lang="ru-RU" dirty="0"/>
+          </a:p>
+        </p:txBody>
+      </p:sp>
+      <p:sp>
+        <p:nvSpPr>
+          <p:cNvPr id="10" name="Прямоугольник 9"/>
+          <p:cNvSpPr/>
+          <p:nvPr/>
+        </p:nvSpPr>
+        <p:spPr>
+          <a:xfrm>
+            <a:off x="6027129" y="2280875"/>
+            <a:ext cx="3131022" cy="646331"/>
+          </a:xfrm>
+          <a:prstGeom prst="rect">
+            <a:avLst/>
+          </a:prstGeom>
+        </p:spPr>
+        <p:txBody>
+          <a:bodyPr wrap="square">
+            <a:spAutoFit/>
+          </a:bodyPr>
+          <a:lstStyle/>
+          <a:p>
+            <a:pPr algn="ctr"/>
+            <a:r>
+              <a:rPr lang="en-US" sz="3600" b="1" dirty="0" smtClean="0">
+                <a:solidFill>
+                  <a:schemeClr val="accent5">
+                    <a:lumMod val="50000"/>
+                  </a:schemeClr>
+                </a:solidFill>
+              </a:rPr>
+              <a:t>Requirements</a:t>
+            </a:r>
+            <a:endParaRPr lang="en-US" sz="3600" b="1" dirty="0">
+              <a:solidFill>
+                <a:schemeClr val="accent5">
+                  <a:lumMod val="50000"/>
+                </a:schemeClr>
+              </a:solidFill>
+            </a:endParaRPr>
+          </a:p>
+        </p:txBody>
+      </p:sp>
+      <p:sp>
+        <p:nvSpPr>
+          <p:cNvPr id="90" name="Молния 89"/>
+          <p:cNvSpPr/>
+          <p:nvPr/>
+        </p:nvSpPr>
+        <p:spPr>
+          <a:xfrm>
+            <a:off x="6203347" y="863920"/>
+            <a:ext cx="743755" cy="746482"/>
+          </a:xfrm>
+          <a:prstGeom prst="lightningBolt">
+            <a:avLst/>
+          </a:prstGeom>
+        </p:spPr>
+        <p:style>
+          <a:lnRef idx="2">
+            <a:schemeClr val="accent1">
+              <a:shade val="50000"/>
+            </a:schemeClr>
+          </a:lnRef>
+          <a:fillRef idx="1">
+            <a:schemeClr val="accent1"/>
+          </a:fillRef>
+          <a:effectRef idx="0">
+            <a:schemeClr val="accent1"/>
+          </a:effectRef>
+          <a:fontRef idx="minor">
+            <a:schemeClr val="lt1"/>
+          </a:fontRef>
+        </p:style>
+        <p:txBody>
+          <a:bodyPr rtlCol="0" anchor="ctr"/>
+          <a:lstStyle/>
+          <a:p>
+            <a:pPr algn="ctr"/>
+            <a:endParaRPr lang="ru-RU"/>
+          </a:p>
+        </p:txBody>
+      </p:sp>
+      <p:cxnSp>
+        <p:nvCxnSpPr>
+          <p:cNvPr id="92" name="Прямая соединительная линия 91"/>
+          <p:cNvCxnSpPr>
+            <a:endCxn id="66" idx="0"/>
+          </p:cNvCxnSpPr>
+          <p:nvPr/>
+        </p:nvCxnSpPr>
+        <p:spPr>
+          <a:xfrm>
+            <a:off x="8795981" y="3479632"/>
+            <a:ext cx="3396018" cy="3345529"/>
+          </a:xfrm>
+          <a:prstGeom prst="line">
+            <a:avLst/>
+          </a:prstGeom>
+          <a:ln cap="rnd">
+            <a:prstDash val="dash"/>
+            <a:bevel/>
+          </a:ln>
+        </p:spPr>
+        <p:style>
+          <a:lnRef idx="1">
+            <a:schemeClr val="accent1"/>
+          </a:lnRef>
+          <a:fillRef idx="0">
+            <a:schemeClr val="accent1"/>
+          </a:fillRef>
+          <a:effectRef idx="0">
+            <a:schemeClr val="accent1"/>
+          </a:effectRef>
+          <a:fontRef idx="minor">
+            <a:schemeClr val="tx1"/>
+          </a:fontRef>
+        </p:style>
+      </p:cxnSp>
+      <p:sp>
+        <p:nvSpPr>
+          <p:cNvPr id="94" name="Молния 93"/>
+          <p:cNvSpPr/>
+          <p:nvPr/>
+        </p:nvSpPr>
+        <p:spPr>
+          <a:xfrm rot="10601200">
+            <a:off x="8881899" y="3495984"/>
+            <a:ext cx="743755" cy="746482"/>
+          </a:xfrm>
+          <a:prstGeom prst="lightningBolt">
+            <a:avLst/>
+          </a:prstGeom>
+        </p:spPr>
+        <p:style>
+          <a:lnRef idx="2">
+            <a:schemeClr val="accent1">
+              <a:shade val="50000"/>
+            </a:schemeClr>
+          </a:lnRef>
+          <a:fillRef idx="1">
+            <a:schemeClr val="accent1"/>
+          </a:fillRef>
+          <a:effectRef idx="0">
+            <a:schemeClr val="accent1"/>
+          </a:effectRef>
+          <a:fontRef idx="minor">
+            <a:schemeClr val="lt1"/>
+          </a:fontRef>
+        </p:style>
+        <p:txBody>
+          <a:bodyPr rtlCol="0" anchor="ctr"/>
+          <a:lstStyle/>
+          <a:p>
+            <a:pPr algn="ctr"/>
+            <a:endParaRPr lang="ru-RU"/>
+          </a:p>
+        </p:txBody>
+      </p:sp>
+      <p:sp>
+        <p:nvSpPr>
+          <p:cNvPr id="46" name="TextBox 45"/>
+          <p:cNvSpPr txBox="1"/>
+          <p:nvPr/>
+        </p:nvSpPr>
+        <p:spPr>
+          <a:xfrm>
+            <a:off x="6714679" y="3855193"/>
+            <a:ext cx="2347947" cy="400110"/>
+          </a:xfrm>
+          <a:prstGeom prst="rect">
+            <a:avLst/>
+          </a:prstGeom>
+          <a:noFill/>
+        </p:spPr>
+        <p:txBody>
+          <a:bodyPr wrap="square" rtlCol="0">
+            <a:spAutoFit/>
+          </a:bodyPr>
+          <a:lstStyle>
+            <a:defPPr>
+              <a:defRPr lang="ru-RU"/>
+            </a:defPPr>
+            <a:lvl1pPr>
+              <a:defRPr sz="2800">
+                <a:solidFill>
+                  <a:schemeClr val="bg2">
+                    <a:lumMod val="25000"/>
+                  </a:schemeClr>
+                </a:solidFill>
+              </a:defRPr>
+            </a:lvl1pPr>
+          </a:lstStyle>
+          <a:p>
+            <a:r>
+              <a:rPr lang="en-US" sz="2000" dirty="0" smtClean="0"/>
+              <a:t>System analyst</a:t>
+            </a:r>
+            <a:endParaRPr lang="ru-RU" sz="2000" dirty="0"/>
+          </a:p>
+        </p:txBody>
+      </p:sp>
+    </p:spTree>
+    <p:extLst>
+      <p:ext uri="{BB962C8B-B14F-4D97-AF65-F5344CB8AC3E}">
+        <p14:creationId xmlns:p14="http://schemas.microsoft.com/office/powerpoint/2010/main" val="522899661"/>
+      </p:ext>
+    </p:extLst>
+  </p:cSld>
+  <p:clrMapOvr>
+    <a:masterClrMapping/>
+  </p:clrMapOvr>
+</p:sld>
+</file>
+
 <file path=ppt/theme/theme1.xml><?xml version="1.0" encoding="utf-8"?>
 <a:theme xmlns:a="http://schemas.openxmlformats.org/drawingml/2006/main" name="Тема Office">
   <a:themeElements>

--- a/superhero.pptx
+++ b/superhero.pptx
@@ -5,10 +5,9 @@
     <p:sldMasterId id="2147483648" r:id="rId1"/>
   </p:sldMasterIdLst>
   <p:sldIdLst>
-    <p:sldId id="256" r:id="rId2"/>
-    <p:sldId id="257" r:id="rId3"/>
-    <p:sldId id="258" r:id="rId4"/>
-    <p:sldId id="259" r:id="rId5"/>
+    <p:sldId id="257" r:id="rId2"/>
+    <p:sldId id="258" r:id="rId3"/>
+    <p:sldId id="259" r:id="rId4"/>
   </p:sldIdLst>
   <p:sldSz cx="12192000" cy="6858000"/>
   <p:notesSz cx="6858000" cy="9947275"/>
@@ -257,7 +256,7 @@
           <a:p>
             <a:fld id="{F1FFD0C4-E8D1-4B77-BD80-A04970D408A0}" type="datetimeFigureOut">
               <a:rPr lang="ru-RU" smtClean="0"/>
-              <a:t>03.07.2019</a:t>
+              <a:t>06.12.2019</a:t>
             </a:fld>
             <a:endParaRPr lang="ru-RU"/>
           </a:p>
@@ -427,7 +426,7 @@
           <a:p>
             <a:fld id="{F1FFD0C4-E8D1-4B77-BD80-A04970D408A0}" type="datetimeFigureOut">
               <a:rPr lang="ru-RU" smtClean="0"/>
-              <a:t>03.07.2019</a:t>
+              <a:t>06.12.2019</a:t>
             </a:fld>
             <a:endParaRPr lang="ru-RU"/>
           </a:p>
@@ -607,7 +606,7 @@
           <a:p>
             <a:fld id="{F1FFD0C4-E8D1-4B77-BD80-A04970D408A0}" type="datetimeFigureOut">
               <a:rPr lang="ru-RU" smtClean="0"/>
-              <a:t>03.07.2019</a:t>
+              <a:t>06.12.2019</a:t>
             </a:fld>
             <a:endParaRPr lang="ru-RU"/>
           </a:p>
@@ -777,7 +776,7 @@
           <a:p>
             <a:fld id="{F1FFD0C4-E8D1-4B77-BD80-A04970D408A0}" type="datetimeFigureOut">
               <a:rPr lang="ru-RU" smtClean="0"/>
-              <a:t>03.07.2019</a:t>
+              <a:t>06.12.2019</a:t>
             </a:fld>
             <a:endParaRPr lang="ru-RU"/>
           </a:p>
@@ -1023,7 +1022,7 @@
           <a:p>
             <a:fld id="{F1FFD0C4-E8D1-4B77-BD80-A04970D408A0}" type="datetimeFigureOut">
               <a:rPr lang="ru-RU" smtClean="0"/>
-              <a:t>03.07.2019</a:t>
+              <a:t>06.12.2019</a:t>
             </a:fld>
             <a:endParaRPr lang="ru-RU"/>
           </a:p>
@@ -1255,7 +1254,7 @@
           <a:p>
             <a:fld id="{F1FFD0C4-E8D1-4B77-BD80-A04970D408A0}" type="datetimeFigureOut">
               <a:rPr lang="ru-RU" smtClean="0"/>
-              <a:t>03.07.2019</a:t>
+              <a:t>06.12.2019</a:t>
             </a:fld>
             <a:endParaRPr lang="ru-RU"/>
           </a:p>
@@ -1622,7 +1621,7 @@
           <a:p>
             <a:fld id="{F1FFD0C4-E8D1-4B77-BD80-A04970D408A0}" type="datetimeFigureOut">
               <a:rPr lang="ru-RU" smtClean="0"/>
-              <a:t>03.07.2019</a:t>
+              <a:t>06.12.2019</a:t>
             </a:fld>
             <a:endParaRPr lang="ru-RU"/>
           </a:p>
@@ -1740,7 +1739,7 @@
           <a:p>
             <a:fld id="{F1FFD0C4-E8D1-4B77-BD80-A04970D408A0}" type="datetimeFigureOut">
               <a:rPr lang="ru-RU" smtClean="0"/>
-              <a:t>03.07.2019</a:t>
+              <a:t>06.12.2019</a:t>
             </a:fld>
             <a:endParaRPr lang="ru-RU"/>
           </a:p>
@@ -1835,7 +1834,7 @@
           <a:p>
             <a:fld id="{F1FFD0C4-E8D1-4B77-BD80-A04970D408A0}" type="datetimeFigureOut">
               <a:rPr lang="ru-RU" smtClean="0"/>
-              <a:t>03.07.2019</a:t>
+              <a:t>06.12.2019</a:t>
             </a:fld>
             <a:endParaRPr lang="ru-RU"/>
           </a:p>
@@ -2112,7 +2111,7 @@
           <a:p>
             <a:fld id="{F1FFD0C4-E8D1-4B77-BD80-A04970D408A0}" type="datetimeFigureOut">
               <a:rPr lang="ru-RU" smtClean="0"/>
-              <a:t>03.07.2019</a:t>
+              <a:t>06.12.2019</a:t>
             </a:fld>
             <a:endParaRPr lang="ru-RU"/>
           </a:p>
@@ -2365,7 +2364,7 @@
           <a:p>
             <a:fld id="{F1FFD0C4-E8D1-4B77-BD80-A04970D408A0}" type="datetimeFigureOut">
               <a:rPr lang="ru-RU" smtClean="0"/>
-              <a:t>03.07.2019</a:t>
+              <a:t>06.12.2019</a:t>
             </a:fld>
             <a:endParaRPr lang="ru-RU"/>
           </a:p>
@@ -2578,7 +2577,7 @@
           <a:p>
             <a:fld id="{F1FFD0C4-E8D1-4B77-BD80-A04970D408A0}" type="datetimeFigureOut">
               <a:rPr lang="ru-RU" smtClean="0"/>
-              <a:t>03.07.2019</a:t>
+              <a:t>06.12.2019</a:t>
             </a:fld>
             <a:endParaRPr lang="ru-RU"/>
           </a:p>
@@ -2985,46 +2984,1568 @@
       </p:grpSpPr>
       <p:sp>
         <p:nvSpPr>
+          <p:cNvPr id="4" name="Прямоугольник 3"/>
+          <p:cNvSpPr/>
+          <p:nvPr/>
+        </p:nvSpPr>
+        <p:spPr>
+          <a:xfrm>
+            <a:off x="682690" y="3054819"/>
+            <a:ext cx="5693229" cy="3429000"/>
+          </a:xfrm>
+          <a:prstGeom prst="rect">
+            <a:avLst/>
+          </a:prstGeom>
+          <a:solidFill>
+            <a:schemeClr val="accent6">
+              <a:lumMod val="40000"/>
+              <a:lumOff val="60000"/>
+            </a:schemeClr>
+          </a:solidFill>
+          <a:ln>
+            <a:noFill/>
+          </a:ln>
+        </p:spPr>
+        <p:style>
+          <a:lnRef idx="2">
+            <a:schemeClr val="accent1">
+              <a:shade val="50000"/>
+            </a:schemeClr>
+          </a:lnRef>
+          <a:fillRef idx="1">
+            <a:schemeClr val="accent1"/>
+          </a:fillRef>
+          <a:effectRef idx="0">
+            <a:schemeClr val="accent1"/>
+          </a:effectRef>
+          <a:fontRef idx="minor">
+            <a:schemeClr val="lt1"/>
+          </a:fontRef>
+        </p:style>
+        <p:txBody>
+          <a:bodyPr rtlCol="0" anchor="ctr"/>
+          <a:lstStyle/>
+          <a:p>
+            <a:pPr algn="ctr"/>
+            <a:endParaRPr lang="ru-RU"/>
+          </a:p>
+        </p:txBody>
+      </p:sp>
+      <p:sp>
+        <p:nvSpPr>
           <p:cNvPr id="2" name="Заголовок 1"/>
           <p:cNvSpPr>
             <a:spLocks noGrp="1"/>
           </p:cNvSpPr>
           <p:nvPr>
-            <p:ph type="ctrTitle"/>
+            <p:ph type="title"/>
           </p:nvPr>
         </p:nvSpPr>
-        <p:spPr/>
-        <p:txBody>
-          <a:bodyPr/>
-          <a:lstStyle/>
-          <a:p>
-            <a:endParaRPr lang="ru-RU"/>
-          </a:p>
-        </p:txBody>
-      </p:sp>
-      <p:sp>
-        <p:nvSpPr>
-          <p:cNvPr id="3" name="Подзаголовок 2"/>
-          <p:cNvSpPr>
-            <a:spLocks noGrp="1"/>
-          </p:cNvSpPr>
-          <p:nvPr>
-            <p:ph type="subTitle" idx="1"/>
-          </p:nvPr>
-        </p:nvSpPr>
-        <p:spPr/>
-        <p:txBody>
-          <a:bodyPr/>
-          <a:lstStyle/>
-          <a:p>
-            <a:endParaRPr lang="ru-RU"/>
+        <p:spPr>
+          <a:xfrm>
+            <a:off x="433887" y="625026"/>
+            <a:ext cx="7703596" cy="1325563"/>
+          </a:xfrm>
+        </p:spPr>
+        <p:txBody>
+          <a:bodyPr>
+            <a:normAutofit fontScale="90000"/>
+          </a:bodyPr>
+          <a:lstStyle/>
+          <a:p>
+            <a:r>
+              <a:rPr lang="ru-RU" dirty="0" smtClean="0"/>
+              <a:t>Как с</a:t>
+            </a:r>
+            <a:r>
+              <a:rPr lang="ru-RU" dirty="0" smtClean="0"/>
+              <a:t>близить разработчиков </a:t>
+            </a:r>
+            <a:r>
+              <a:rPr lang="ru-RU" dirty="0" smtClean="0"/>
+              <a:t>и бизнес-аналитиков</a:t>
+            </a:r>
+            <a:r>
+              <a:rPr lang="ru-RU" dirty="0" smtClean="0"/>
+              <a:t>:</a:t>
+            </a:r>
+            <a:br>
+              <a:rPr lang="ru-RU" dirty="0" smtClean="0"/>
+            </a:br>
+            <a:r>
+              <a:rPr lang="ru-RU" dirty="0" smtClean="0"/>
+              <a:t>(</a:t>
+            </a:r>
+            <a:r>
+              <a:rPr lang="ru-RU" dirty="0" smtClean="0"/>
+              <a:t>а) никак, (б) ну попробуй</a:t>
+            </a:r>
+            <a:r>
+              <a:rPr lang="ru-RU" dirty="0" smtClean="0"/>
+              <a:t/>
+            </a:r>
+            <a:br>
+              <a:rPr lang="ru-RU" dirty="0" smtClean="0"/>
+            </a:br>
+            <a:endParaRPr lang="ru-RU" dirty="0"/>
+          </a:p>
+        </p:txBody>
+      </p:sp>
+      <p:sp>
+        <p:nvSpPr>
+          <p:cNvPr id="6" name="Прямоугольник 5"/>
+          <p:cNvSpPr/>
+          <p:nvPr/>
+        </p:nvSpPr>
+        <p:spPr>
+          <a:xfrm>
+            <a:off x="8640147" y="245674"/>
+            <a:ext cx="3343819" cy="1967528"/>
+          </a:xfrm>
+          <a:prstGeom prst="rect">
+            <a:avLst/>
+          </a:prstGeom>
+          <a:solidFill>
+            <a:schemeClr val="accent2">
+              <a:lumMod val="20000"/>
+              <a:lumOff val="80000"/>
+            </a:schemeClr>
+          </a:solidFill>
+          <a:ln>
+            <a:noFill/>
+          </a:ln>
+        </p:spPr>
+        <p:style>
+          <a:lnRef idx="2">
+            <a:schemeClr val="accent1">
+              <a:shade val="50000"/>
+            </a:schemeClr>
+          </a:lnRef>
+          <a:fillRef idx="1">
+            <a:schemeClr val="accent1"/>
+          </a:fillRef>
+          <a:effectRef idx="0">
+            <a:schemeClr val="accent1"/>
+          </a:effectRef>
+          <a:fontRef idx="minor">
+            <a:schemeClr val="lt1"/>
+          </a:fontRef>
+        </p:style>
+        <p:txBody>
+          <a:bodyPr rtlCol="0" anchor="ctr"/>
+          <a:lstStyle/>
+          <a:p>
+            <a:pPr algn="ctr"/>
+            <a:r>
+              <a:rPr lang="ru-RU" sz="4000" dirty="0" smtClean="0">
+                <a:solidFill>
+                  <a:schemeClr val="accent2">
+                    <a:lumMod val="75000"/>
+                  </a:schemeClr>
+                </a:solidFill>
+              </a:rPr>
+              <a:t>Бизнес-логика</a:t>
+            </a:r>
+            <a:endParaRPr lang="ru-RU" sz="4000" dirty="0">
+              <a:solidFill>
+                <a:schemeClr val="accent2">
+                  <a:lumMod val="75000"/>
+                </a:schemeClr>
+              </a:solidFill>
+            </a:endParaRPr>
+          </a:p>
+        </p:txBody>
+      </p:sp>
+      <p:sp>
+        <p:nvSpPr>
+          <p:cNvPr id="7" name="Прямоугольник 6"/>
+          <p:cNvSpPr/>
+          <p:nvPr/>
+        </p:nvSpPr>
+        <p:spPr>
+          <a:xfrm>
+            <a:off x="946895" y="4694675"/>
+            <a:ext cx="2166585" cy="1558344"/>
+          </a:xfrm>
+          <a:prstGeom prst="rect">
+            <a:avLst/>
+          </a:prstGeom>
+          <a:pattFill prst="pct10">
+            <a:fgClr>
+              <a:schemeClr val="accent6">
+                <a:lumMod val="20000"/>
+                <a:lumOff val="80000"/>
+              </a:schemeClr>
+            </a:fgClr>
+            <a:bgClr>
+              <a:schemeClr val="accent6">
+                <a:lumMod val="60000"/>
+                <a:lumOff val="40000"/>
+              </a:schemeClr>
+            </a:bgClr>
+          </a:pattFill>
+          <a:ln w="19050">
+            <a:prstDash val="dash"/>
+          </a:ln>
+        </p:spPr>
+        <p:style>
+          <a:lnRef idx="2">
+            <a:schemeClr val="accent1">
+              <a:shade val="50000"/>
+            </a:schemeClr>
+          </a:lnRef>
+          <a:fillRef idx="1">
+            <a:schemeClr val="accent1"/>
+          </a:fillRef>
+          <a:effectRef idx="0">
+            <a:schemeClr val="accent1"/>
+          </a:effectRef>
+          <a:fontRef idx="minor">
+            <a:schemeClr val="lt1"/>
+          </a:fontRef>
+        </p:style>
+        <p:txBody>
+          <a:bodyPr rtlCol="0" anchor="ctr"/>
+          <a:lstStyle/>
+          <a:p>
+            <a:pPr algn="ctr"/>
+            <a:endParaRPr lang="ru-RU"/>
+          </a:p>
+        </p:txBody>
+      </p:sp>
+      <p:sp>
+        <p:nvSpPr>
+          <p:cNvPr id="8" name="TextBox 7"/>
+          <p:cNvSpPr txBox="1"/>
+          <p:nvPr/>
+        </p:nvSpPr>
+        <p:spPr>
+          <a:xfrm>
+            <a:off x="781887" y="4123619"/>
+            <a:ext cx="2896706" cy="523220"/>
+          </a:xfrm>
+          <a:prstGeom prst="rect">
+            <a:avLst/>
+          </a:prstGeom>
+          <a:noFill/>
+        </p:spPr>
+        <p:txBody>
+          <a:bodyPr wrap="square" rtlCol="0">
+            <a:spAutoFit/>
+          </a:bodyPr>
+          <a:lstStyle/>
+          <a:p>
+            <a:r>
+              <a:rPr lang="ru-RU" sz="2800" dirty="0" smtClean="0">
+                <a:solidFill>
+                  <a:schemeClr val="accent6">
+                    <a:lumMod val="50000"/>
+                  </a:schemeClr>
+                </a:solidFill>
+              </a:rPr>
+              <a:t>Учебные задачи</a:t>
+            </a:r>
+            <a:endParaRPr lang="ru-RU" sz="2800" dirty="0">
+              <a:solidFill>
+                <a:schemeClr val="accent6">
+                  <a:lumMod val="50000"/>
+                </a:schemeClr>
+              </a:solidFill>
+            </a:endParaRPr>
+          </a:p>
+        </p:txBody>
+      </p:sp>
+      <p:sp>
+        <p:nvSpPr>
+          <p:cNvPr id="11" name="Овал 10"/>
+          <p:cNvSpPr/>
+          <p:nvPr/>
+        </p:nvSpPr>
+        <p:spPr>
+          <a:xfrm>
+            <a:off x="3547965" y="4762239"/>
+            <a:ext cx="261257" cy="268690"/>
+          </a:xfrm>
+          <a:prstGeom prst="ellipse">
+            <a:avLst/>
+          </a:prstGeom>
+          <a:solidFill>
+            <a:schemeClr val="accent6">
+              <a:lumMod val="50000"/>
+            </a:schemeClr>
+          </a:solidFill>
+          <a:ln>
+            <a:noFill/>
+          </a:ln>
+        </p:spPr>
+        <p:style>
+          <a:lnRef idx="2">
+            <a:schemeClr val="accent1">
+              <a:shade val="50000"/>
+            </a:schemeClr>
+          </a:lnRef>
+          <a:fillRef idx="1">
+            <a:schemeClr val="accent1"/>
+          </a:fillRef>
+          <a:effectRef idx="0">
+            <a:schemeClr val="accent1"/>
+          </a:effectRef>
+          <a:fontRef idx="minor">
+            <a:schemeClr val="lt1"/>
+          </a:fontRef>
+        </p:style>
+        <p:txBody>
+          <a:bodyPr rtlCol="0" anchor="ctr"/>
+          <a:lstStyle/>
+          <a:p>
+            <a:pPr algn="ctr"/>
+            <a:endParaRPr lang="ru-RU"/>
+          </a:p>
+        </p:txBody>
+      </p:sp>
+      <p:sp>
+        <p:nvSpPr>
+          <p:cNvPr id="13" name="Овал 12"/>
+          <p:cNvSpPr/>
+          <p:nvPr/>
+        </p:nvSpPr>
+        <p:spPr>
+          <a:xfrm>
+            <a:off x="835540" y="6099729"/>
+            <a:ext cx="261257" cy="268690"/>
+          </a:xfrm>
+          <a:prstGeom prst="ellipse">
+            <a:avLst/>
+          </a:prstGeom>
+          <a:solidFill>
+            <a:schemeClr val="accent6">
+              <a:lumMod val="50000"/>
+            </a:schemeClr>
+          </a:solidFill>
+          <a:ln>
+            <a:noFill/>
+          </a:ln>
+        </p:spPr>
+        <p:style>
+          <a:lnRef idx="2">
+            <a:schemeClr val="accent1">
+              <a:shade val="50000"/>
+            </a:schemeClr>
+          </a:lnRef>
+          <a:fillRef idx="1">
+            <a:schemeClr val="accent1"/>
+          </a:fillRef>
+          <a:effectRef idx="0">
+            <a:schemeClr val="accent1"/>
+          </a:effectRef>
+          <a:fontRef idx="minor">
+            <a:schemeClr val="lt1"/>
+          </a:fontRef>
+        </p:style>
+        <p:txBody>
+          <a:bodyPr rtlCol="0" anchor="ctr"/>
+          <a:lstStyle/>
+          <a:p>
+            <a:pPr algn="ctr"/>
+            <a:endParaRPr lang="ru-RU"/>
+          </a:p>
+        </p:txBody>
+      </p:sp>
+      <p:sp>
+        <p:nvSpPr>
+          <p:cNvPr id="15" name="Прямоугольный треугольник 14"/>
+          <p:cNvSpPr/>
+          <p:nvPr/>
+        </p:nvSpPr>
+        <p:spPr>
+          <a:xfrm rot="10800000">
+            <a:off x="4013881" y="3054819"/>
+            <a:ext cx="2362038" cy="2355980"/>
+          </a:xfrm>
+          <a:prstGeom prst="rtTriangle">
+            <a:avLst/>
+          </a:prstGeom>
+          <a:pattFill prst="ltUpDiag">
+            <a:fgClr>
+              <a:schemeClr val="accent6">
+                <a:lumMod val="75000"/>
+              </a:schemeClr>
+            </a:fgClr>
+            <a:bgClr>
+              <a:schemeClr val="accent6">
+                <a:lumMod val="40000"/>
+                <a:lumOff val="60000"/>
+              </a:schemeClr>
+            </a:bgClr>
+          </a:pattFill>
+          <a:ln>
+            <a:noFill/>
+          </a:ln>
+        </p:spPr>
+        <p:style>
+          <a:lnRef idx="2">
+            <a:schemeClr val="accent1">
+              <a:shade val="50000"/>
+            </a:schemeClr>
+          </a:lnRef>
+          <a:fillRef idx="1">
+            <a:schemeClr val="accent1"/>
+          </a:fillRef>
+          <a:effectRef idx="0">
+            <a:schemeClr val="accent1"/>
+          </a:effectRef>
+          <a:fontRef idx="minor">
+            <a:schemeClr val="lt1"/>
+          </a:fontRef>
+        </p:style>
+        <p:txBody>
+          <a:bodyPr rtlCol="0" anchor="ctr"/>
+          <a:lstStyle/>
+          <a:p>
+            <a:pPr algn="ctr"/>
+            <a:endParaRPr lang="ru-RU"/>
+          </a:p>
+        </p:txBody>
+      </p:sp>
+      <p:sp>
+        <p:nvSpPr>
+          <p:cNvPr id="12" name="Овал 11"/>
+          <p:cNvSpPr/>
+          <p:nvPr/>
+        </p:nvSpPr>
+        <p:spPr>
+          <a:xfrm>
+            <a:off x="5883728" y="3439111"/>
+            <a:ext cx="261257" cy="268690"/>
+          </a:xfrm>
+          <a:prstGeom prst="ellipse">
+            <a:avLst/>
+          </a:prstGeom>
+          <a:solidFill>
+            <a:schemeClr val="accent6">
+              <a:lumMod val="50000"/>
+            </a:schemeClr>
+          </a:solidFill>
+          <a:ln>
+            <a:noFill/>
+          </a:ln>
+        </p:spPr>
+        <p:style>
+          <a:lnRef idx="2">
+            <a:schemeClr val="accent1">
+              <a:shade val="50000"/>
+            </a:schemeClr>
+          </a:lnRef>
+          <a:fillRef idx="1">
+            <a:schemeClr val="accent1"/>
+          </a:fillRef>
+          <a:effectRef idx="0">
+            <a:schemeClr val="accent1"/>
+          </a:effectRef>
+          <a:fontRef idx="minor">
+            <a:schemeClr val="lt1"/>
+          </a:fontRef>
+        </p:style>
+        <p:txBody>
+          <a:bodyPr rtlCol="0" anchor="ctr"/>
+          <a:lstStyle/>
+          <a:p>
+            <a:pPr algn="ctr"/>
+            <a:endParaRPr lang="ru-RU"/>
+          </a:p>
+        </p:txBody>
+      </p:sp>
+      <p:sp>
+        <p:nvSpPr>
+          <p:cNvPr id="16" name="TextBox 15"/>
+          <p:cNvSpPr txBox="1"/>
+          <p:nvPr/>
+        </p:nvSpPr>
+        <p:spPr>
+          <a:xfrm>
+            <a:off x="3387156" y="5279958"/>
+            <a:ext cx="2318994" cy="954107"/>
+          </a:xfrm>
+          <a:prstGeom prst="rect">
+            <a:avLst/>
+          </a:prstGeom>
+          <a:noFill/>
+        </p:spPr>
+        <p:txBody>
+          <a:bodyPr wrap="square" rtlCol="0">
+            <a:spAutoFit/>
+          </a:bodyPr>
+          <a:lstStyle/>
+          <a:p>
+            <a:r>
+              <a:rPr lang="en-US" sz="2800" dirty="0" smtClean="0">
+                <a:solidFill>
+                  <a:schemeClr val="bg2">
+                    <a:lumMod val="25000"/>
+                  </a:schemeClr>
+                </a:solidFill>
+              </a:rPr>
+              <a:t>Junior</a:t>
+            </a:r>
+            <a:r>
+              <a:rPr lang="ru-RU" sz="2800" dirty="0" smtClean="0">
+                <a:solidFill>
+                  <a:schemeClr val="bg2">
+                    <a:lumMod val="25000"/>
+                  </a:schemeClr>
+                </a:solidFill>
+              </a:rPr>
+              <a:t> разработчик</a:t>
+            </a:r>
+            <a:endParaRPr lang="ru-RU" sz="2800" dirty="0">
+              <a:solidFill>
+                <a:schemeClr val="bg2">
+                  <a:lumMod val="25000"/>
+                </a:schemeClr>
+              </a:solidFill>
+            </a:endParaRPr>
+          </a:p>
+        </p:txBody>
+      </p:sp>
+      <p:sp>
+        <p:nvSpPr>
+          <p:cNvPr id="18" name="TextBox 17"/>
+          <p:cNvSpPr txBox="1"/>
+          <p:nvPr/>
+        </p:nvSpPr>
+        <p:spPr>
+          <a:xfrm>
+            <a:off x="965607" y="6385363"/>
+            <a:ext cx="1349036" cy="523220"/>
+          </a:xfrm>
+          <a:prstGeom prst="rect">
+            <a:avLst/>
+          </a:prstGeom>
+          <a:noFill/>
+        </p:spPr>
+        <p:txBody>
+          <a:bodyPr wrap="square" rtlCol="0">
+            <a:spAutoFit/>
+          </a:bodyPr>
+          <a:lstStyle/>
+          <a:p>
+            <a:r>
+              <a:rPr lang="en-US" sz="2800" dirty="0" smtClean="0">
+                <a:solidFill>
+                  <a:schemeClr val="bg2">
+                    <a:lumMod val="25000"/>
+                  </a:schemeClr>
+                </a:solidFill>
+              </a:rPr>
+              <a:t>“</a:t>
+            </a:r>
+            <a:r>
+              <a:rPr lang="en-US" sz="2800" dirty="0">
+                <a:solidFill>
+                  <a:schemeClr val="bg2">
+                    <a:lumMod val="25000"/>
+                  </a:schemeClr>
+                </a:solidFill>
+              </a:rPr>
+              <a:t>Noob</a:t>
+            </a:r>
+            <a:r>
+              <a:rPr lang="en-US" sz="2800" dirty="0" smtClean="0">
+                <a:solidFill>
+                  <a:schemeClr val="bg2">
+                    <a:lumMod val="25000"/>
+                  </a:schemeClr>
+                </a:solidFill>
+              </a:rPr>
+              <a:t>”</a:t>
+            </a:r>
+            <a:endParaRPr lang="ru-RU" sz="2800" dirty="0">
+              <a:solidFill>
+                <a:schemeClr val="bg2">
+                  <a:lumMod val="25000"/>
+                </a:schemeClr>
+              </a:solidFill>
+            </a:endParaRPr>
+          </a:p>
+        </p:txBody>
+      </p:sp>
+      <p:sp>
+        <p:nvSpPr>
+          <p:cNvPr id="19" name="TextBox 18"/>
+          <p:cNvSpPr txBox="1"/>
+          <p:nvPr/>
+        </p:nvSpPr>
+        <p:spPr>
+          <a:xfrm rot="2650865">
+            <a:off x="4723511" y="4634866"/>
+            <a:ext cx="1541034" cy="954107"/>
+          </a:xfrm>
+          <a:prstGeom prst="rect">
+            <a:avLst/>
+          </a:prstGeom>
+          <a:noFill/>
+        </p:spPr>
+        <p:txBody>
+          <a:bodyPr wrap="square" rtlCol="0">
+            <a:spAutoFit/>
+          </a:bodyPr>
+          <a:lstStyle/>
+          <a:p>
+            <a:pPr algn="ctr"/>
+            <a:r>
+              <a:rPr lang="ru-RU" sz="2800" dirty="0" smtClean="0">
+                <a:solidFill>
+                  <a:schemeClr val="accent6">
+                    <a:lumMod val="50000"/>
+                  </a:schemeClr>
+                </a:solidFill>
+              </a:rPr>
+              <a:t>Дизайн-решения</a:t>
+            </a:r>
+            <a:endParaRPr lang="ru-RU" sz="2800" dirty="0">
+              <a:solidFill>
+                <a:schemeClr val="accent6">
+                  <a:lumMod val="50000"/>
+                </a:schemeClr>
+              </a:solidFill>
+            </a:endParaRPr>
+          </a:p>
+        </p:txBody>
+      </p:sp>
+      <p:sp>
+        <p:nvSpPr>
+          <p:cNvPr id="22" name="TextBox 21"/>
+          <p:cNvSpPr txBox="1"/>
+          <p:nvPr/>
+        </p:nvSpPr>
+        <p:spPr>
+          <a:xfrm>
+            <a:off x="3809222" y="6457890"/>
+            <a:ext cx="2896706" cy="400110"/>
+          </a:xfrm>
+          <a:prstGeom prst="rect">
+            <a:avLst/>
+          </a:prstGeom>
+          <a:noFill/>
+        </p:spPr>
+        <p:txBody>
+          <a:bodyPr wrap="square" rtlCol="0">
+            <a:spAutoFit/>
+          </a:bodyPr>
+          <a:lstStyle/>
+          <a:p>
+            <a:r>
+              <a:rPr lang="ru-RU" sz="2000" dirty="0" smtClean="0">
+                <a:solidFill>
+                  <a:schemeClr val="accent6">
+                    <a:lumMod val="50000"/>
+                  </a:schemeClr>
+                </a:solidFill>
+              </a:rPr>
+              <a:t>Сложность задач</a:t>
+            </a:r>
+            <a:endParaRPr lang="ru-RU" sz="2000" dirty="0">
+              <a:solidFill>
+                <a:schemeClr val="accent6">
+                  <a:lumMod val="50000"/>
+                </a:schemeClr>
+              </a:solidFill>
+            </a:endParaRPr>
+          </a:p>
+        </p:txBody>
+      </p:sp>
+      <p:sp>
+        <p:nvSpPr>
+          <p:cNvPr id="23" name="Стрелка вправо 22"/>
+          <p:cNvSpPr/>
+          <p:nvPr/>
+        </p:nvSpPr>
+        <p:spPr>
+          <a:xfrm>
+            <a:off x="5971560" y="6566414"/>
+            <a:ext cx="346850" cy="258749"/>
+          </a:xfrm>
+          <a:prstGeom prst="rightArrow">
+            <a:avLst/>
+          </a:prstGeom>
+          <a:solidFill>
+            <a:schemeClr val="accent6">
+              <a:lumMod val="40000"/>
+              <a:lumOff val="60000"/>
+            </a:schemeClr>
+          </a:solidFill>
+          <a:ln>
+            <a:noFill/>
+          </a:ln>
+        </p:spPr>
+        <p:style>
+          <a:lnRef idx="2">
+            <a:schemeClr val="accent1">
+              <a:shade val="50000"/>
+            </a:schemeClr>
+          </a:lnRef>
+          <a:fillRef idx="1">
+            <a:schemeClr val="accent1"/>
+          </a:fillRef>
+          <a:effectRef idx="0">
+            <a:schemeClr val="accent1"/>
+          </a:effectRef>
+          <a:fontRef idx="minor">
+            <a:schemeClr val="lt1"/>
+          </a:fontRef>
+        </p:style>
+        <p:txBody>
+          <a:bodyPr rtlCol="0" anchor="ctr"/>
+          <a:lstStyle/>
+          <a:p>
+            <a:pPr algn="ctr"/>
+            <a:endParaRPr lang="ru-RU"/>
+          </a:p>
+        </p:txBody>
+      </p:sp>
+      <p:sp>
+        <p:nvSpPr>
+          <p:cNvPr id="24" name="TextBox 23"/>
+          <p:cNvSpPr txBox="1"/>
+          <p:nvPr/>
+        </p:nvSpPr>
+        <p:spPr>
+          <a:xfrm rot="16200000">
+            <a:off x="-1024666" y="4674009"/>
+            <a:ext cx="2896706" cy="400110"/>
+          </a:xfrm>
+          <a:prstGeom prst="rect">
+            <a:avLst/>
+          </a:prstGeom>
+          <a:noFill/>
+        </p:spPr>
+        <p:txBody>
+          <a:bodyPr wrap="square" rtlCol="0">
+            <a:spAutoFit/>
+          </a:bodyPr>
+          <a:lstStyle>
+            <a:defPPr>
+              <a:defRPr lang="ru-RU"/>
+            </a:defPPr>
+            <a:lvl1pPr>
+              <a:defRPr sz="2000">
+                <a:solidFill>
+                  <a:schemeClr val="accent6">
+                    <a:lumMod val="50000"/>
+                  </a:schemeClr>
+                </a:solidFill>
+              </a:defRPr>
+            </a:lvl1pPr>
+          </a:lstStyle>
+          <a:p>
+            <a:pPr algn="r"/>
+            <a:r>
+              <a:rPr lang="ru-RU" dirty="0"/>
+              <a:t>Квалификация</a:t>
+            </a:r>
+          </a:p>
+        </p:txBody>
+      </p:sp>
+      <p:sp>
+        <p:nvSpPr>
+          <p:cNvPr id="25" name="Стрелка вправо 24"/>
+          <p:cNvSpPr/>
+          <p:nvPr/>
+        </p:nvSpPr>
+        <p:spPr>
+          <a:xfrm rot="-5400000">
+            <a:off x="276563" y="3126200"/>
+            <a:ext cx="346850" cy="258749"/>
+          </a:xfrm>
+          <a:prstGeom prst="rightArrow">
+            <a:avLst/>
+          </a:prstGeom>
+          <a:solidFill>
+            <a:schemeClr val="accent6">
+              <a:lumMod val="40000"/>
+              <a:lumOff val="60000"/>
+            </a:schemeClr>
+          </a:solidFill>
+          <a:ln>
+            <a:noFill/>
+          </a:ln>
+        </p:spPr>
+        <p:style>
+          <a:lnRef idx="2">
+            <a:schemeClr val="accent1">
+              <a:shade val="50000"/>
+            </a:schemeClr>
+          </a:lnRef>
+          <a:fillRef idx="1">
+            <a:schemeClr val="accent1"/>
+          </a:fillRef>
+          <a:effectRef idx="0">
+            <a:schemeClr val="accent1"/>
+          </a:effectRef>
+          <a:fontRef idx="minor">
+            <a:schemeClr val="lt1"/>
+          </a:fontRef>
+        </p:style>
+        <p:txBody>
+          <a:bodyPr rtlCol="0" anchor="ctr"/>
+          <a:lstStyle/>
+          <a:p>
+            <a:pPr algn="ctr"/>
+            <a:endParaRPr lang="ru-RU"/>
+          </a:p>
+        </p:txBody>
+      </p:sp>
+      <p:cxnSp>
+        <p:nvCxnSpPr>
+          <p:cNvPr id="27" name="Прямая со стрелкой 26"/>
+          <p:cNvCxnSpPr/>
+          <p:nvPr/>
+        </p:nvCxnSpPr>
+        <p:spPr>
+          <a:xfrm flipV="1">
+            <a:off x="1220571" y="5030929"/>
+            <a:ext cx="2155168" cy="1018180"/>
+          </a:xfrm>
+          <a:prstGeom prst="straightConnector1">
+            <a:avLst/>
+          </a:prstGeom>
+          <a:ln>
+            <a:solidFill>
+              <a:schemeClr val="accent6">
+                <a:lumMod val="50000"/>
+              </a:schemeClr>
+            </a:solidFill>
+            <a:tailEnd type="triangle"/>
+          </a:ln>
+        </p:spPr>
+        <p:style>
+          <a:lnRef idx="1">
+            <a:schemeClr val="accent1"/>
+          </a:lnRef>
+          <a:fillRef idx="0">
+            <a:schemeClr val="accent1"/>
+          </a:fillRef>
+          <a:effectRef idx="0">
+            <a:schemeClr val="accent1"/>
+          </a:effectRef>
+          <a:fontRef idx="minor">
+            <a:schemeClr val="tx1"/>
+          </a:fontRef>
+        </p:style>
+      </p:cxnSp>
+      <p:cxnSp>
+        <p:nvCxnSpPr>
+          <p:cNvPr id="28" name="Прямая со стрелкой 27"/>
+          <p:cNvCxnSpPr/>
+          <p:nvPr/>
+        </p:nvCxnSpPr>
+        <p:spPr>
+          <a:xfrm flipV="1">
+            <a:off x="3954932" y="3652374"/>
+            <a:ext cx="1810042" cy="1109865"/>
+          </a:xfrm>
+          <a:prstGeom prst="straightConnector1">
+            <a:avLst/>
+          </a:prstGeom>
+          <a:ln>
+            <a:solidFill>
+              <a:schemeClr val="accent6">
+                <a:lumMod val="50000"/>
+              </a:schemeClr>
+            </a:solidFill>
+            <a:tailEnd type="triangle"/>
+          </a:ln>
+        </p:spPr>
+        <p:style>
+          <a:lnRef idx="1">
+            <a:schemeClr val="accent1"/>
+          </a:lnRef>
+          <a:fillRef idx="0">
+            <a:schemeClr val="accent1"/>
+          </a:fillRef>
+          <a:effectRef idx="0">
+            <a:schemeClr val="accent1"/>
+          </a:effectRef>
+          <a:fontRef idx="minor">
+            <a:schemeClr val="tx1"/>
+          </a:fontRef>
+        </p:style>
+      </p:cxnSp>
+      <p:sp>
+        <p:nvSpPr>
+          <p:cNvPr id="33" name="Овал 32"/>
+          <p:cNvSpPr/>
+          <p:nvPr/>
+        </p:nvSpPr>
+        <p:spPr>
+          <a:xfrm>
+            <a:off x="5649281" y="1567382"/>
+            <a:ext cx="3918856" cy="2140419"/>
+          </a:xfrm>
+          <a:prstGeom prst="ellipse">
+            <a:avLst/>
+          </a:prstGeom>
+          <a:solidFill>
+            <a:schemeClr val="accent1">
+              <a:lumMod val="60000"/>
+              <a:lumOff val="40000"/>
+            </a:schemeClr>
+          </a:solidFill>
+          <a:ln>
+            <a:solidFill>
+              <a:schemeClr val="bg1"/>
+            </a:solidFill>
+          </a:ln>
+        </p:spPr>
+        <p:style>
+          <a:lnRef idx="2">
+            <a:schemeClr val="accent1">
+              <a:shade val="50000"/>
+            </a:schemeClr>
+          </a:lnRef>
+          <a:fillRef idx="1">
+            <a:schemeClr val="accent1"/>
+          </a:fillRef>
+          <a:effectRef idx="0">
+            <a:schemeClr val="accent1"/>
+          </a:effectRef>
+          <a:fontRef idx="minor">
+            <a:schemeClr val="lt1"/>
+          </a:fontRef>
+        </p:style>
+        <p:txBody>
+          <a:bodyPr rtlCol="0" anchor="ctr"/>
+          <a:lstStyle/>
+          <a:p>
+            <a:pPr algn="ctr"/>
+            <a:r>
+              <a:rPr lang="ru-RU" sz="3200" dirty="0" smtClean="0"/>
+              <a:t>Требования (</a:t>
+            </a:r>
+            <a:r>
+              <a:rPr lang="en-US" sz="3200" dirty="0" smtClean="0"/>
+              <a:t>requirements</a:t>
+            </a:r>
+            <a:r>
+              <a:rPr lang="ru-RU" sz="3200" dirty="0" smtClean="0"/>
+              <a:t>)</a:t>
+            </a:r>
+            <a:endParaRPr lang="ru-RU" sz="3200" dirty="0"/>
+          </a:p>
+        </p:txBody>
+      </p:sp>
+      <p:sp>
+        <p:nvSpPr>
+          <p:cNvPr id="34" name="TextBox 33"/>
+          <p:cNvSpPr txBox="1"/>
+          <p:nvPr/>
+        </p:nvSpPr>
+        <p:spPr>
+          <a:xfrm>
+            <a:off x="624373" y="2561483"/>
+            <a:ext cx="5536523" cy="461665"/>
+          </a:xfrm>
+          <a:prstGeom prst="rect">
+            <a:avLst/>
+          </a:prstGeom>
+          <a:noFill/>
+        </p:spPr>
+        <p:txBody>
+          <a:bodyPr wrap="square" rtlCol="0">
+            <a:spAutoFit/>
+          </a:bodyPr>
+          <a:lstStyle/>
+          <a:p>
+            <a:r>
+              <a:rPr lang="ru-RU" sz="2400" dirty="0" smtClean="0">
+                <a:solidFill>
+                  <a:schemeClr val="accent6">
+                    <a:lumMod val="50000"/>
+                  </a:schemeClr>
+                </a:solidFill>
+              </a:rPr>
+              <a:t>ИТ-система / программа (</a:t>
+            </a:r>
+            <a:r>
+              <a:rPr lang="en-US" sz="2400" dirty="0" smtClean="0">
+                <a:solidFill>
+                  <a:schemeClr val="accent6">
+                    <a:lumMod val="50000"/>
+                  </a:schemeClr>
+                </a:solidFill>
+              </a:rPr>
+              <a:t>software</a:t>
+            </a:r>
+            <a:r>
+              <a:rPr lang="ru-RU" sz="2400" dirty="0" smtClean="0">
+                <a:solidFill>
+                  <a:schemeClr val="accent6">
+                    <a:lumMod val="50000"/>
+                  </a:schemeClr>
+                </a:solidFill>
+              </a:rPr>
+              <a:t>)</a:t>
+            </a:r>
+            <a:endParaRPr lang="ru-RU" sz="2400" dirty="0">
+              <a:solidFill>
+                <a:schemeClr val="accent6">
+                  <a:lumMod val="50000"/>
+                </a:schemeClr>
+              </a:solidFill>
+            </a:endParaRPr>
+          </a:p>
+        </p:txBody>
+      </p:sp>
+      <p:cxnSp>
+        <p:nvCxnSpPr>
+          <p:cNvPr id="36" name="Прямая соединительная линия 35"/>
+          <p:cNvCxnSpPr/>
+          <p:nvPr/>
+        </p:nvCxnSpPr>
+        <p:spPr>
+          <a:xfrm>
+            <a:off x="6059482" y="3626859"/>
+            <a:ext cx="480317" cy="194722"/>
+          </a:xfrm>
+          <a:prstGeom prst="line">
+            <a:avLst/>
+          </a:prstGeom>
+          <a:ln>
+            <a:solidFill>
+              <a:schemeClr val="accent6">
+                <a:lumMod val="75000"/>
+              </a:schemeClr>
+            </a:solidFill>
+          </a:ln>
+        </p:spPr>
+        <p:style>
+          <a:lnRef idx="1">
+            <a:schemeClr val="accent1"/>
+          </a:lnRef>
+          <a:fillRef idx="0">
+            <a:schemeClr val="accent1"/>
+          </a:fillRef>
+          <a:effectRef idx="0">
+            <a:schemeClr val="accent1"/>
+          </a:effectRef>
+          <a:fontRef idx="minor">
+            <a:schemeClr val="tx1"/>
+          </a:fontRef>
+        </p:style>
+      </p:cxnSp>
+      <p:cxnSp>
+        <p:nvCxnSpPr>
+          <p:cNvPr id="37" name="Прямая соединительная линия 36"/>
+          <p:cNvCxnSpPr/>
+          <p:nvPr/>
+        </p:nvCxnSpPr>
+        <p:spPr>
+          <a:xfrm>
+            <a:off x="3705644" y="4917670"/>
+            <a:ext cx="160719" cy="330352"/>
+          </a:xfrm>
+          <a:prstGeom prst="line">
+            <a:avLst/>
+          </a:prstGeom>
+          <a:ln>
+            <a:solidFill>
+              <a:schemeClr val="accent6">
+                <a:lumMod val="75000"/>
+              </a:schemeClr>
+            </a:solidFill>
+          </a:ln>
+        </p:spPr>
+        <p:style>
+          <a:lnRef idx="1">
+            <a:schemeClr val="accent1"/>
+          </a:lnRef>
+          <a:fillRef idx="0">
+            <a:schemeClr val="accent1"/>
+          </a:fillRef>
+          <a:effectRef idx="0">
+            <a:schemeClr val="accent1"/>
+          </a:effectRef>
+          <a:fontRef idx="minor">
+            <a:schemeClr val="tx1"/>
+          </a:fontRef>
+        </p:style>
+      </p:cxnSp>
+      <p:cxnSp>
+        <p:nvCxnSpPr>
+          <p:cNvPr id="40" name="Прямая соединительная линия 39"/>
+          <p:cNvCxnSpPr>
+            <a:endCxn id="18" idx="1"/>
+          </p:cNvCxnSpPr>
+          <p:nvPr/>
+        </p:nvCxnSpPr>
+        <p:spPr>
+          <a:xfrm>
+            <a:off x="946895" y="6407086"/>
+            <a:ext cx="18712" cy="239887"/>
+          </a:xfrm>
+          <a:prstGeom prst="line">
+            <a:avLst/>
+          </a:prstGeom>
+          <a:ln>
+            <a:solidFill>
+              <a:schemeClr val="accent6">
+                <a:lumMod val="75000"/>
+              </a:schemeClr>
+            </a:solidFill>
+          </a:ln>
+        </p:spPr>
+        <p:style>
+          <a:lnRef idx="1">
+            <a:schemeClr val="accent1"/>
+          </a:lnRef>
+          <a:fillRef idx="0">
+            <a:schemeClr val="accent1"/>
+          </a:fillRef>
+          <a:effectRef idx="0">
+            <a:schemeClr val="accent1"/>
+          </a:effectRef>
+          <a:fontRef idx="minor">
+            <a:schemeClr val="tx1"/>
+          </a:fontRef>
+        </p:style>
+      </p:cxnSp>
+      <p:sp>
+        <p:nvSpPr>
+          <p:cNvPr id="42" name="Овал 41"/>
+          <p:cNvSpPr/>
+          <p:nvPr/>
+        </p:nvSpPr>
+        <p:spPr>
+          <a:xfrm>
+            <a:off x="9306880" y="1645393"/>
+            <a:ext cx="261257" cy="268690"/>
+          </a:xfrm>
+          <a:prstGeom prst="ellipse">
+            <a:avLst/>
+          </a:prstGeom>
+          <a:solidFill>
+            <a:schemeClr val="accent2">
+              <a:lumMod val="75000"/>
+            </a:schemeClr>
+          </a:solidFill>
+          <a:ln>
+            <a:noFill/>
+          </a:ln>
+        </p:spPr>
+        <p:style>
+          <a:lnRef idx="2">
+            <a:schemeClr val="accent1">
+              <a:shade val="50000"/>
+            </a:schemeClr>
+          </a:lnRef>
+          <a:fillRef idx="1">
+            <a:schemeClr val="accent1"/>
+          </a:fillRef>
+          <a:effectRef idx="0">
+            <a:schemeClr val="accent1"/>
+          </a:effectRef>
+          <a:fontRef idx="minor">
+            <a:schemeClr val="lt1"/>
+          </a:fontRef>
+        </p:style>
+        <p:txBody>
+          <a:bodyPr rtlCol="0" anchor="ctr"/>
+          <a:lstStyle/>
+          <a:p>
+            <a:pPr algn="ctr"/>
+            <a:endParaRPr lang="ru-RU"/>
+          </a:p>
+        </p:txBody>
+      </p:sp>
+      <p:sp>
+        <p:nvSpPr>
+          <p:cNvPr id="43" name="TextBox 42"/>
+          <p:cNvSpPr txBox="1"/>
+          <p:nvPr/>
+        </p:nvSpPr>
+        <p:spPr>
+          <a:xfrm>
+            <a:off x="9693270" y="1727378"/>
+            <a:ext cx="2347947" cy="400110"/>
+          </a:xfrm>
+          <a:prstGeom prst="rect">
+            <a:avLst/>
+          </a:prstGeom>
+          <a:noFill/>
+        </p:spPr>
+        <p:txBody>
+          <a:bodyPr wrap="square" rtlCol="0">
+            <a:spAutoFit/>
+          </a:bodyPr>
+          <a:lstStyle>
+            <a:defPPr>
+              <a:defRPr lang="ru-RU"/>
+            </a:defPPr>
+            <a:lvl1pPr>
+              <a:defRPr sz="2800">
+                <a:solidFill>
+                  <a:schemeClr val="bg2">
+                    <a:lumMod val="25000"/>
+                  </a:schemeClr>
+                </a:solidFill>
+              </a:defRPr>
+            </a:lvl1pPr>
+          </a:lstStyle>
+          <a:p>
+            <a:r>
+              <a:rPr lang="ru-RU" sz="2000" dirty="0"/>
+              <a:t>Бизнес-аналитик</a:t>
+            </a:r>
+          </a:p>
+        </p:txBody>
+      </p:sp>
+      <p:cxnSp>
+        <p:nvCxnSpPr>
+          <p:cNvPr id="45" name="Прямая соединительная линия 44"/>
+          <p:cNvCxnSpPr/>
+          <p:nvPr/>
+        </p:nvCxnSpPr>
+        <p:spPr>
+          <a:xfrm>
+            <a:off x="9453634" y="1824485"/>
+            <a:ext cx="229006" cy="134345"/>
+          </a:xfrm>
+          <a:prstGeom prst="line">
+            <a:avLst/>
+          </a:prstGeom>
+          <a:ln>
+            <a:solidFill>
+              <a:schemeClr val="tx1">
+                <a:lumMod val="75000"/>
+                <a:lumOff val="25000"/>
+              </a:schemeClr>
+            </a:solidFill>
+          </a:ln>
+        </p:spPr>
+        <p:style>
+          <a:lnRef idx="1">
+            <a:schemeClr val="accent1"/>
+          </a:lnRef>
+          <a:fillRef idx="0">
+            <a:schemeClr val="accent1"/>
+          </a:fillRef>
+          <a:effectRef idx="0">
+            <a:schemeClr val="accent1"/>
+          </a:effectRef>
+          <a:fontRef idx="minor">
+            <a:schemeClr val="tx1"/>
+          </a:fontRef>
+        </p:style>
+      </p:cxnSp>
+      <p:sp>
+        <p:nvSpPr>
+          <p:cNvPr id="46" name="Овал 45"/>
+          <p:cNvSpPr/>
+          <p:nvPr/>
+        </p:nvSpPr>
+        <p:spPr>
+          <a:xfrm>
+            <a:off x="11381386" y="371998"/>
+            <a:ext cx="261257" cy="268690"/>
+          </a:xfrm>
+          <a:prstGeom prst="ellipse">
+            <a:avLst/>
+          </a:prstGeom>
+          <a:solidFill>
+            <a:schemeClr val="accent2">
+              <a:lumMod val="75000"/>
+            </a:schemeClr>
+          </a:solidFill>
+          <a:ln>
+            <a:noFill/>
+          </a:ln>
+        </p:spPr>
+        <p:style>
+          <a:lnRef idx="2">
+            <a:schemeClr val="accent1">
+              <a:shade val="50000"/>
+            </a:schemeClr>
+          </a:lnRef>
+          <a:fillRef idx="1">
+            <a:schemeClr val="accent1"/>
+          </a:fillRef>
+          <a:effectRef idx="0">
+            <a:schemeClr val="accent1"/>
+          </a:effectRef>
+          <a:fontRef idx="minor">
+            <a:schemeClr val="lt1"/>
+          </a:fontRef>
+        </p:style>
+        <p:txBody>
+          <a:bodyPr rtlCol="0" anchor="ctr"/>
+          <a:lstStyle/>
+          <a:p>
+            <a:pPr algn="ctr"/>
+            <a:endParaRPr lang="ru-RU"/>
+          </a:p>
+        </p:txBody>
+      </p:sp>
+      <p:sp>
+        <p:nvSpPr>
+          <p:cNvPr id="47" name="TextBox 46"/>
+          <p:cNvSpPr txBox="1"/>
+          <p:nvPr/>
+        </p:nvSpPr>
+        <p:spPr>
+          <a:xfrm>
+            <a:off x="9384046" y="155918"/>
+            <a:ext cx="2851894" cy="523220"/>
+          </a:xfrm>
+          <a:prstGeom prst="rect">
+            <a:avLst/>
+          </a:prstGeom>
+          <a:noFill/>
+        </p:spPr>
+        <p:txBody>
+          <a:bodyPr wrap="square" rtlCol="0">
+            <a:spAutoFit/>
+          </a:bodyPr>
+          <a:lstStyle>
+            <a:defPPr>
+              <a:defRPr lang="ru-RU"/>
+            </a:defPPr>
+            <a:lvl1pPr>
+              <a:defRPr sz="2800">
+                <a:solidFill>
+                  <a:schemeClr val="bg2">
+                    <a:lumMod val="25000"/>
+                  </a:schemeClr>
+                </a:solidFill>
+              </a:defRPr>
+            </a:lvl1pPr>
+          </a:lstStyle>
+          <a:p>
+            <a:r>
+              <a:rPr lang="ru-RU" dirty="0"/>
+              <a:t>«Стратеги»</a:t>
+            </a:r>
+          </a:p>
+        </p:txBody>
+      </p:sp>
+      <p:cxnSp>
+        <p:nvCxnSpPr>
+          <p:cNvPr id="48" name="Прямая соединительная линия 47"/>
+          <p:cNvCxnSpPr/>
+          <p:nvPr/>
+        </p:nvCxnSpPr>
+        <p:spPr>
+          <a:xfrm>
+            <a:off x="11234057" y="417528"/>
+            <a:ext cx="261832" cy="50365"/>
+          </a:xfrm>
+          <a:prstGeom prst="line">
+            <a:avLst/>
+          </a:prstGeom>
+          <a:ln>
+            <a:solidFill>
+              <a:schemeClr val="tx1">
+                <a:lumMod val="75000"/>
+                <a:lumOff val="25000"/>
+              </a:schemeClr>
+            </a:solidFill>
+          </a:ln>
+        </p:spPr>
+        <p:style>
+          <a:lnRef idx="1">
+            <a:schemeClr val="accent1"/>
+          </a:lnRef>
+          <a:fillRef idx="0">
+            <a:schemeClr val="accent1"/>
+          </a:fillRef>
+          <a:effectRef idx="0">
+            <a:schemeClr val="accent1"/>
+          </a:effectRef>
+          <a:fontRef idx="minor">
+            <a:schemeClr val="tx1"/>
+          </a:fontRef>
+        </p:style>
+      </p:cxnSp>
+      <p:sp>
+        <p:nvSpPr>
+          <p:cNvPr id="54" name="TextBox 53"/>
+          <p:cNvSpPr txBox="1"/>
+          <p:nvPr/>
+        </p:nvSpPr>
+        <p:spPr>
+          <a:xfrm>
+            <a:off x="6927980" y="5564130"/>
+            <a:ext cx="5304573" cy="923330"/>
+          </a:xfrm>
+          <a:prstGeom prst="rect">
+            <a:avLst/>
+          </a:prstGeom>
+          <a:noFill/>
+        </p:spPr>
+        <p:txBody>
+          <a:bodyPr wrap="square" rtlCol="0">
+            <a:spAutoFit/>
+          </a:bodyPr>
+          <a:lstStyle/>
+          <a:p>
+            <a:r>
+              <a:rPr lang="ru-RU" dirty="0" smtClean="0"/>
+              <a:t>От стратегии организации до лиц, ее реализующих </a:t>
+            </a:r>
+            <a:r>
+              <a:rPr lang="ru-RU" dirty="0" smtClean="0"/>
+              <a:t>в области ИТ, </a:t>
+            </a:r>
+            <a:r>
+              <a:rPr lang="ru-RU" dirty="0" smtClean="0"/>
+              <a:t>расстояние как до Луны и много «испорченных телефонов» в обе стороны.</a:t>
+            </a:r>
+            <a:endParaRPr lang="ru-RU" dirty="0"/>
+          </a:p>
+        </p:txBody>
+      </p:sp>
+      <p:cxnSp>
+        <p:nvCxnSpPr>
+          <p:cNvPr id="56" name="Скругленная соединительная линия 55"/>
+          <p:cNvCxnSpPr/>
+          <p:nvPr/>
+        </p:nvCxnSpPr>
+        <p:spPr>
+          <a:xfrm rot="10800000" flipV="1">
+            <a:off x="6539805" y="2213201"/>
+            <a:ext cx="3985127" cy="3153981"/>
+          </a:xfrm>
+          <a:prstGeom prst="curvedConnector3">
+            <a:avLst>
+              <a:gd name="adj1" fmla="val 6451"/>
+            </a:avLst>
+          </a:prstGeom>
+          <a:noFill/>
+          <a:ln>
+            <a:solidFill>
+              <a:srgbClr val="FF0000"/>
+            </a:solidFill>
+            <a:headEnd type="triangle" w="lg" len="lg"/>
+            <a:tailEnd type="triangle" w="lg" len="lg"/>
+          </a:ln>
+        </p:spPr>
+        <p:style>
+          <a:lnRef idx="2">
+            <a:schemeClr val="accent1">
+              <a:shade val="50000"/>
+            </a:schemeClr>
+          </a:lnRef>
+          <a:fillRef idx="1">
+            <a:schemeClr val="accent1"/>
+          </a:fillRef>
+          <a:effectRef idx="0">
+            <a:schemeClr val="accent1"/>
+          </a:effectRef>
+          <a:fontRef idx="minor">
+            <a:schemeClr val="lt1"/>
+          </a:fontRef>
+        </p:style>
+      </p:cxnSp>
+      <p:sp>
+        <p:nvSpPr>
+          <p:cNvPr id="53" name="Пятно 2 52"/>
+          <p:cNvSpPr/>
+          <p:nvPr/>
+        </p:nvSpPr>
+        <p:spPr>
+          <a:xfrm>
+            <a:off x="8400647" y="3472642"/>
+            <a:ext cx="3353653" cy="1935552"/>
+          </a:xfrm>
+          <a:prstGeom prst="irregularSeal2">
+            <a:avLst/>
+          </a:prstGeom>
+          <a:solidFill>
+            <a:schemeClr val="accent2">
+              <a:lumMod val="40000"/>
+              <a:lumOff val="60000"/>
+            </a:schemeClr>
+          </a:solidFill>
+          <a:ln>
+            <a:solidFill>
+              <a:srgbClr val="FF0000"/>
+            </a:solidFill>
+          </a:ln>
+        </p:spPr>
+        <p:style>
+          <a:lnRef idx="2">
+            <a:schemeClr val="accent1">
+              <a:shade val="50000"/>
+            </a:schemeClr>
+          </a:lnRef>
+          <a:fillRef idx="1">
+            <a:schemeClr val="accent1"/>
+          </a:fillRef>
+          <a:effectRef idx="0">
+            <a:schemeClr val="accent1"/>
+          </a:effectRef>
+          <a:fontRef idx="minor">
+            <a:schemeClr val="lt1"/>
+          </a:fontRef>
+        </p:style>
+        <p:txBody>
+          <a:bodyPr rtlCol="0" anchor="ctr"/>
+          <a:lstStyle/>
+          <a:p>
+            <a:pPr algn="ctr"/>
+            <a:endParaRPr lang="ru-RU"/>
+          </a:p>
+        </p:txBody>
+      </p:sp>
+      <p:sp>
+        <p:nvSpPr>
+          <p:cNvPr id="17" name="TextBox 16"/>
+          <p:cNvSpPr txBox="1"/>
+          <p:nvPr/>
+        </p:nvSpPr>
+        <p:spPr>
+          <a:xfrm>
+            <a:off x="6594292" y="3705611"/>
+            <a:ext cx="2384100" cy="954107"/>
+          </a:xfrm>
+          <a:prstGeom prst="rect">
+            <a:avLst/>
+          </a:prstGeom>
+          <a:noFill/>
+        </p:spPr>
+        <p:txBody>
+          <a:bodyPr wrap="square" rtlCol="0">
+            <a:spAutoFit/>
+          </a:bodyPr>
+          <a:lstStyle>
+            <a:defPPr>
+              <a:defRPr lang="ru-RU"/>
+            </a:defPPr>
+            <a:lvl1pPr>
+              <a:defRPr sz="2800">
+                <a:solidFill>
+                  <a:schemeClr val="bg2">
+                    <a:lumMod val="25000"/>
+                  </a:schemeClr>
+                </a:solidFill>
+              </a:defRPr>
+            </a:lvl1pPr>
+          </a:lstStyle>
+          <a:p>
+            <a:r>
+              <a:rPr lang="en-US" dirty="0"/>
+              <a:t>Senior </a:t>
+            </a:r>
+            <a:r>
+              <a:rPr lang="ru-RU" dirty="0"/>
+              <a:t>разработчик</a:t>
+            </a:r>
           </a:p>
         </p:txBody>
       </p:sp>
     </p:spTree>
     <p:extLst>
       <p:ext uri="{BB962C8B-B14F-4D97-AF65-F5344CB8AC3E}">
-        <p14:creationId xmlns:p14="http://schemas.microsoft.com/office/powerpoint/2010/main" val="1241783659"/>
+        <p14:creationId xmlns:p14="http://schemas.microsoft.com/office/powerpoint/2010/main" val="2780090393"/>
       </p:ext>
     </p:extLst>
   </p:cSld>
@@ -3053,6 +4574,116 @@
       </p:grpSpPr>
       <p:sp>
         <p:nvSpPr>
+          <p:cNvPr id="72" name="Прямоугольник 71"/>
+          <p:cNvSpPr/>
+          <p:nvPr/>
+        </p:nvSpPr>
+        <p:spPr>
+          <a:xfrm>
+            <a:off x="0" y="-45931"/>
+            <a:ext cx="12390983" cy="6917021"/>
+          </a:xfrm>
+          <a:prstGeom prst="rect">
+            <a:avLst/>
+          </a:prstGeom>
+          <a:solidFill>
+            <a:schemeClr val="accent6">
+              <a:lumMod val="20000"/>
+              <a:lumOff val="80000"/>
+              <a:alpha val="44000"/>
+            </a:schemeClr>
+          </a:solidFill>
+          <a:ln>
+            <a:noFill/>
+          </a:ln>
+        </p:spPr>
+        <p:style>
+          <a:lnRef idx="2">
+            <a:schemeClr val="accent1">
+              <a:shade val="50000"/>
+            </a:schemeClr>
+          </a:lnRef>
+          <a:fillRef idx="1">
+            <a:schemeClr val="accent1"/>
+          </a:fillRef>
+          <a:effectRef idx="0">
+            <a:schemeClr val="accent1"/>
+          </a:effectRef>
+          <a:fontRef idx="minor">
+            <a:schemeClr val="lt1"/>
+          </a:fontRef>
+        </p:style>
+        <p:txBody>
+          <a:bodyPr rtlCol="0" anchor="ctr"/>
+          <a:lstStyle/>
+          <a:p>
+            <a:pPr algn="ctr"/>
+            <a:r>
+              <a:rPr lang="ru-RU">
+                <a:solidFill>
+                  <a:schemeClr val="accent6">
+                    <a:lumMod val="50000"/>
+                  </a:schemeClr>
+                </a:solidFill>
+              </a:rPr>
+              <a:t>ИТ</a:t>
+            </a:r>
+            <a:endParaRPr lang="ru-RU"/>
+          </a:p>
+        </p:txBody>
+      </p:sp>
+      <p:sp>
+        <p:nvSpPr>
+          <p:cNvPr id="66" name="Прямоугольный треугольник 65"/>
+          <p:cNvSpPr/>
+          <p:nvPr/>
+        </p:nvSpPr>
+        <p:spPr>
+          <a:xfrm rot="10800000">
+            <a:off x="5360941" y="-2"/>
+            <a:ext cx="6831058" cy="6825163"/>
+          </a:xfrm>
+          <a:prstGeom prst="rtTriangle">
+            <a:avLst/>
+          </a:prstGeom>
+          <a:solidFill>
+            <a:schemeClr val="accent2">
+              <a:lumMod val="20000"/>
+              <a:lumOff val="80000"/>
+              <a:alpha val="53000"/>
+            </a:schemeClr>
+          </a:solidFill>
+          <a:ln>
+            <a:noFill/>
+          </a:ln>
+        </p:spPr>
+        <p:style>
+          <a:lnRef idx="2">
+            <a:schemeClr val="accent1">
+              <a:shade val="50000"/>
+            </a:schemeClr>
+          </a:lnRef>
+          <a:fillRef idx="1">
+            <a:schemeClr val="accent1"/>
+          </a:fillRef>
+          <a:effectRef idx="0">
+            <a:schemeClr val="accent1"/>
+          </a:effectRef>
+          <a:fontRef idx="minor">
+            <a:schemeClr val="lt1"/>
+          </a:fontRef>
+        </p:style>
+        <p:txBody>
+          <a:bodyPr rtlCol="0" anchor="ctr"/>
+          <a:lstStyle/>
+          <a:p>
+            <a:pPr algn="ctr"/>
+            <a:endParaRPr lang="ru-RU"/>
+          </a:p>
+        </p:txBody>
+      </p:sp>
+      <p:sp>
+        <p:nvSpPr>
           <p:cNvPr id="4" name="Прямоугольник 3"/>
           <p:cNvSpPr/>
           <p:nvPr/>
@@ -3060,7 +4691,7 @@
         <p:spPr>
           <a:xfrm>
             <a:off x="682690" y="3054819"/>
-            <a:ext cx="5693229" cy="3429000"/>
+            <a:ext cx="6002231" cy="3429000"/>
           </a:xfrm>
           <a:prstGeom prst="rect">
             <a:avLst/>
@@ -3112,93 +4743,26 @@
         </p:nvSpPr>
         <p:spPr>
           <a:xfrm>
-            <a:off x="467955" y="547784"/>
-            <a:ext cx="7703596" cy="1325563"/>
+            <a:off x="530995" y="688272"/>
+            <a:ext cx="5031652" cy="802505"/>
           </a:xfrm>
         </p:spPr>
         <p:txBody>
           <a:bodyPr>
-            <a:normAutofit fontScale="90000"/>
+            <a:noAutofit/>
           </a:bodyPr>
           <a:lstStyle/>
           <a:p>
+            <a:pPr>
+              <a:tabLst>
+                <a:tab pos="6997700" algn="l"/>
+              </a:tabLst>
+            </a:pPr>
             <a:r>
               <a:rPr lang="ru-RU" dirty="0" smtClean="0"/>
-              <a:t>Сблизить роли разработчиков и бизнес-аналитиков:</a:t>
-            </a:r>
-            <a:br>
-              <a:rPr lang="ru-RU" dirty="0" smtClean="0"/>
-            </a:br>
-            <a:r>
-              <a:rPr lang="ru-RU" dirty="0" smtClean="0"/>
-              <a:t>надо ли? как это сделать?</a:t>
+              <a:t>Разработчики и аналитики</a:t>
             </a:r>
             <a:endParaRPr lang="ru-RU" dirty="0"/>
-          </a:p>
-        </p:txBody>
-      </p:sp>
-      <p:sp>
-        <p:nvSpPr>
-          <p:cNvPr id="6" name="Прямоугольник 5"/>
-          <p:cNvSpPr/>
-          <p:nvPr/>
-        </p:nvSpPr>
-        <p:spPr>
-          <a:xfrm>
-            <a:off x="8640147" y="245674"/>
-            <a:ext cx="3343819" cy="1967528"/>
-          </a:xfrm>
-          <a:prstGeom prst="rect">
-            <a:avLst/>
-          </a:prstGeom>
-          <a:solidFill>
-            <a:schemeClr val="accent2">
-              <a:lumMod val="20000"/>
-              <a:lumOff val="80000"/>
-            </a:schemeClr>
-          </a:solidFill>
-          <a:ln>
-            <a:noFill/>
-          </a:ln>
-        </p:spPr>
-        <p:style>
-          <a:lnRef idx="2">
-            <a:schemeClr val="accent1">
-              <a:shade val="50000"/>
-            </a:schemeClr>
-          </a:lnRef>
-          <a:fillRef idx="1">
-            <a:schemeClr val="accent1"/>
-          </a:fillRef>
-          <a:effectRef idx="0">
-            <a:schemeClr val="accent1"/>
-          </a:effectRef>
-          <a:fontRef idx="minor">
-            <a:schemeClr val="lt1"/>
-          </a:fontRef>
-        </p:style>
-        <p:txBody>
-          <a:bodyPr rtlCol="0" anchor="ctr"/>
-          <a:lstStyle/>
-          <a:p>
-            <a:pPr algn="ctr"/>
-            <a:r>
-              <a:rPr lang="ru-RU" sz="4000" dirty="0" smtClean="0">
-                <a:solidFill>
-                  <a:schemeClr val="accent2">
-                    <a:lumMod val="75000"/>
-                  </a:schemeClr>
-                </a:solidFill>
-              </a:rPr>
-              <a:t>Бизнес-логика</a:t>
-            </a:r>
-            <a:endParaRPr lang="ru-RU" sz="4000" dirty="0">
-              <a:solidFill>
-                <a:schemeClr val="accent2">
-                  <a:lumMod val="75000"/>
-                </a:schemeClr>
-              </a:solidFill>
-            </a:endParaRPr>
           </a:p>
         </p:txBody>
       </p:sp>
@@ -3267,8 +4831,8 @@
         </p:nvSpPr>
         <p:spPr>
           <a:xfrm>
-            <a:off x="781887" y="4123619"/>
-            <a:ext cx="2896706" cy="523220"/>
+            <a:off x="974954" y="4668568"/>
+            <a:ext cx="2593852" cy="954107"/>
           </a:xfrm>
           <a:prstGeom prst="rect">
             <a:avLst/>
@@ -3405,8 +4969,8 @@
         </p:nvSpPr>
         <p:spPr>
           <a:xfrm rot="10800000">
-            <a:off x="4013881" y="3054819"/>
-            <a:ext cx="2362038" cy="2355980"/>
+            <a:off x="4013881" y="3054817"/>
+            <a:ext cx="2671040" cy="2550144"/>
           </a:xfrm>
           <a:prstGeom prst="rtTriangle">
             <a:avLst/>
@@ -3461,7 +5025,7 @@
         </p:nvSpPr>
         <p:spPr>
           <a:xfrm>
-            <a:off x="5883728" y="3439111"/>
+            <a:off x="5896501" y="3659896"/>
             <a:ext cx="261257" cy="268690"/>
           </a:xfrm>
           <a:prstGeom prst="ellipse">
@@ -3561,7 +5125,7 @@
         </p:nvSpPr>
         <p:spPr>
           <a:xfrm>
-            <a:off x="6594292" y="3705611"/>
+            <a:off x="3081619" y="3075629"/>
             <a:ext cx="2384100" cy="954107"/>
           </a:xfrm>
           <a:prstGeom prst="rect">
@@ -3588,14 +5152,16 @@
             </a:lvl1pPr>
           </a:lstStyle>
           <a:p>
-            <a:r>
-              <a:rPr lang="en-US" dirty="0"/>
+            <a:pPr algn="r"/>
+            <a:r>
+              <a:rPr lang="en-US" dirty="0" smtClean="0"/>
               <a:t>Senior </a:t>
             </a:r>
             <a:r>
-              <a:rPr lang="ru-RU" dirty="0"/>
+              <a:rPr lang="ru-RU" dirty="0" smtClean="0"/>
               <a:t>разработчик</a:t>
             </a:r>
+            <a:endParaRPr lang="ru-RU" dirty="0"/>
           </a:p>
         </p:txBody>
       </p:sp>
@@ -3668,9 +5234,9 @@
           <p:nvPr/>
         </p:nvSpPr>
         <p:spPr>
-          <a:xfrm rot="2650865">
-            <a:off x="4723511" y="4634866"/>
-            <a:ext cx="1541034" cy="954107"/>
+          <a:xfrm rot="2595840">
+            <a:off x="4342217" y="4730623"/>
+            <a:ext cx="2668169" cy="707886"/>
           </a:xfrm>
           <a:prstGeom prst="rect">
             <a:avLst/>
@@ -3685,16 +5251,16 @@
           <a:p>
             <a:pPr algn="ctr"/>
             <a:r>
-              <a:rPr lang="ru-RU" sz="2800" dirty="0" smtClean="0">
+              <a:rPr lang="ru-RU" sz="2000" dirty="0" smtClean="0">
                 <a:solidFill>
                   <a:schemeClr val="accent6">
                     <a:lumMod val="50000"/>
                   </a:schemeClr>
                 </a:solidFill>
               </a:rPr>
-              <a:t>Дизайн-решения</a:t>
-            </a:r>
-            <a:endParaRPr lang="ru-RU" sz="2800" dirty="0">
+              <a:t>Решения об архитектуре ПО</a:t>
+            </a:r>
+            <a:endParaRPr lang="ru-RU" sz="2000" dirty="0">
               <a:solidFill>
                 <a:schemeClr val="accent6">
                   <a:lumMod val="50000"/>
@@ -3712,7 +5278,7 @@
         </p:nvSpPr>
         <p:spPr>
           <a:xfrm>
-            <a:off x="3809222" y="6457890"/>
+            <a:off x="4149833" y="6422450"/>
             <a:ext cx="2896706" cy="400110"/>
           </a:xfrm>
           <a:prstGeom prst="rect">
@@ -3754,7 +5320,7 @@
         </p:nvSpPr>
         <p:spPr>
           <a:xfrm>
-            <a:off x="5971560" y="6566414"/>
+            <a:off x="6322400" y="6528570"/>
             <a:ext cx="346850" cy="258749"/>
           </a:xfrm>
           <a:prstGeom prst="rightArrow">
@@ -3933,8 +5499,8 @@
         </p:nvCxnSpPr>
         <p:spPr>
           <a:xfrm flipV="1">
-            <a:off x="3954932" y="3652374"/>
-            <a:ext cx="1810042" cy="1109865"/>
+            <a:off x="3954932" y="3931626"/>
+            <a:ext cx="1694349" cy="830614"/>
           </a:xfrm>
           <a:prstGeom prst="straightConnector1">
             <a:avLst/>
@@ -4010,18 +5576,6 @@
           <a:lstStyle/>
           <a:p>
             <a:pPr algn="ctr"/>
-            <a:r>
-              <a:rPr lang="ru-RU" sz="3200" dirty="0" smtClean="0"/>
-              <a:t>Требования (</a:t>
-            </a:r>
-            <a:r>
-              <a:rPr lang="en-US" sz="3200" dirty="0" smtClean="0"/>
-              <a:t>requirements</a:t>
-            </a:r>
-            <a:r>
-              <a:rPr lang="ru-RU" sz="3200" dirty="0" smtClean="0"/>
-              <a:t>)</a:t>
-            </a:r>
             <a:endParaRPr lang="ru-RU" sz="3200" dirty="0"/>
           </a:p>
         </p:txBody>
@@ -4034,8 +5588,8 @@
         </p:nvSpPr>
         <p:spPr>
           <a:xfrm>
-            <a:off x="624373" y="2561483"/>
-            <a:ext cx="5536523" cy="461665"/>
+            <a:off x="569346" y="2055649"/>
+            <a:ext cx="3490593" cy="954107"/>
           </a:xfrm>
           <a:prstGeom prst="rect">
             <a:avLst/>
@@ -4049,7 +5603,7 @@
           <a:lstStyle/>
           <a:p>
             <a:r>
-              <a:rPr lang="ru-RU" sz="2400" dirty="0" smtClean="0">
+              <a:rPr lang="ru-RU" sz="2800" dirty="0" smtClean="0">
                 <a:solidFill>
                   <a:schemeClr val="accent6">
                     <a:lumMod val="50000"/>
@@ -4059,7 +5613,7 @@
               <a:t>ИТ-система / программа (</a:t>
             </a:r>
             <a:r>
-              <a:rPr lang="en-US" sz="2400" dirty="0" smtClean="0">
+              <a:rPr lang="en-US" sz="2800" dirty="0" smtClean="0">
                 <a:solidFill>
                   <a:schemeClr val="accent6">
                     <a:lumMod val="50000"/>
@@ -4069,7 +5623,7 @@
               <a:t>software</a:t>
             </a:r>
             <a:r>
-              <a:rPr lang="ru-RU" sz="2400" dirty="0" smtClean="0">
+              <a:rPr lang="ru-RU" sz="2800" dirty="0" smtClean="0">
                 <a:solidFill>
                   <a:schemeClr val="accent6">
                     <a:lumMod val="50000"/>
@@ -4078,7 +5632,7 @@
               </a:rPr>
               <a:t>)</a:t>
             </a:r>
-            <a:endParaRPr lang="ru-RU" sz="2400" dirty="0">
+            <a:endParaRPr lang="ru-RU" sz="2800" dirty="0">
               <a:solidFill>
                 <a:schemeClr val="accent6">
                   <a:lumMod val="50000"/>
@@ -4088,43 +5642,6 @@
           </a:p>
         </p:txBody>
       </p:sp>
-      <p:cxnSp>
-        <p:nvCxnSpPr>
-          <p:cNvPr id="36" name="Прямая соединительная линия 35"/>
-          <p:cNvCxnSpPr/>
-          <p:nvPr/>
-        </p:nvCxnSpPr>
-        <p:spPr>
-          <a:xfrm>
-            <a:off x="6059482" y="3626859"/>
-            <a:ext cx="480317" cy="194722"/>
-          </a:xfrm>
-          <a:prstGeom prst="line">
-            <a:avLst/>
-          </a:prstGeom>
-          <a:ln>
-            <a:solidFill>
-              <a:schemeClr val="accent6">
-                <a:lumMod val="75000"/>
-              </a:schemeClr>
-            </a:solidFill>
-          </a:ln>
-        </p:spPr>
-        <p:style>
-          <a:lnRef idx="1">
-            <a:schemeClr val="accent1"/>
-          </a:lnRef>
-          <a:fillRef idx="0">
-            <a:schemeClr val="accent1"/>
-          </a:fillRef>
-          <a:effectRef idx="0">
-            <a:schemeClr val="accent1"/>
-          </a:effectRef>
-          <a:fontRef idx="minor">
-            <a:schemeClr val="tx1"/>
-          </a:fontRef>
-        </p:style>
-      </p:cxnSp>
       <p:cxnSp>
         <p:nvCxnSpPr>
           <p:cNvPr id="37" name="Прямая соединительная линия 36"/>
@@ -4203,61 +5720,13 @@
       </p:cxnSp>
       <p:sp>
         <p:nvSpPr>
-          <p:cNvPr id="42" name="Овал 41"/>
-          <p:cNvSpPr/>
-          <p:nvPr/>
-        </p:nvSpPr>
-        <p:spPr>
-          <a:xfrm>
-            <a:off x="9306880" y="1645393"/>
-            <a:ext cx="261257" cy="268690"/>
-          </a:xfrm>
-          <a:prstGeom prst="ellipse">
-            <a:avLst/>
-          </a:prstGeom>
-          <a:solidFill>
-            <a:schemeClr val="accent2">
-              <a:lumMod val="75000"/>
-            </a:schemeClr>
-          </a:solidFill>
-          <a:ln>
-            <a:noFill/>
-          </a:ln>
-        </p:spPr>
-        <p:style>
-          <a:lnRef idx="2">
-            <a:schemeClr val="accent1">
-              <a:shade val="50000"/>
-            </a:schemeClr>
-          </a:lnRef>
-          <a:fillRef idx="1">
-            <a:schemeClr val="accent1"/>
-          </a:fillRef>
-          <a:effectRef idx="0">
-            <a:schemeClr val="accent1"/>
-          </a:effectRef>
-          <a:fontRef idx="minor">
-            <a:schemeClr val="lt1"/>
-          </a:fontRef>
-        </p:style>
-        <p:txBody>
-          <a:bodyPr rtlCol="0" anchor="ctr"/>
-          <a:lstStyle/>
-          <a:p>
-            <a:pPr algn="ctr"/>
-            <a:endParaRPr lang="ru-RU"/>
-          </a:p>
-        </p:txBody>
-      </p:sp>
-      <p:sp>
-        <p:nvSpPr>
           <p:cNvPr id="43" name="TextBox 42"/>
           <p:cNvSpPr txBox="1"/>
           <p:nvPr/>
         </p:nvSpPr>
         <p:spPr>
           <a:xfrm>
-            <a:off x="9693270" y="1727378"/>
+            <a:off x="9636019" y="2281106"/>
             <a:ext cx="2347947" cy="400110"/>
           </a:xfrm>
           <a:prstGeom prst="rect">
@@ -4291,65 +5760,31 @@
           </a:p>
         </p:txBody>
       </p:sp>
-      <p:cxnSp>
-        <p:nvCxnSpPr>
-          <p:cNvPr id="45" name="Прямая соединительная линия 44"/>
-          <p:cNvCxnSpPr/>
-          <p:nvPr/>
-        </p:nvCxnSpPr>
-        <p:spPr>
-          <a:xfrm>
-            <a:off x="9453634" y="1824485"/>
-            <a:ext cx="229006" cy="134345"/>
-          </a:xfrm>
-          <a:prstGeom prst="line">
-            <a:avLst/>
-          </a:prstGeom>
-          <a:ln>
-            <a:solidFill>
-              <a:schemeClr val="tx1">
-                <a:lumMod val="75000"/>
-                <a:lumOff val="25000"/>
-              </a:schemeClr>
-            </a:solidFill>
-          </a:ln>
-        </p:spPr>
-        <p:style>
-          <a:lnRef idx="1">
-            <a:schemeClr val="accent1"/>
-          </a:lnRef>
-          <a:fillRef idx="0">
-            <a:schemeClr val="accent1"/>
-          </a:fillRef>
-          <a:effectRef idx="0">
-            <a:schemeClr val="accent1"/>
-          </a:effectRef>
-          <a:fontRef idx="minor">
-            <a:schemeClr val="tx1"/>
-          </a:fontRef>
-        </p:style>
-      </p:cxnSp>
-      <p:sp>
-        <p:nvSpPr>
-          <p:cNvPr id="46" name="Овал 45"/>
+      <p:sp>
+        <p:nvSpPr>
+          <p:cNvPr id="35" name="Овал 34"/>
           <p:cNvSpPr/>
           <p:nvPr/>
         </p:nvSpPr>
         <p:spPr>
           <a:xfrm>
-            <a:off x="11381386" y="371998"/>
+            <a:off x="6564076" y="3131899"/>
             <a:ext cx="261257" cy="268690"/>
           </a:xfrm>
           <a:prstGeom prst="ellipse">
             <a:avLst/>
           </a:prstGeom>
           <a:solidFill>
-            <a:schemeClr val="accent2">
-              <a:lumMod val="75000"/>
+            <a:schemeClr val="accent1">
+              <a:lumMod val="50000"/>
             </a:schemeClr>
           </a:solidFill>
           <a:ln>
-            <a:noFill/>
+            <a:solidFill>
+              <a:schemeClr val="accent1">
+                <a:lumMod val="50000"/>
+              </a:schemeClr>
+            </a:solidFill>
           </a:ln>
         </p:spPr>
         <p:style>
@@ -4379,14 +5814,14 @@
       </p:sp>
       <p:sp>
         <p:nvSpPr>
-          <p:cNvPr id="47" name="TextBox 46"/>
+          <p:cNvPr id="51" name="TextBox 50"/>
           <p:cNvSpPr txBox="1"/>
           <p:nvPr/>
         </p:nvSpPr>
         <p:spPr>
           <a:xfrm>
-            <a:off x="9384046" y="155918"/>
-            <a:ext cx="2851894" cy="523220"/>
+            <a:off x="6830631" y="3691687"/>
+            <a:ext cx="2347947" cy="707886"/>
           </a:xfrm>
           <a:prstGeom prst="rect">
             <a:avLst/>
@@ -4413,22 +5848,23 @@
           </a:lstStyle>
           <a:p>
             <a:r>
-              <a:rPr lang="ru-RU" dirty="0"/>
-              <a:t>«Стратеги»</a:t>
-            </a:r>
+              <a:rPr lang="ru-RU" sz="2000" dirty="0" smtClean="0"/>
+              <a:t>Системный аналитик</a:t>
+            </a:r>
+            <a:endParaRPr lang="ru-RU" sz="2000" dirty="0"/>
           </a:p>
         </p:txBody>
       </p:sp>
       <p:cxnSp>
         <p:nvCxnSpPr>
-          <p:cNvPr id="48" name="Прямая соединительная линия 47"/>
+          <p:cNvPr id="52" name="Прямая соединительная линия 51"/>
           <p:cNvCxnSpPr/>
           <p:nvPr/>
         </p:nvCxnSpPr>
         <p:spPr>
           <a:xfrm>
-            <a:off x="11234057" y="417528"/>
-            <a:ext cx="261832" cy="50365"/>
+            <a:off x="6868483" y="3475114"/>
+            <a:ext cx="261512" cy="253368"/>
           </a:xfrm>
           <a:prstGeom prst="line">
             <a:avLst/>
@@ -4457,16 +5893,54 @@
           </a:fontRef>
         </p:style>
       </p:cxnSp>
-      <p:sp>
-        <p:nvSpPr>
-          <p:cNvPr id="54" name="TextBox 53"/>
+      <p:cxnSp>
+        <p:nvCxnSpPr>
+          <p:cNvPr id="57" name="Прямая соединительная линия 56"/>
+          <p:cNvCxnSpPr/>
+          <p:nvPr/>
+        </p:nvCxnSpPr>
+        <p:spPr>
+          <a:xfrm>
+            <a:off x="5533601" y="3622961"/>
+            <a:ext cx="259573" cy="105521"/>
+          </a:xfrm>
+          <a:prstGeom prst="line">
+            <a:avLst/>
+          </a:prstGeom>
+          <a:ln>
+            <a:solidFill>
+              <a:schemeClr val="tx1">
+                <a:lumMod val="75000"/>
+                <a:lumOff val="25000"/>
+              </a:schemeClr>
+            </a:solidFill>
+          </a:ln>
+        </p:spPr>
+        <p:style>
+          <a:lnRef idx="1">
+            <a:schemeClr val="accent1"/>
+          </a:lnRef>
+          <a:fillRef idx="0">
+            <a:schemeClr val="accent1"/>
+          </a:fillRef>
+          <a:effectRef idx="0">
+            <a:schemeClr val="accent1"/>
+          </a:effectRef>
+          <a:fontRef idx="minor">
+            <a:schemeClr val="tx1"/>
+          </a:fontRef>
+        </p:style>
+      </p:cxnSp>
+      <p:sp>
+        <p:nvSpPr>
+          <p:cNvPr id="77" name="TextBox 76"/>
           <p:cNvSpPr txBox="1"/>
           <p:nvPr/>
         </p:nvSpPr>
         <p:spPr>
           <a:xfrm>
-            <a:off x="8532593" y="5109903"/>
-            <a:ext cx="3632252" cy="1477328"/>
+            <a:off x="9779089" y="4128739"/>
+            <a:ext cx="2347947" cy="954107"/>
           </a:xfrm>
           <a:prstGeom prst="rect">
             <a:avLst/>
@@ -4477,47 +5951,137 @@
           <a:bodyPr wrap="square" rtlCol="0">
             <a:spAutoFit/>
           </a:bodyPr>
-          <a:lstStyle/>
-          <a:p>
-            <a:r>
-              <a:rPr lang="ru-RU" dirty="0" smtClean="0"/>
-              <a:t>От стратегии организации до лиц, ее реализующих (включая ИТ</a:t>
-            </a:r>
-            <a:r>
-              <a:rPr lang="en-US" dirty="0" smtClean="0"/>
-              <a:t>-</a:t>
-            </a:r>
-            <a:r>
-              <a:rPr lang="ru-RU" dirty="0" smtClean="0"/>
-              <a:t>разработчиков), расстояние как до Луны и много «испорченных телефонов» в обе стороны.</a:t>
-            </a:r>
-            <a:endParaRPr lang="ru-RU" dirty="0"/>
+          <a:lstStyle>
+            <a:defPPr>
+              <a:defRPr lang="ru-RU"/>
+            </a:defPPr>
+            <a:lvl1pPr>
+              <a:defRPr sz="2800">
+                <a:solidFill>
+                  <a:schemeClr val="bg2">
+                    <a:lumMod val="25000"/>
+                  </a:schemeClr>
+                </a:solidFill>
+              </a:defRPr>
+            </a:lvl1pPr>
+          </a:lstStyle>
+          <a:p>
+            <a:pPr algn="r"/>
+            <a:r>
+              <a:rPr lang="ru-RU" dirty="0" smtClean="0">
+                <a:solidFill>
+                  <a:schemeClr val="accent2">
+                    <a:lumMod val="50000"/>
+                  </a:schemeClr>
+                </a:solidFill>
+              </a:rPr>
+              <a:t>Предметная область</a:t>
+            </a:r>
+            <a:endParaRPr lang="ru-RU" dirty="0">
+              <a:solidFill>
+                <a:schemeClr val="accent2">
+                  <a:lumMod val="50000"/>
+                </a:schemeClr>
+              </a:solidFill>
+            </a:endParaRPr>
+          </a:p>
+        </p:txBody>
+      </p:sp>
+      <p:sp>
+        <p:nvSpPr>
+          <p:cNvPr id="85" name="Прямоугольник 84"/>
+          <p:cNvSpPr/>
+          <p:nvPr/>
+        </p:nvSpPr>
+        <p:spPr>
+          <a:xfrm>
+            <a:off x="8100155" y="5859141"/>
+            <a:ext cx="3228938" cy="954107"/>
+          </a:xfrm>
+          <a:prstGeom prst="rect">
+            <a:avLst/>
+          </a:prstGeom>
+          <a:noFill/>
+        </p:spPr>
+        <p:txBody>
+          <a:bodyPr wrap="square" rtlCol="0">
+            <a:spAutoFit/>
+          </a:bodyPr>
+          <a:lstStyle/>
+          <a:p>
+            <a:pPr algn="r"/>
+            <a:r>
+              <a:rPr lang="ru-RU" sz="2800" dirty="0">
+                <a:solidFill>
+                  <a:schemeClr val="bg2">
+                    <a:lumMod val="25000"/>
+                  </a:schemeClr>
+                </a:solidFill>
+              </a:rPr>
+              <a:t>Информационные технологии</a:t>
+            </a:r>
           </a:p>
         </p:txBody>
       </p:sp>
       <p:cxnSp>
         <p:nvCxnSpPr>
-          <p:cNvPr id="56" name="Скругленная соединительная линия 55"/>
-          <p:cNvCxnSpPr/>
+          <p:cNvPr id="87" name="Прямая соединительная линия 86"/>
+          <p:cNvCxnSpPr>
+            <a:endCxn id="90" idx="4"/>
+          </p:cNvCxnSpPr>
           <p:nvPr/>
         </p:nvCxnSpPr>
         <p:spPr>
-          <a:xfrm rot="10800000" flipV="1">
-            <a:off x="6539805" y="2213201"/>
-            <a:ext cx="3985127" cy="3153981"/>
-          </a:xfrm>
-          <a:prstGeom prst="curvedConnector3">
-            <a:avLst>
-              <a:gd name="adj1" fmla="val 6451"/>
-            </a:avLst>
-          </a:prstGeom>
-          <a:noFill/>
+          <a:xfrm>
+            <a:off x="5321627" y="-11015"/>
+            <a:ext cx="1625475" cy="1621417"/>
+          </a:xfrm>
+          <a:prstGeom prst="line">
+            <a:avLst/>
+          </a:prstGeom>
+          <a:ln cap="rnd">
+            <a:prstDash val="dash"/>
+            <a:bevel/>
+          </a:ln>
+        </p:spPr>
+        <p:style>
+          <a:lnRef idx="1">
+            <a:schemeClr val="accent1"/>
+          </a:lnRef>
+          <a:fillRef idx="0">
+            <a:schemeClr val="accent1"/>
+          </a:fillRef>
+          <a:effectRef idx="0">
+            <a:schemeClr val="accent1"/>
+          </a:effectRef>
+          <a:fontRef idx="minor">
+            <a:schemeClr val="tx1"/>
+          </a:fontRef>
+        </p:style>
+      </p:cxnSp>
+      <p:sp>
+        <p:nvSpPr>
+          <p:cNvPr id="6" name="Прямоугольник 5"/>
+          <p:cNvSpPr/>
+          <p:nvPr/>
+        </p:nvSpPr>
+        <p:spPr>
+          <a:xfrm>
+            <a:off x="8567113" y="753651"/>
+            <a:ext cx="3458727" cy="1597939"/>
+          </a:xfrm>
+          <a:prstGeom prst="rect">
+            <a:avLst/>
+          </a:prstGeom>
+          <a:solidFill>
+            <a:schemeClr val="accent2">
+              <a:lumMod val="60000"/>
+              <a:lumOff val="40000"/>
+              <a:alpha val="79000"/>
+            </a:schemeClr>
+          </a:solidFill>
           <a:ln>
-            <a:solidFill>
-              <a:srgbClr val="FF0000"/>
-            </a:solidFill>
-            <a:headEnd type="triangle" w="lg" len="lg"/>
-            <a:tailEnd type="triangle" w="lg" len="lg"/>
+            <a:noFill/>
           </a:ln>
         </p:spPr>
         <p:style>
@@ -4536,31 +6100,52 @@
             <a:schemeClr val="lt1"/>
           </a:fontRef>
         </p:style>
-      </p:cxnSp>
-      <p:sp>
-        <p:nvSpPr>
-          <p:cNvPr id="53" name="Пятно 2 52"/>
+        <p:txBody>
+          <a:bodyPr rtlCol="0" anchor="ctr"/>
+          <a:lstStyle/>
+          <a:p>
+            <a:pPr algn="ctr"/>
+            <a:r>
+              <a:rPr lang="ru-RU" sz="4000" dirty="0" smtClean="0">
+                <a:solidFill>
+                  <a:schemeClr val="accent2">
+                    <a:lumMod val="75000"/>
+                  </a:schemeClr>
+                </a:solidFill>
+              </a:rPr>
+              <a:t>Бизнес-логика</a:t>
+            </a:r>
+            <a:endParaRPr lang="ru-RU" sz="4000" dirty="0">
+              <a:solidFill>
+                <a:schemeClr val="accent2">
+                  <a:lumMod val="75000"/>
+                </a:schemeClr>
+              </a:solidFill>
+            </a:endParaRPr>
+          </a:p>
+        </p:txBody>
+      </p:sp>
+      <p:sp>
+        <p:nvSpPr>
+          <p:cNvPr id="42" name="Овал 41"/>
           <p:cNvSpPr/>
           <p:nvPr/>
         </p:nvSpPr>
         <p:spPr>
           <a:xfrm>
-            <a:off x="9022266" y="4037512"/>
-            <a:ext cx="1227501" cy="984043"/>
-          </a:xfrm>
-          <a:prstGeom prst="irregularSeal2">
+            <a:off x="8664326" y="2027750"/>
+            <a:ext cx="261257" cy="268690"/>
+          </a:xfrm>
+          <a:prstGeom prst="ellipse">
             <a:avLst/>
           </a:prstGeom>
           <a:solidFill>
             <a:schemeClr val="accent2">
-              <a:lumMod val="40000"/>
-              <a:lumOff val="60000"/>
+              <a:lumMod val="75000"/>
             </a:schemeClr>
           </a:solidFill>
           <a:ln>
-            <a:solidFill>
-              <a:srgbClr val="FF0000"/>
-            </a:solidFill>
+            <a:noFill/>
           </a:ln>
         </p:spPr>
         <p:style>
@@ -4588,10 +6173,280 @@
           </a:p>
         </p:txBody>
       </p:sp>
+      <p:cxnSp>
+        <p:nvCxnSpPr>
+          <p:cNvPr id="45" name="Прямая соединительная линия 44"/>
+          <p:cNvCxnSpPr>
+            <a:endCxn id="43" idx="1"/>
+          </p:cNvCxnSpPr>
+          <p:nvPr/>
+        </p:nvCxnSpPr>
+        <p:spPr>
+          <a:xfrm>
+            <a:off x="8989286" y="2230522"/>
+            <a:ext cx="646733" cy="250639"/>
+          </a:xfrm>
+          <a:prstGeom prst="line">
+            <a:avLst/>
+          </a:prstGeom>
+          <a:ln>
+            <a:solidFill>
+              <a:schemeClr val="tx1">
+                <a:lumMod val="75000"/>
+                <a:lumOff val="25000"/>
+              </a:schemeClr>
+            </a:solidFill>
+          </a:ln>
+        </p:spPr>
+        <p:style>
+          <a:lnRef idx="1">
+            <a:schemeClr val="accent1"/>
+          </a:lnRef>
+          <a:fillRef idx="0">
+            <a:schemeClr val="accent1"/>
+          </a:fillRef>
+          <a:effectRef idx="0">
+            <a:schemeClr val="accent1"/>
+          </a:effectRef>
+          <a:fontRef idx="minor">
+            <a:schemeClr val="tx1"/>
+          </a:fontRef>
+        </p:style>
+      </p:cxnSp>
+      <p:sp>
+        <p:nvSpPr>
+          <p:cNvPr id="70" name="Овал 69"/>
+          <p:cNvSpPr/>
+          <p:nvPr/>
+        </p:nvSpPr>
+        <p:spPr>
+          <a:xfrm>
+            <a:off x="9892122" y="50179"/>
+            <a:ext cx="2273711" cy="849245"/>
+          </a:xfrm>
+          <a:prstGeom prst="ellipse">
+            <a:avLst/>
+          </a:prstGeom>
+          <a:solidFill>
+            <a:schemeClr val="bg1">
+              <a:lumMod val="65000"/>
+            </a:schemeClr>
+          </a:solidFill>
+          <a:ln>
+            <a:noFill/>
+          </a:ln>
+        </p:spPr>
+        <p:style>
+          <a:lnRef idx="2">
+            <a:schemeClr val="accent1">
+              <a:shade val="50000"/>
+            </a:schemeClr>
+          </a:lnRef>
+          <a:fillRef idx="1">
+            <a:schemeClr val="accent1"/>
+          </a:fillRef>
+          <a:effectRef idx="0">
+            <a:schemeClr val="accent1"/>
+          </a:effectRef>
+          <a:fontRef idx="minor">
+            <a:schemeClr val="lt1"/>
+          </a:fontRef>
+        </p:style>
+        <p:txBody>
+          <a:bodyPr rtlCol="0" anchor="ctr"/>
+          <a:lstStyle/>
+          <a:p>
+            <a:pPr algn="ctr"/>
+            <a:r>
+              <a:rPr lang="ru-RU" dirty="0" smtClean="0"/>
+              <a:t>Стратегия</a:t>
+            </a:r>
+            <a:endParaRPr lang="ru-RU" dirty="0"/>
+          </a:p>
+        </p:txBody>
+      </p:sp>
+      <p:sp>
+        <p:nvSpPr>
+          <p:cNvPr id="10" name="Прямоугольник 9"/>
+          <p:cNvSpPr/>
+          <p:nvPr/>
+        </p:nvSpPr>
+        <p:spPr>
+          <a:xfrm>
+            <a:off x="6047556" y="2016699"/>
+            <a:ext cx="2837162" cy="954107"/>
+          </a:xfrm>
+          <a:prstGeom prst="rect">
+            <a:avLst/>
+          </a:prstGeom>
+        </p:spPr>
+        <p:txBody>
+          <a:bodyPr wrap="square">
+            <a:spAutoFit/>
+          </a:bodyPr>
+          <a:lstStyle/>
+          <a:p>
+            <a:pPr algn="ctr"/>
+            <a:r>
+              <a:rPr lang="ru-RU" sz="2800" b="1" dirty="0">
+                <a:solidFill>
+                  <a:schemeClr val="accent5">
+                    <a:lumMod val="50000"/>
+                  </a:schemeClr>
+                </a:solidFill>
+              </a:rPr>
+              <a:t>Требования (</a:t>
+            </a:r>
+            <a:r>
+              <a:rPr lang="en-US" sz="2800" b="1" dirty="0">
+                <a:solidFill>
+                  <a:schemeClr val="accent5">
+                    <a:lumMod val="50000"/>
+                  </a:schemeClr>
+                </a:solidFill>
+              </a:rPr>
+              <a:t>requirements</a:t>
+            </a:r>
+            <a:r>
+              <a:rPr lang="ru-RU" sz="2800" b="1" dirty="0">
+                <a:solidFill>
+                  <a:schemeClr val="accent5">
+                    <a:lumMod val="50000"/>
+                  </a:schemeClr>
+                </a:solidFill>
+              </a:rPr>
+              <a:t>)</a:t>
+            </a:r>
+            <a:endParaRPr lang="en-US" sz="2800" b="1" dirty="0">
+              <a:solidFill>
+                <a:schemeClr val="accent5">
+                  <a:lumMod val="50000"/>
+                </a:schemeClr>
+              </a:solidFill>
+            </a:endParaRPr>
+          </a:p>
+        </p:txBody>
+      </p:sp>
+      <p:sp>
+        <p:nvSpPr>
+          <p:cNvPr id="90" name="Молния 89"/>
+          <p:cNvSpPr/>
+          <p:nvPr/>
+        </p:nvSpPr>
+        <p:spPr>
+          <a:xfrm>
+            <a:off x="6203347" y="863920"/>
+            <a:ext cx="743755" cy="746482"/>
+          </a:xfrm>
+          <a:prstGeom prst="lightningBolt">
+            <a:avLst/>
+          </a:prstGeom>
+        </p:spPr>
+        <p:style>
+          <a:lnRef idx="2">
+            <a:schemeClr val="accent1">
+              <a:shade val="50000"/>
+            </a:schemeClr>
+          </a:lnRef>
+          <a:fillRef idx="1">
+            <a:schemeClr val="accent1"/>
+          </a:fillRef>
+          <a:effectRef idx="0">
+            <a:schemeClr val="accent1"/>
+          </a:effectRef>
+          <a:fontRef idx="minor">
+            <a:schemeClr val="lt1"/>
+          </a:fontRef>
+        </p:style>
+        <p:txBody>
+          <a:bodyPr rtlCol="0" anchor="ctr"/>
+          <a:lstStyle/>
+          <a:p>
+            <a:pPr algn="ctr"/>
+            <a:endParaRPr lang="ru-RU"/>
+          </a:p>
+        </p:txBody>
+      </p:sp>
+      <p:cxnSp>
+        <p:nvCxnSpPr>
+          <p:cNvPr id="92" name="Прямая соединительная линия 91"/>
+          <p:cNvCxnSpPr>
+            <a:endCxn id="66" idx="0"/>
+          </p:cNvCxnSpPr>
+          <p:nvPr/>
+        </p:nvCxnSpPr>
+        <p:spPr>
+          <a:xfrm>
+            <a:off x="8795981" y="3479632"/>
+            <a:ext cx="3396018" cy="3345529"/>
+          </a:xfrm>
+          <a:prstGeom prst="line">
+            <a:avLst/>
+          </a:prstGeom>
+          <a:ln cap="rnd">
+            <a:prstDash val="dash"/>
+            <a:bevel/>
+          </a:ln>
+        </p:spPr>
+        <p:style>
+          <a:lnRef idx="1">
+            <a:schemeClr val="accent1"/>
+          </a:lnRef>
+          <a:fillRef idx="0">
+            <a:schemeClr val="accent1"/>
+          </a:fillRef>
+          <a:effectRef idx="0">
+            <a:schemeClr val="accent1"/>
+          </a:effectRef>
+          <a:fontRef idx="minor">
+            <a:schemeClr val="tx1"/>
+          </a:fontRef>
+        </p:style>
+      </p:cxnSp>
+      <p:sp>
+        <p:nvSpPr>
+          <p:cNvPr id="94" name="Молния 93"/>
+          <p:cNvSpPr/>
+          <p:nvPr/>
+        </p:nvSpPr>
+        <p:spPr>
+          <a:xfrm rot="10601200">
+            <a:off x="8881899" y="3495984"/>
+            <a:ext cx="743755" cy="746482"/>
+          </a:xfrm>
+          <a:prstGeom prst="lightningBolt">
+            <a:avLst/>
+          </a:prstGeom>
+        </p:spPr>
+        <p:style>
+          <a:lnRef idx="2">
+            <a:schemeClr val="accent1">
+              <a:shade val="50000"/>
+            </a:schemeClr>
+          </a:lnRef>
+          <a:fillRef idx="1">
+            <a:schemeClr val="accent1"/>
+          </a:fillRef>
+          <a:effectRef idx="0">
+            <a:schemeClr val="accent1"/>
+          </a:effectRef>
+          <a:fontRef idx="minor">
+            <a:schemeClr val="lt1"/>
+          </a:fontRef>
+        </p:style>
+        <p:txBody>
+          <a:bodyPr rtlCol="0" anchor="ctr"/>
+          <a:lstStyle/>
+          <a:p>
+            <a:pPr algn="ctr"/>
+            <a:endParaRPr lang="ru-RU"/>
+          </a:p>
+        </p:txBody>
+      </p:sp>
     </p:spTree>
     <p:extLst>
       <p:ext uri="{BB962C8B-B14F-4D97-AF65-F5344CB8AC3E}">
-        <p14:creationId xmlns:p14="http://schemas.microsoft.com/office/powerpoint/2010/main" val="2780090393"/>
+        <p14:creationId xmlns:p14="http://schemas.microsoft.com/office/powerpoint/2010/main" val="30699778"/>
       </p:ext>
     </p:extLst>
   </p:cSld>
@@ -4626,8 +6481,8 @@
         </p:nvSpPr>
         <p:spPr>
           <a:xfrm>
-            <a:off x="0" y="-45931"/>
-            <a:ext cx="12390983" cy="6917021"/>
+            <a:off x="1" y="-45931"/>
+            <a:ext cx="12192000" cy="6917021"/>
           </a:xfrm>
           <a:prstGeom prst="rect">
             <a:avLst/>
@@ -4789,8 +6644,8 @@
         </p:nvSpPr>
         <p:spPr>
           <a:xfrm>
-            <a:off x="530995" y="688272"/>
-            <a:ext cx="5031652" cy="802505"/>
+            <a:off x="452946" y="543823"/>
+            <a:ext cx="5592268" cy="802505"/>
           </a:xfrm>
         </p:spPr>
         <p:txBody>
@@ -4805,8 +6660,8 @@
               </a:tabLst>
             </a:pPr>
             <a:r>
-              <a:rPr lang="ru-RU" dirty="0" smtClean="0"/>
-              <a:t>Разработчики и аналитики</a:t>
+              <a:rPr lang="en-US" dirty="0" smtClean="0"/>
+              <a:t>Software development</a:t>
             </a:r>
             <a:endParaRPr lang="ru-RU" dirty="0"/>
           </a:p>
@@ -4877,8 +6732,8 @@
         </p:nvSpPr>
         <p:spPr>
           <a:xfrm>
-            <a:off x="974954" y="4668568"/>
-            <a:ext cx="2593852" cy="954107"/>
+            <a:off x="988668" y="4724802"/>
+            <a:ext cx="1828303" cy="523220"/>
           </a:xfrm>
           <a:prstGeom prst="rect">
             <a:avLst/>
@@ -4892,14 +6747,14 @@
           <a:lstStyle/>
           <a:p>
             <a:r>
-              <a:rPr lang="ru-RU" sz="2800" dirty="0" smtClean="0">
+              <a:rPr lang="en-US" sz="2800" dirty="0" smtClean="0">
                 <a:solidFill>
                   <a:schemeClr val="accent6">
                     <a:lumMod val="50000"/>
                   </a:schemeClr>
                 </a:solidFill>
               </a:rPr>
-              <a:t>Учебные задачи</a:t>
+              <a:t>Classroom</a:t>
             </a:r>
             <a:endParaRPr lang="ru-RU" sz="2800" dirty="0">
               <a:solidFill>
@@ -5151,7 +7006,17 @@
                   </a:schemeClr>
                 </a:solidFill>
               </a:rPr>
-              <a:t> разработчик</a:t>
+              <a:t> </a:t>
+            </a:r>
+            <a:r>
+              <a:rPr lang="en-US" sz="2800" dirty="0" smtClean="0">
+                <a:solidFill>
+                  <a:schemeClr val="bg2">
+                    <a:lumMod val="25000"/>
+                  </a:schemeClr>
+                </a:solidFill>
+              </a:rPr>
+              <a:t>developer</a:t>
             </a:r>
             <a:endParaRPr lang="ru-RU" sz="2800" dirty="0">
               <a:solidFill>
@@ -5171,8 +7036,8 @@
         </p:nvSpPr>
         <p:spPr>
           <a:xfrm>
-            <a:off x="3081619" y="3075629"/>
-            <a:ext cx="2384100" cy="954107"/>
+            <a:off x="3119471" y="3354504"/>
+            <a:ext cx="2384100" cy="523220"/>
           </a:xfrm>
           <a:prstGeom prst="rect">
             <a:avLst/>
@@ -5201,11 +7066,7 @@
             <a:pPr algn="r"/>
             <a:r>
               <a:rPr lang="en-US" dirty="0" smtClean="0"/>
-              <a:t>Senior </a:t>
-            </a:r>
-            <a:r>
-              <a:rPr lang="ru-RU" dirty="0" smtClean="0"/>
-              <a:t>разработчик</a:t>
+              <a:t>Senior dev</a:t>
             </a:r>
             <a:endParaRPr lang="ru-RU" dirty="0"/>
           </a:p>
@@ -5220,7 +7081,7 @@
         <p:spPr>
           <a:xfrm>
             <a:off x="965607" y="6385363"/>
-            <a:ext cx="1349036" cy="523220"/>
+            <a:ext cx="1512118" cy="523220"/>
           </a:xfrm>
           <a:prstGeom prst="rect">
             <a:avLst/>
@@ -5241,27 +7102,7 @@
                   </a:schemeClr>
                 </a:solidFill>
               </a:rPr>
-              <a:t>“</a:t>
-            </a:r>
-            <a:r>
-              <a:rPr lang="en-US" sz="2800" dirty="0">
-                <a:solidFill>
-                  <a:schemeClr val="bg2">
-                    <a:lumMod val="25000"/>
-                  </a:schemeClr>
-                </a:solidFill>
-              </a:rPr>
-              <a:t>Noob</a:t>
-            </a:r>
-            <a:r>
-              <a:rPr lang="en-US" sz="2800" dirty="0" smtClean="0">
-                <a:solidFill>
-                  <a:schemeClr val="bg2">
-                    <a:lumMod val="25000"/>
-                  </a:schemeClr>
-                </a:solidFill>
-              </a:rPr>
-              <a:t>”</a:t>
+              <a:t>“Starter”</a:t>
             </a:r>
             <a:endParaRPr lang="ru-RU" sz="2800" dirty="0">
               <a:solidFill>
@@ -5297,14 +7138,14 @@
           <a:p>
             <a:pPr algn="ctr"/>
             <a:r>
-              <a:rPr lang="ru-RU" sz="2000" dirty="0" smtClean="0">
+              <a:rPr lang="en-US" sz="2000" dirty="0" smtClean="0">
                 <a:solidFill>
                   <a:schemeClr val="accent6">
                     <a:lumMod val="50000"/>
                   </a:schemeClr>
                 </a:solidFill>
               </a:rPr>
-              <a:t>Решения об архитектуре ПО</a:t>
+              <a:t>Software design decisions</a:t>
             </a:r>
             <a:endParaRPr lang="ru-RU" sz="2000" dirty="0">
               <a:solidFill>
@@ -5339,14 +7180,14 @@
           <a:lstStyle/>
           <a:p>
             <a:r>
-              <a:rPr lang="ru-RU" sz="2000" dirty="0" smtClean="0">
+              <a:rPr lang="en-US" sz="2000" dirty="0" smtClean="0">
                 <a:solidFill>
                   <a:schemeClr val="accent6">
                     <a:lumMod val="50000"/>
                   </a:schemeClr>
                 </a:solidFill>
               </a:rPr>
-              <a:t>Сложность задач</a:t>
+              <a:t>Task complexity</a:t>
             </a:r>
             <a:endParaRPr lang="ru-RU" sz="2000" dirty="0">
               <a:solidFill>
@@ -5415,7 +7256,7 @@
         </p:nvSpPr>
         <p:spPr>
           <a:xfrm rot="16200000">
-            <a:off x="-1024666" y="4674009"/>
+            <a:off x="-1005932" y="4765030"/>
             <a:ext cx="2896706" cy="400110"/>
           </a:xfrm>
           <a:prstGeom prst="rect">
@@ -5444,9 +7285,10 @@
           <a:p>
             <a:pPr algn="r"/>
             <a:r>
-              <a:rPr lang="ru-RU" dirty="0"/>
-              <a:t>Квалификация</a:t>
-            </a:r>
+              <a:rPr lang="en-US" dirty="0" smtClean="0"/>
+              <a:t>Code quality</a:t>
+            </a:r>
+            <a:endParaRPr lang="ru-RU" dirty="0"/>
           </a:p>
         </p:txBody>
       </p:sp>
@@ -5634,8 +7476,8 @@
         </p:nvSpPr>
         <p:spPr>
           <a:xfrm>
-            <a:off x="569346" y="2055649"/>
-            <a:ext cx="3490593" cy="954107"/>
+            <a:off x="634490" y="2484762"/>
+            <a:ext cx="3490593" cy="523220"/>
           </a:xfrm>
           <a:prstGeom prst="rect">
             <a:avLst/>
@@ -5648,16 +7490,6 @@
           </a:bodyPr>
           <a:lstStyle/>
           <a:p>
-            <a:r>
-              <a:rPr lang="ru-RU" sz="2800" dirty="0" smtClean="0">
-                <a:solidFill>
-                  <a:schemeClr val="accent6">
-                    <a:lumMod val="50000"/>
-                  </a:schemeClr>
-                </a:solidFill>
-              </a:rPr>
-              <a:t>ИТ-система / программа (</a:t>
-            </a:r>
             <a:r>
               <a:rPr lang="en-US" sz="2800" dirty="0" smtClean="0">
                 <a:solidFill>
@@ -5666,17 +7498,7 @@
                   </a:schemeClr>
                 </a:solidFill>
               </a:rPr>
-              <a:t>software</a:t>
-            </a:r>
-            <a:r>
-              <a:rPr lang="ru-RU" sz="2800" dirty="0" smtClean="0">
-                <a:solidFill>
-                  <a:schemeClr val="accent6">
-                    <a:lumMod val="50000"/>
-                  </a:schemeClr>
-                </a:solidFill>
-              </a:rPr>
-              <a:t>)</a:t>
+              <a:t>IT system/software</a:t>
             </a:r>
             <a:endParaRPr lang="ru-RU" sz="2800" dirty="0">
               <a:solidFill>
@@ -5772,7 +7594,7 @@
         </p:nvSpPr>
         <p:spPr>
           <a:xfrm>
-            <a:off x="9636019" y="2281106"/>
+            <a:off x="9603765" y="2395819"/>
             <a:ext cx="2347947" cy="400110"/>
           </a:xfrm>
           <a:prstGeom prst="rect">
@@ -5800,9 +7622,10 @@
           </a:lstStyle>
           <a:p>
             <a:r>
-              <a:rPr lang="ru-RU" sz="2000" dirty="0"/>
-              <a:t>Бизнес-аналитик</a:t>
-            </a:r>
+              <a:rPr lang="en-US" sz="2000" dirty="0" smtClean="0"/>
+              <a:t>Business analyst</a:t>
+            </a:r>
+            <a:endParaRPr lang="ru-RU" sz="2000" dirty="0"/>
           </a:p>
         </p:txBody>
       </p:sp>
@@ -5866,8 +7689,8 @@
         </p:nvSpPr>
         <p:spPr>
           <a:xfrm>
-            <a:off x="6830631" y="3691687"/>
-            <a:ext cx="2347947" cy="707886"/>
+            <a:off x="409422" y="1336588"/>
+            <a:ext cx="5344573" cy="707886"/>
           </a:xfrm>
           <a:prstGeom prst="rect">
             <a:avLst/>
@@ -5894,1875 +7717,6 @@
           </a:lstStyle>
           <a:p>
             <a:r>
-              <a:rPr lang="ru-RU" sz="2000" dirty="0" smtClean="0"/>
-              <a:t>Системный аналитик</a:t>
-            </a:r>
-            <a:endParaRPr lang="ru-RU" sz="2000" dirty="0"/>
-          </a:p>
-        </p:txBody>
-      </p:sp>
-      <p:cxnSp>
-        <p:nvCxnSpPr>
-          <p:cNvPr id="52" name="Прямая соединительная линия 51"/>
-          <p:cNvCxnSpPr/>
-          <p:nvPr/>
-        </p:nvCxnSpPr>
-        <p:spPr>
-          <a:xfrm>
-            <a:off x="6868483" y="3475114"/>
-            <a:ext cx="261512" cy="253368"/>
-          </a:xfrm>
-          <a:prstGeom prst="line">
-            <a:avLst/>
-          </a:prstGeom>
-          <a:ln>
-            <a:solidFill>
-              <a:schemeClr val="tx1">
-                <a:lumMod val="75000"/>
-                <a:lumOff val="25000"/>
-              </a:schemeClr>
-            </a:solidFill>
-          </a:ln>
-        </p:spPr>
-        <p:style>
-          <a:lnRef idx="1">
-            <a:schemeClr val="accent1"/>
-          </a:lnRef>
-          <a:fillRef idx="0">
-            <a:schemeClr val="accent1"/>
-          </a:fillRef>
-          <a:effectRef idx="0">
-            <a:schemeClr val="accent1"/>
-          </a:effectRef>
-          <a:fontRef idx="minor">
-            <a:schemeClr val="tx1"/>
-          </a:fontRef>
-        </p:style>
-      </p:cxnSp>
-      <p:cxnSp>
-        <p:nvCxnSpPr>
-          <p:cNvPr id="57" name="Прямая соединительная линия 56"/>
-          <p:cNvCxnSpPr/>
-          <p:nvPr/>
-        </p:nvCxnSpPr>
-        <p:spPr>
-          <a:xfrm>
-            <a:off x="5533601" y="3622961"/>
-            <a:ext cx="259573" cy="105521"/>
-          </a:xfrm>
-          <a:prstGeom prst="line">
-            <a:avLst/>
-          </a:prstGeom>
-          <a:ln>
-            <a:solidFill>
-              <a:schemeClr val="tx1">
-                <a:lumMod val="75000"/>
-                <a:lumOff val="25000"/>
-              </a:schemeClr>
-            </a:solidFill>
-          </a:ln>
-        </p:spPr>
-        <p:style>
-          <a:lnRef idx="1">
-            <a:schemeClr val="accent1"/>
-          </a:lnRef>
-          <a:fillRef idx="0">
-            <a:schemeClr val="accent1"/>
-          </a:fillRef>
-          <a:effectRef idx="0">
-            <a:schemeClr val="accent1"/>
-          </a:effectRef>
-          <a:fontRef idx="minor">
-            <a:schemeClr val="tx1"/>
-          </a:fontRef>
-        </p:style>
-      </p:cxnSp>
-      <p:sp>
-        <p:nvSpPr>
-          <p:cNvPr id="77" name="TextBox 76"/>
-          <p:cNvSpPr txBox="1"/>
-          <p:nvPr/>
-        </p:nvSpPr>
-        <p:spPr>
-          <a:xfrm>
-            <a:off x="9779089" y="4128739"/>
-            <a:ext cx="2347947" cy="954107"/>
-          </a:xfrm>
-          <a:prstGeom prst="rect">
-            <a:avLst/>
-          </a:prstGeom>
-          <a:noFill/>
-        </p:spPr>
-        <p:txBody>
-          <a:bodyPr wrap="square" rtlCol="0">
-            <a:spAutoFit/>
-          </a:bodyPr>
-          <a:lstStyle>
-            <a:defPPr>
-              <a:defRPr lang="ru-RU"/>
-            </a:defPPr>
-            <a:lvl1pPr>
-              <a:defRPr sz="2800">
-                <a:solidFill>
-                  <a:schemeClr val="bg2">
-                    <a:lumMod val="25000"/>
-                  </a:schemeClr>
-                </a:solidFill>
-              </a:defRPr>
-            </a:lvl1pPr>
-          </a:lstStyle>
-          <a:p>
-            <a:pPr algn="r"/>
-            <a:r>
-              <a:rPr lang="ru-RU" dirty="0" smtClean="0">
-                <a:solidFill>
-                  <a:schemeClr val="accent2">
-                    <a:lumMod val="50000"/>
-                  </a:schemeClr>
-                </a:solidFill>
-              </a:rPr>
-              <a:t>Предметная область</a:t>
-            </a:r>
-            <a:endParaRPr lang="ru-RU" dirty="0">
-              <a:solidFill>
-                <a:schemeClr val="accent2">
-                  <a:lumMod val="50000"/>
-                </a:schemeClr>
-              </a:solidFill>
-            </a:endParaRPr>
-          </a:p>
-        </p:txBody>
-      </p:sp>
-      <p:sp>
-        <p:nvSpPr>
-          <p:cNvPr id="85" name="Прямоугольник 84"/>
-          <p:cNvSpPr/>
-          <p:nvPr/>
-        </p:nvSpPr>
-        <p:spPr>
-          <a:xfrm>
-            <a:off x="8100155" y="5859141"/>
-            <a:ext cx="3228938" cy="954107"/>
-          </a:xfrm>
-          <a:prstGeom prst="rect">
-            <a:avLst/>
-          </a:prstGeom>
-          <a:noFill/>
-        </p:spPr>
-        <p:txBody>
-          <a:bodyPr wrap="square" rtlCol="0">
-            <a:spAutoFit/>
-          </a:bodyPr>
-          <a:lstStyle/>
-          <a:p>
-            <a:pPr algn="r"/>
-            <a:r>
-              <a:rPr lang="ru-RU" sz="2800" dirty="0">
-                <a:solidFill>
-                  <a:schemeClr val="bg2">
-                    <a:lumMod val="25000"/>
-                  </a:schemeClr>
-                </a:solidFill>
-              </a:rPr>
-              <a:t>Информационные технологии</a:t>
-            </a:r>
-          </a:p>
-        </p:txBody>
-      </p:sp>
-      <p:cxnSp>
-        <p:nvCxnSpPr>
-          <p:cNvPr id="87" name="Прямая соединительная линия 86"/>
-          <p:cNvCxnSpPr>
-            <a:endCxn id="90" idx="4"/>
-          </p:cNvCxnSpPr>
-          <p:nvPr/>
-        </p:nvCxnSpPr>
-        <p:spPr>
-          <a:xfrm>
-            <a:off x="5321627" y="-11015"/>
-            <a:ext cx="1625475" cy="1621417"/>
-          </a:xfrm>
-          <a:prstGeom prst="line">
-            <a:avLst/>
-          </a:prstGeom>
-          <a:ln cap="rnd">
-            <a:prstDash val="dash"/>
-            <a:bevel/>
-          </a:ln>
-        </p:spPr>
-        <p:style>
-          <a:lnRef idx="1">
-            <a:schemeClr val="accent1"/>
-          </a:lnRef>
-          <a:fillRef idx="0">
-            <a:schemeClr val="accent1"/>
-          </a:fillRef>
-          <a:effectRef idx="0">
-            <a:schemeClr val="accent1"/>
-          </a:effectRef>
-          <a:fontRef idx="minor">
-            <a:schemeClr val="tx1"/>
-          </a:fontRef>
-        </p:style>
-      </p:cxnSp>
-      <p:sp>
-        <p:nvSpPr>
-          <p:cNvPr id="6" name="Прямоугольник 5"/>
-          <p:cNvSpPr/>
-          <p:nvPr/>
-        </p:nvSpPr>
-        <p:spPr>
-          <a:xfrm>
-            <a:off x="8567113" y="753651"/>
-            <a:ext cx="3458727" cy="1597939"/>
-          </a:xfrm>
-          <a:prstGeom prst="rect">
-            <a:avLst/>
-          </a:prstGeom>
-          <a:solidFill>
-            <a:schemeClr val="accent2">
-              <a:lumMod val="60000"/>
-              <a:lumOff val="40000"/>
-              <a:alpha val="79000"/>
-            </a:schemeClr>
-          </a:solidFill>
-          <a:ln>
-            <a:noFill/>
-          </a:ln>
-        </p:spPr>
-        <p:style>
-          <a:lnRef idx="2">
-            <a:schemeClr val="accent1">
-              <a:shade val="50000"/>
-            </a:schemeClr>
-          </a:lnRef>
-          <a:fillRef idx="1">
-            <a:schemeClr val="accent1"/>
-          </a:fillRef>
-          <a:effectRef idx="0">
-            <a:schemeClr val="accent1"/>
-          </a:effectRef>
-          <a:fontRef idx="minor">
-            <a:schemeClr val="lt1"/>
-          </a:fontRef>
-        </p:style>
-        <p:txBody>
-          <a:bodyPr rtlCol="0" anchor="ctr"/>
-          <a:lstStyle/>
-          <a:p>
-            <a:pPr algn="ctr"/>
-            <a:r>
-              <a:rPr lang="ru-RU" sz="4000" dirty="0" smtClean="0">
-                <a:solidFill>
-                  <a:schemeClr val="accent2">
-                    <a:lumMod val="75000"/>
-                  </a:schemeClr>
-                </a:solidFill>
-              </a:rPr>
-              <a:t>Бизнес-логика</a:t>
-            </a:r>
-            <a:endParaRPr lang="ru-RU" sz="4000" dirty="0">
-              <a:solidFill>
-                <a:schemeClr val="accent2">
-                  <a:lumMod val="75000"/>
-                </a:schemeClr>
-              </a:solidFill>
-            </a:endParaRPr>
-          </a:p>
-        </p:txBody>
-      </p:sp>
-      <p:sp>
-        <p:nvSpPr>
-          <p:cNvPr id="42" name="Овал 41"/>
-          <p:cNvSpPr/>
-          <p:nvPr/>
-        </p:nvSpPr>
-        <p:spPr>
-          <a:xfrm>
-            <a:off x="8664326" y="2027750"/>
-            <a:ext cx="261257" cy="268690"/>
-          </a:xfrm>
-          <a:prstGeom prst="ellipse">
-            <a:avLst/>
-          </a:prstGeom>
-          <a:solidFill>
-            <a:schemeClr val="accent2">
-              <a:lumMod val="75000"/>
-            </a:schemeClr>
-          </a:solidFill>
-          <a:ln>
-            <a:noFill/>
-          </a:ln>
-        </p:spPr>
-        <p:style>
-          <a:lnRef idx="2">
-            <a:schemeClr val="accent1">
-              <a:shade val="50000"/>
-            </a:schemeClr>
-          </a:lnRef>
-          <a:fillRef idx="1">
-            <a:schemeClr val="accent1"/>
-          </a:fillRef>
-          <a:effectRef idx="0">
-            <a:schemeClr val="accent1"/>
-          </a:effectRef>
-          <a:fontRef idx="minor">
-            <a:schemeClr val="lt1"/>
-          </a:fontRef>
-        </p:style>
-        <p:txBody>
-          <a:bodyPr rtlCol="0" anchor="ctr"/>
-          <a:lstStyle/>
-          <a:p>
-            <a:pPr algn="ctr"/>
-            <a:endParaRPr lang="ru-RU"/>
-          </a:p>
-        </p:txBody>
-      </p:sp>
-      <p:cxnSp>
-        <p:nvCxnSpPr>
-          <p:cNvPr id="45" name="Прямая соединительная линия 44"/>
-          <p:cNvCxnSpPr>
-            <a:endCxn id="43" idx="1"/>
-          </p:cNvCxnSpPr>
-          <p:nvPr/>
-        </p:nvCxnSpPr>
-        <p:spPr>
-          <a:xfrm>
-            <a:off x="8989286" y="2230522"/>
-            <a:ext cx="646733" cy="250639"/>
-          </a:xfrm>
-          <a:prstGeom prst="line">
-            <a:avLst/>
-          </a:prstGeom>
-          <a:ln>
-            <a:solidFill>
-              <a:schemeClr val="tx1">
-                <a:lumMod val="75000"/>
-                <a:lumOff val="25000"/>
-              </a:schemeClr>
-            </a:solidFill>
-          </a:ln>
-        </p:spPr>
-        <p:style>
-          <a:lnRef idx="1">
-            <a:schemeClr val="accent1"/>
-          </a:lnRef>
-          <a:fillRef idx="0">
-            <a:schemeClr val="accent1"/>
-          </a:fillRef>
-          <a:effectRef idx="0">
-            <a:schemeClr val="accent1"/>
-          </a:effectRef>
-          <a:fontRef idx="minor">
-            <a:schemeClr val="tx1"/>
-          </a:fontRef>
-        </p:style>
-      </p:cxnSp>
-      <p:sp>
-        <p:nvSpPr>
-          <p:cNvPr id="70" name="Овал 69"/>
-          <p:cNvSpPr/>
-          <p:nvPr/>
-        </p:nvSpPr>
-        <p:spPr>
-          <a:xfrm>
-            <a:off x="9892122" y="50179"/>
-            <a:ext cx="2273711" cy="849245"/>
-          </a:xfrm>
-          <a:prstGeom prst="ellipse">
-            <a:avLst/>
-          </a:prstGeom>
-          <a:solidFill>
-            <a:schemeClr val="bg1">
-              <a:lumMod val="65000"/>
-            </a:schemeClr>
-          </a:solidFill>
-          <a:ln>
-            <a:noFill/>
-          </a:ln>
-        </p:spPr>
-        <p:style>
-          <a:lnRef idx="2">
-            <a:schemeClr val="accent1">
-              <a:shade val="50000"/>
-            </a:schemeClr>
-          </a:lnRef>
-          <a:fillRef idx="1">
-            <a:schemeClr val="accent1"/>
-          </a:fillRef>
-          <a:effectRef idx="0">
-            <a:schemeClr val="accent1"/>
-          </a:effectRef>
-          <a:fontRef idx="minor">
-            <a:schemeClr val="lt1"/>
-          </a:fontRef>
-        </p:style>
-        <p:txBody>
-          <a:bodyPr rtlCol="0" anchor="ctr"/>
-          <a:lstStyle/>
-          <a:p>
-            <a:pPr algn="ctr"/>
-            <a:r>
-              <a:rPr lang="ru-RU" dirty="0" smtClean="0"/>
-              <a:t>Стратегия</a:t>
-            </a:r>
-            <a:endParaRPr lang="ru-RU" dirty="0"/>
-          </a:p>
-        </p:txBody>
-      </p:sp>
-      <p:sp>
-        <p:nvSpPr>
-          <p:cNvPr id="10" name="Прямоугольник 9"/>
-          <p:cNvSpPr/>
-          <p:nvPr/>
-        </p:nvSpPr>
-        <p:spPr>
-          <a:xfrm>
-            <a:off x="6047556" y="2016699"/>
-            <a:ext cx="2837162" cy="954107"/>
-          </a:xfrm>
-          <a:prstGeom prst="rect">
-            <a:avLst/>
-          </a:prstGeom>
-        </p:spPr>
-        <p:txBody>
-          <a:bodyPr wrap="square">
-            <a:spAutoFit/>
-          </a:bodyPr>
-          <a:lstStyle/>
-          <a:p>
-            <a:pPr algn="ctr"/>
-            <a:r>
-              <a:rPr lang="ru-RU" sz="2800" b="1" dirty="0">
-                <a:solidFill>
-                  <a:schemeClr val="accent5">
-                    <a:lumMod val="50000"/>
-                  </a:schemeClr>
-                </a:solidFill>
-              </a:rPr>
-              <a:t>Требования (</a:t>
-            </a:r>
-            <a:r>
-              <a:rPr lang="en-US" sz="2800" b="1" dirty="0">
-                <a:solidFill>
-                  <a:schemeClr val="accent5">
-                    <a:lumMod val="50000"/>
-                  </a:schemeClr>
-                </a:solidFill>
-              </a:rPr>
-              <a:t>requirements</a:t>
-            </a:r>
-            <a:r>
-              <a:rPr lang="ru-RU" sz="2800" b="1" dirty="0">
-                <a:solidFill>
-                  <a:schemeClr val="accent5">
-                    <a:lumMod val="50000"/>
-                  </a:schemeClr>
-                </a:solidFill>
-              </a:rPr>
-              <a:t>)</a:t>
-            </a:r>
-            <a:endParaRPr lang="en-US" sz="2800" b="1" dirty="0">
-              <a:solidFill>
-                <a:schemeClr val="accent5">
-                  <a:lumMod val="50000"/>
-                </a:schemeClr>
-              </a:solidFill>
-            </a:endParaRPr>
-          </a:p>
-        </p:txBody>
-      </p:sp>
-      <p:sp>
-        <p:nvSpPr>
-          <p:cNvPr id="90" name="Молния 89"/>
-          <p:cNvSpPr/>
-          <p:nvPr/>
-        </p:nvSpPr>
-        <p:spPr>
-          <a:xfrm>
-            <a:off x="6203347" y="863920"/>
-            <a:ext cx="743755" cy="746482"/>
-          </a:xfrm>
-          <a:prstGeom prst="lightningBolt">
-            <a:avLst/>
-          </a:prstGeom>
-        </p:spPr>
-        <p:style>
-          <a:lnRef idx="2">
-            <a:schemeClr val="accent1">
-              <a:shade val="50000"/>
-            </a:schemeClr>
-          </a:lnRef>
-          <a:fillRef idx="1">
-            <a:schemeClr val="accent1"/>
-          </a:fillRef>
-          <a:effectRef idx="0">
-            <a:schemeClr val="accent1"/>
-          </a:effectRef>
-          <a:fontRef idx="minor">
-            <a:schemeClr val="lt1"/>
-          </a:fontRef>
-        </p:style>
-        <p:txBody>
-          <a:bodyPr rtlCol="0" anchor="ctr"/>
-          <a:lstStyle/>
-          <a:p>
-            <a:pPr algn="ctr"/>
-            <a:endParaRPr lang="ru-RU"/>
-          </a:p>
-        </p:txBody>
-      </p:sp>
-      <p:cxnSp>
-        <p:nvCxnSpPr>
-          <p:cNvPr id="92" name="Прямая соединительная линия 91"/>
-          <p:cNvCxnSpPr>
-            <a:endCxn id="66" idx="0"/>
-          </p:cNvCxnSpPr>
-          <p:nvPr/>
-        </p:nvCxnSpPr>
-        <p:spPr>
-          <a:xfrm>
-            <a:off x="8795981" y="3479632"/>
-            <a:ext cx="3396018" cy="3345529"/>
-          </a:xfrm>
-          <a:prstGeom prst="line">
-            <a:avLst/>
-          </a:prstGeom>
-          <a:ln cap="rnd">
-            <a:prstDash val="dash"/>
-            <a:bevel/>
-          </a:ln>
-        </p:spPr>
-        <p:style>
-          <a:lnRef idx="1">
-            <a:schemeClr val="accent1"/>
-          </a:lnRef>
-          <a:fillRef idx="0">
-            <a:schemeClr val="accent1"/>
-          </a:fillRef>
-          <a:effectRef idx="0">
-            <a:schemeClr val="accent1"/>
-          </a:effectRef>
-          <a:fontRef idx="minor">
-            <a:schemeClr val="tx1"/>
-          </a:fontRef>
-        </p:style>
-      </p:cxnSp>
-      <p:sp>
-        <p:nvSpPr>
-          <p:cNvPr id="94" name="Молния 93"/>
-          <p:cNvSpPr/>
-          <p:nvPr/>
-        </p:nvSpPr>
-        <p:spPr>
-          <a:xfrm rot="10601200">
-            <a:off x="8881899" y="3495984"/>
-            <a:ext cx="743755" cy="746482"/>
-          </a:xfrm>
-          <a:prstGeom prst="lightningBolt">
-            <a:avLst/>
-          </a:prstGeom>
-        </p:spPr>
-        <p:style>
-          <a:lnRef idx="2">
-            <a:schemeClr val="accent1">
-              <a:shade val="50000"/>
-            </a:schemeClr>
-          </a:lnRef>
-          <a:fillRef idx="1">
-            <a:schemeClr val="accent1"/>
-          </a:fillRef>
-          <a:effectRef idx="0">
-            <a:schemeClr val="accent1"/>
-          </a:effectRef>
-          <a:fontRef idx="minor">
-            <a:schemeClr val="lt1"/>
-          </a:fontRef>
-        </p:style>
-        <p:txBody>
-          <a:bodyPr rtlCol="0" anchor="ctr"/>
-          <a:lstStyle/>
-          <a:p>
-            <a:pPr algn="ctr"/>
-            <a:endParaRPr lang="ru-RU"/>
-          </a:p>
-        </p:txBody>
-      </p:sp>
-    </p:spTree>
-    <p:extLst>
-      <p:ext uri="{BB962C8B-B14F-4D97-AF65-F5344CB8AC3E}">
-        <p14:creationId xmlns:p14="http://schemas.microsoft.com/office/powerpoint/2010/main" val="30699778"/>
-      </p:ext>
-    </p:extLst>
-  </p:cSld>
-  <p:clrMapOvr>
-    <a:masterClrMapping/>
-  </p:clrMapOvr>
-</p:sld>
-</file>
-
-<file path=ppt/slides/slide4.xml><?xml version="1.0" encoding="utf-8"?>
-<p:sld xmlns:a="http://schemas.openxmlformats.org/drawingml/2006/main" xmlns:r="http://schemas.openxmlformats.org/officeDocument/2006/relationships" xmlns:p="http://schemas.openxmlformats.org/presentationml/2006/main">
-  <p:cSld>
-    <p:spTree>
-      <p:nvGrpSpPr>
-        <p:cNvPr id="1" name=""/>
-        <p:cNvGrpSpPr/>
-        <p:nvPr/>
-      </p:nvGrpSpPr>
-      <p:grpSpPr>
-        <a:xfrm>
-          <a:off x="0" y="0"/>
-          <a:ext cx="0" cy="0"/>
-          <a:chOff x="0" y="0"/>
-          <a:chExt cx="0" cy="0"/>
-        </a:xfrm>
-      </p:grpSpPr>
-      <p:sp>
-        <p:nvSpPr>
-          <p:cNvPr id="72" name="Прямоугольник 71"/>
-          <p:cNvSpPr/>
-          <p:nvPr/>
-        </p:nvSpPr>
-        <p:spPr>
-          <a:xfrm>
-            <a:off x="1" y="-45931"/>
-            <a:ext cx="12192000" cy="6917021"/>
-          </a:xfrm>
-          <a:prstGeom prst="rect">
-            <a:avLst/>
-          </a:prstGeom>
-          <a:solidFill>
-            <a:schemeClr val="accent6">
-              <a:lumMod val="20000"/>
-              <a:lumOff val="80000"/>
-              <a:alpha val="44000"/>
-            </a:schemeClr>
-          </a:solidFill>
-          <a:ln>
-            <a:noFill/>
-          </a:ln>
-        </p:spPr>
-        <p:style>
-          <a:lnRef idx="2">
-            <a:schemeClr val="accent1">
-              <a:shade val="50000"/>
-            </a:schemeClr>
-          </a:lnRef>
-          <a:fillRef idx="1">
-            <a:schemeClr val="accent1"/>
-          </a:fillRef>
-          <a:effectRef idx="0">
-            <a:schemeClr val="accent1"/>
-          </a:effectRef>
-          <a:fontRef idx="minor">
-            <a:schemeClr val="lt1"/>
-          </a:fontRef>
-        </p:style>
-        <p:txBody>
-          <a:bodyPr rtlCol="0" anchor="ctr"/>
-          <a:lstStyle/>
-          <a:p>
-            <a:pPr algn="ctr"/>
-            <a:r>
-              <a:rPr lang="ru-RU">
-                <a:solidFill>
-                  <a:schemeClr val="accent6">
-                    <a:lumMod val="50000"/>
-                  </a:schemeClr>
-                </a:solidFill>
-              </a:rPr>
-              <a:t>ИТ</a:t>
-            </a:r>
-            <a:endParaRPr lang="ru-RU"/>
-          </a:p>
-        </p:txBody>
-      </p:sp>
-      <p:sp>
-        <p:nvSpPr>
-          <p:cNvPr id="66" name="Прямоугольный треугольник 65"/>
-          <p:cNvSpPr/>
-          <p:nvPr/>
-        </p:nvSpPr>
-        <p:spPr>
-          <a:xfrm rot="10800000">
-            <a:off x="5360941" y="-2"/>
-            <a:ext cx="6831058" cy="6825163"/>
-          </a:xfrm>
-          <a:prstGeom prst="rtTriangle">
-            <a:avLst/>
-          </a:prstGeom>
-          <a:solidFill>
-            <a:schemeClr val="accent2">
-              <a:lumMod val="20000"/>
-              <a:lumOff val="80000"/>
-              <a:alpha val="53000"/>
-            </a:schemeClr>
-          </a:solidFill>
-          <a:ln>
-            <a:noFill/>
-          </a:ln>
-        </p:spPr>
-        <p:style>
-          <a:lnRef idx="2">
-            <a:schemeClr val="accent1">
-              <a:shade val="50000"/>
-            </a:schemeClr>
-          </a:lnRef>
-          <a:fillRef idx="1">
-            <a:schemeClr val="accent1"/>
-          </a:fillRef>
-          <a:effectRef idx="0">
-            <a:schemeClr val="accent1"/>
-          </a:effectRef>
-          <a:fontRef idx="minor">
-            <a:schemeClr val="lt1"/>
-          </a:fontRef>
-        </p:style>
-        <p:txBody>
-          <a:bodyPr rtlCol="0" anchor="ctr"/>
-          <a:lstStyle/>
-          <a:p>
-            <a:pPr algn="ctr"/>
-            <a:endParaRPr lang="ru-RU"/>
-          </a:p>
-        </p:txBody>
-      </p:sp>
-      <p:sp>
-        <p:nvSpPr>
-          <p:cNvPr id="4" name="Прямоугольник 3"/>
-          <p:cNvSpPr/>
-          <p:nvPr/>
-        </p:nvSpPr>
-        <p:spPr>
-          <a:xfrm>
-            <a:off x="682690" y="3054819"/>
-            <a:ext cx="6002231" cy="3429000"/>
-          </a:xfrm>
-          <a:prstGeom prst="rect">
-            <a:avLst/>
-          </a:prstGeom>
-          <a:solidFill>
-            <a:schemeClr val="accent6">
-              <a:lumMod val="40000"/>
-              <a:lumOff val="60000"/>
-            </a:schemeClr>
-          </a:solidFill>
-          <a:ln>
-            <a:noFill/>
-          </a:ln>
-        </p:spPr>
-        <p:style>
-          <a:lnRef idx="2">
-            <a:schemeClr val="accent1">
-              <a:shade val="50000"/>
-            </a:schemeClr>
-          </a:lnRef>
-          <a:fillRef idx="1">
-            <a:schemeClr val="accent1"/>
-          </a:fillRef>
-          <a:effectRef idx="0">
-            <a:schemeClr val="accent1"/>
-          </a:effectRef>
-          <a:fontRef idx="minor">
-            <a:schemeClr val="lt1"/>
-          </a:fontRef>
-        </p:style>
-        <p:txBody>
-          <a:bodyPr rtlCol="0" anchor="ctr"/>
-          <a:lstStyle/>
-          <a:p>
-            <a:pPr algn="ctr"/>
-            <a:endParaRPr lang="ru-RU"/>
-          </a:p>
-        </p:txBody>
-      </p:sp>
-      <p:sp>
-        <p:nvSpPr>
-          <p:cNvPr id="2" name="Заголовок 1"/>
-          <p:cNvSpPr>
-            <a:spLocks noGrp="1"/>
-          </p:cNvSpPr>
-          <p:nvPr>
-            <p:ph type="title"/>
-          </p:nvPr>
-        </p:nvSpPr>
-        <p:spPr>
-          <a:xfrm>
-            <a:off x="452946" y="543823"/>
-            <a:ext cx="5592268" cy="802505"/>
-          </a:xfrm>
-        </p:spPr>
-        <p:txBody>
-          <a:bodyPr>
-            <a:noAutofit/>
-          </a:bodyPr>
-          <a:lstStyle/>
-          <a:p>
-            <a:pPr>
-              <a:tabLst>
-                <a:tab pos="6997700" algn="l"/>
-              </a:tabLst>
-            </a:pPr>
-            <a:r>
-              <a:rPr lang="en-US" dirty="0" smtClean="0"/>
-              <a:t>Software development</a:t>
-            </a:r>
-            <a:endParaRPr lang="ru-RU" dirty="0"/>
-          </a:p>
-        </p:txBody>
-      </p:sp>
-      <p:sp>
-        <p:nvSpPr>
-          <p:cNvPr id="7" name="Прямоугольник 6"/>
-          <p:cNvSpPr/>
-          <p:nvPr/>
-        </p:nvSpPr>
-        <p:spPr>
-          <a:xfrm>
-            <a:off x="946895" y="4694675"/>
-            <a:ext cx="2166585" cy="1558344"/>
-          </a:xfrm>
-          <a:prstGeom prst="rect">
-            <a:avLst/>
-          </a:prstGeom>
-          <a:pattFill prst="pct10">
-            <a:fgClr>
-              <a:schemeClr val="accent6">
-                <a:lumMod val="20000"/>
-                <a:lumOff val="80000"/>
-              </a:schemeClr>
-            </a:fgClr>
-            <a:bgClr>
-              <a:schemeClr val="accent6">
-                <a:lumMod val="60000"/>
-                <a:lumOff val="40000"/>
-              </a:schemeClr>
-            </a:bgClr>
-          </a:pattFill>
-          <a:ln w="19050">
-            <a:prstDash val="dash"/>
-          </a:ln>
-        </p:spPr>
-        <p:style>
-          <a:lnRef idx="2">
-            <a:schemeClr val="accent1">
-              <a:shade val="50000"/>
-            </a:schemeClr>
-          </a:lnRef>
-          <a:fillRef idx="1">
-            <a:schemeClr val="accent1"/>
-          </a:fillRef>
-          <a:effectRef idx="0">
-            <a:schemeClr val="accent1"/>
-          </a:effectRef>
-          <a:fontRef idx="minor">
-            <a:schemeClr val="lt1"/>
-          </a:fontRef>
-        </p:style>
-        <p:txBody>
-          <a:bodyPr rtlCol="0" anchor="ctr"/>
-          <a:lstStyle/>
-          <a:p>
-            <a:pPr algn="ctr"/>
-            <a:endParaRPr lang="ru-RU"/>
-          </a:p>
-        </p:txBody>
-      </p:sp>
-      <p:sp>
-        <p:nvSpPr>
-          <p:cNvPr id="8" name="TextBox 7"/>
-          <p:cNvSpPr txBox="1"/>
-          <p:nvPr/>
-        </p:nvSpPr>
-        <p:spPr>
-          <a:xfrm>
-            <a:off x="988668" y="4724802"/>
-            <a:ext cx="1828303" cy="523220"/>
-          </a:xfrm>
-          <a:prstGeom prst="rect">
-            <a:avLst/>
-          </a:prstGeom>
-          <a:noFill/>
-        </p:spPr>
-        <p:txBody>
-          <a:bodyPr wrap="square" rtlCol="0">
-            <a:spAutoFit/>
-          </a:bodyPr>
-          <a:lstStyle/>
-          <a:p>
-            <a:r>
-              <a:rPr lang="en-US" sz="2800" dirty="0" smtClean="0">
-                <a:solidFill>
-                  <a:schemeClr val="accent6">
-                    <a:lumMod val="50000"/>
-                  </a:schemeClr>
-                </a:solidFill>
-              </a:rPr>
-              <a:t>Classroom</a:t>
-            </a:r>
-            <a:endParaRPr lang="ru-RU" sz="2800" dirty="0">
-              <a:solidFill>
-                <a:schemeClr val="accent6">
-                  <a:lumMod val="50000"/>
-                </a:schemeClr>
-              </a:solidFill>
-            </a:endParaRPr>
-          </a:p>
-        </p:txBody>
-      </p:sp>
-      <p:sp>
-        <p:nvSpPr>
-          <p:cNvPr id="11" name="Овал 10"/>
-          <p:cNvSpPr/>
-          <p:nvPr/>
-        </p:nvSpPr>
-        <p:spPr>
-          <a:xfrm>
-            <a:off x="3547965" y="4762239"/>
-            <a:ext cx="261257" cy="268690"/>
-          </a:xfrm>
-          <a:prstGeom prst="ellipse">
-            <a:avLst/>
-          </a:prstGeom>
-          <a:solidFill>
-            <a:schemeClr val="accent6">
-              <a:lumMod val="50000"/>
-            </a:schemeClr>
-          </a:solidFill>
-          <a:ln>
-            <a:noFill/>
-          </a:ln>
-        </p:spPr>
-        <p:style>
-          <a:lnRef idx="2">
-            <a:schemeClr val="accent1">
-              <a:shade val="50000"/>
-            </a:schemeClr>
-          </a:lnRef>
-          <a:fillRef idx="1">
-            <a:schemeClr val="accent1"/>
-          </a:fillRef>
-          <a:effectRef idx="0">
-            <a:schemeClr val="accent1"/>
-          </a:effectRef>
-          <a:fontRef idx="minor">
-            <a:schemeClr val="lt1"/>
-          </a:fontRef>
-        </p:style>
-        <p:txBody>
-          <a:bodyPr rtlCol="0" anchor="ctr"/>
-          <a:lstStyle/>
-          <a:p>
-            <a:pPr algn="ctr"/>
-            <a:endParaRPr lang="ru-RU"/>
-          </a:p>
-        </p:txBody>
-      </p:sp>
-      <p:sp>
-        <p:nvSpPr>
-          <p:cNvPr id="13" name="Овал 12"/>
-          <p:cNvSpPr/>
-          <p:nvPr/>
-        </p:nvSpPr>
-        <p:spPr>
-          <a:xfrm>
-            <a:off x="835540" y="6099729"/>
-            <a:ext cx="261257" cy="268690"/>
-          </a:xfrm>
-          <a:prstGeom prst="ellipse">
-            <a:avLst/>
-          </a:prstGeom>
-          <a:solidFill>
-            <a:schemeClr val="accent6">
-              <a:lumMod val="50000"/>
-            </a:schemeClr>
-          </a:solidFill>
-          <a:ln>
-            <a:noFill/>
-          </a:ln>
-        </p:spPr>
-        <p:style>
-          <a:lnRef idx="2">
-            <a:schemeClr val="accent1">
-              <a:shade val="50000"/>
-            </a:schemeClr>
-          </a:lnRef>
-          <a:fillRef idx="1">
-            <a:schemeClr val="accent1"/>
-          </a:fillRef>
-          <a:effectRef idx="0">
-            <a:schemeClr val="accent1"/>
-          </a:effectRef>
-          <a:fontRef idx="minor">
-            <a:schemeClr val="lt1"/>
-          </a:fontRef>
-        </p:style>
-        <p:txBody>
-          <a:bodyPr rtlCol="0" anchor="ctr"/>
-          <a:lstStyle/>
-          <a:p>
-            <a:pPr algn="ctr"/>
-            <a:endParaRPr lang="ru-RU"/>
-          </a:p>
-        </p:txBody>
-      </p:sp>
-      <p:sp>
-        <p:nvSpPr>
-          <p:cNvPr id="15" name="Прямоугольный треугольник 14"/>
-          <p:cNvSpPr/>
-          <p:nvPr/>
-        </p:nvSpPr>
-        <p:spPr>
-          <a:xfrm rot="10800000">
-            <a:off x="4013881" y="3054817"/>
-            <a:ext cx="2671040" cy="2550144"/>
-          </a:xfrm>
-          <a:prstGeom prst="rtTriangle">
-            <a:avLst/>
-          </a:prstGeom>
-          <a:pattFill prst="ltUpDiag">
-            <a:fgClr>
-              <a:schemeClr val="accent6">
-                <a:lumMod val="75000"/>
-              </a:schemeClr>
-            </a:fgClr>
-            <a:bgClr>
-              <a:schemeClr val="accent6">
-                <a:lumMod val="40000"/>
-                <a:lumOff val="60000"/>
-              </a:schemeClr>
-            </a:bgClr>
-          </a:pattFill>
-          <a:ln>
-            <a:noFill/>
-          </a:ln>
-        </p:spPr>
-        <p:style>
-          <a:lnRef idx="2">
-            <a:schemeClr val="accent1">
-              <a:shade val="50000"/>
-            </a:schemeClr>
-          </a:lnRef>
-          <a:fillRef idx="1">
-            <a:schemeClr val="accent1"/>
-          </a:fillRef>
-          <a:effectRef idx="0">
-            <a:schemeClr val="accent1"/>
-          </a:effectRef>
-          <a:fontRef idx="minor">
-            <a:schemeClr val="lt1"/>
-          </a:fontRef>
-        </p:style>
-        <p:txBody>
-          <a:bodyPr rtlCol="0" anchor="ctr"/>
-          <a:lstStyle/>
-          <a:p>
-            <a:pPr algn="ctr"/>
-            <a:endParaRPr lang="ru-RU"/>
-          </a:p>
-        </p:txBody>
-      </p:sp>
-      <p:sp>
-        <p:nvSpPr>
-          <p:cNvPr id="12" name="Овал 11"/>
-          <p:cNvSpPr/>
-          <p:nvPr/>
-        </p:nvSpPr>
-        <p:spPr>
-          <a:xfrm>
-            <a:off x="5896501" y="3659896"/>
-            <a:ext cx="261257" cy="268690"/>
-          </a:xfrm>
-          <a:prstGeom prst="ellipse">
-            <a:avLst/>
-          </a:prstGeom>
-          <a:solidFill>
-            <a:schemeClr val="accent6">
-              <a:lumMod val="50000"/>
-            </a:schemeClr>
-          </a:solidFill>
-          <a:ln>
-            <a:noFill/>
-          </a:ln>
-        </p:spPr>
-        <p:style>
-          <a:lnRef idx="2">
-            <a:schemeClr val="accent1">
-              <a:shade val="50000"/>
-            </a:schemeClr>
-          </a:lnRef>
-          <a:fillRef idx="1">
-            <a:schemeClr val="accent1"/>
-          </a:fillRef>
-          <a:effectRef idx="0">
-            <a:schemeClr val="accent1"/>
-          </a:effectRef>
-          <a:fontRef idx="minor">
-            <a:schemeClr val="lt1"/>
-          </a:fontRef>
-        </p:style>
-        <p:txBody>
-          <a:bodyPr rtlCol="0" anchor="ctr"/>
-          <a:lstStyle/>
-          <a:p>
-            <a:pPr algn="ctr"/>
-            <a:endParaRPr lang="ru-RU"/>
-          </a:p>
-        </p:txBody>
-      </p:sp>
-      <p:sp>
-        <p:nvSpPr>
-          <p:cNvPr id="16" name="TextBox 15"/>
-          <p:cNvSpPr txBox="1"/>
-          <p:nvPr/>
-        </p:nvSpPr>
-        <p:spPr>
-          <a:xfrm>
-            <a:off x="3387156" y="5279958"/>
-            <a:ext cx="2318994" cy="954107"/>
-          </a:xfrm>
-          <a:prstGeom prst="rect">
-            <a:avLst/>
-          </a:prstGeom>
-          <a:noFill/>
-        </p:spPr>
-        <p:txBody>
-          <a:bodyPr wrap="square" rtlCol="0">
-            <a:spAutoFit/>
-          </a:bodyPr>
-          <a:lstStyle/>
-          <a:p>
-            <a:r>
-              <a:rPr lang="en-US" sz="2800" dirty="0" smtClean="0">
-                <a:solidFill>
-                  <a:schemeClr val="bg2">
-                    <a:lumMod val="25000"/>
-                  </a:schemeClr>
-                </a:solidFill>
-              </a:rPr>
-              <a:t>Junior</a:t>
-            </a:r>
-            <a:r>
-              <a:rPr lang="ru-RU" sz="2800" dirty="0" smtClean="0">
-                <a:solidFill>
-                  <a:schemeClr val="bg2">
-                    <a:lumMod val="25000"/>
-                  </a:schemeClr>
-                </a:solidFill>
-              </a:rPr>
-              <a:t> </a:t>
-            </a:r>
-            <a:r>
-              <a:rPr lang="en-US" sz="2800" dirty="0" smtClean="0">
-                <a:solidFill>
-                  <a:schemeClr val="bg2">
-                    <a:lumMod val="25000"/>
-                  </a:schemeClr>
-                </a:solidFill>
-              </a:rPr>
-              <a:t>developer</a:t>
-            </a:r>
-            <a:endParaRPr lang="ru-RU" sz="2800" dirty="0">
-              <a:solidFill>
-                <a:schemeClr val="bg2">
-                  <a:lumMod val="25000"/>
-                </a:schemeClr>
-              </a:solidFill>
-            </a:endParaRPr>
-          </a:p>
-        </p:txBody>
-      </p:sp>
-      <p:sp>
-        <p:nvSpPr>
-          <p:cNvPr id="17" name="TextBox 16"/>
-          <p:cNvSpPr txBox="1"/>
-          <p:nvPr/>
-        </p:nvSpPr>
-        <p:spPr>
-          <a:xfrm>
-            <a:off x="3119471" y="3354504"/>
-            <a:ext cx="2384100" cy="523220"/>
-          </a:xfrm>
-          <a:prstGeom prst="rect">
-            <a:avLst/>
-          </a:prstGeom>
-          <a:noFill/>
-        </p:spPr>
-        <p:txBody>
-          <a:bodyPr wrap="square" rtlCol="0">
-            <a:spAutoFit/>
-          </a:bodyPr>
-          <a:lstStyle>
-            <a:defPPr>
-              <a:defRPr lang="ru-RU"/>
-            </a:defPPr>
-            <a:lvl1pPr>
-              <a:defRPr sz="2800">
-                <a:solidFill>
-                  <a:schemeClr val="bg2">
-                    <a:lumMod val="25000"/>
-                  </a:schemeClr>
-                </a:solidFill>
-              </a:defRPr>
-            </a:lvl1pPr>
-          </a:lstStyle>
-          <a:p>
-            <a:pPr algn="r"/>
-            <a:r>
-              <a:rPr lang="en-US" dirty="0" smtClean="0"/>
-              <a:t>Senior dev</a:t>
-            </a:r>
-            <a:endParaRPr lang="ru-RU" dirty="0"/>
-          </a:p>
-        </p:txBody>
-      </p:sp>
-      <p:sp>
-        <p:nvSpPr>
-          <p:cNvPr id="18" name="TextBox 17"/>
-          <p:cNvSpPr txBox="1"/>
-          <p:nvPr/>
-        </p:nvSpPr>
-        <p:spPr>
-          <a:xfrm>
-            <a:off x="965607" y="6385363"/>
-            <a:ext cx="1512118" cy="523220"/>
-          </a:xfrm>
-          <a:prstGeom prst="rect">
-            <a:avLst/>
-          </a:prstGeom>
-          <a:noFill/>
-        </p:spPr>
-        <p:txBody>
-          <a:bodyPr wrap="square" rtlCol="0">
-            <a:spAutoFit/>
-          </a:bodyPr>
-          <a:lstStyle/>
-          <a:p>
-            <a:r>
-              <a:rPr lang="en-US" sz="2800" dirty="0" smtClean="0">
-                <a:solidFill>
-                  <a:schemeClr val="bg2">
-                    <a:lumMod val="25000"/>
-                  </a:schemeClr>
-                </a:solidFill>
-              </a:rPr>
-              <a:t>“Starter”</a:t>
-            </a:r>
-            <a:endParaRPr lang="ru-RU" sz="2800" dirty="0">
-              <a:solidFill>
-                <a:schemeClr val="bg2">
-                  <a:lumMod val="25000"/>
-                </a:schemeClr>
-              </a:solidFill>
-            </a:endParaRPr>
-          </a:p>
-        </p:txBody>
-      </p:sp>
-      <p:sp>
-        <p:nvSpPr>
-          <p:cNvPr id="19" name="TextBox 18"/>
-          <p:cNvSpPr txBox="1"/>
-          <p:nvPr/>
-        </p:nvSpPr>
-        <p:spPr>
-          <a:xfrm rot="2595840">
-            <a:off x="4342217" y="4730623"/>
-            <a:ext cx="2668169" cy="707886"/>
-          </a:xfrm>
-          <a:prstGeom prst="rect">
-            <a:avLst/>
-          </a:prstGeom>
-          <a:noFill/>
-        </p:spPr>
-        <p:txBody>
-          <a:bodyPr wrap="square" rtlCol="0">
-            <a:spAutoFit/>
-          </a:bodyPr>
-          <a:lstStyle/>
-          <a:p>
-            <a:pPr algn="ctr"/>
-            <a:r>
-              <a:rPr lang="en-US" sz="2000" dirty="0" smtClean="0">
-                <a:solidFill>
-                  <a:schemeClr val="accent6">
-                    <a:lumMod val="50000"/>
-                  </a:schemeClr>
-                </a:solidFill>
-              </a:rPr>
-              <a:t>Software design decisions</a:t>
-            </a:r>
-            <a:endParaRPr lang="ru-RU" sz="2000" dirty="0">
-              <a:solidFill>
-                <a:schemeClr val="accent6">
-                  <a:lumMod val="50000"/>
-                </a:schemeClr>
-              </a:solidFill>
-            </a:endParaRPr>
-          </a:p>
-        </p:txBody>
-      </p:sp>
-      <p:sp>
-        <p:nvSpPr>
-          <p:cNvPr id="22" name="TextBox 21"/>
-          <p:cNvSpPr txBox="1"/>
-          <p:nvPr/>
-        </p:nvSpPr>
-        <p:spPr>
-          <a:xfrm>
-            <a:off x="4149833" y="6422450"/>
-            <a:ext cx="2896706" cy="400110"/>
-          </a:xfrm>
-          <a:prstGeom prst="rect">
-            <a:avLst/>
-          </a:prstGeom>
-          <a:noFill/>
-        </p:spPr>
-        <p:txBody>
-          <a:bodyPr wrap="square" rtlCol="0">
-            <a:spAutoFit/>
-          </a:bodyPr>
-          <a:lstStyle/>
-          <a:p>
-            <a:r>
-              <a:rPr lang="en-US" sz="2000" dirty="0" smtClean="0">
-                <a:solidFill>
-                  <a:schemeClr val="accent6">
-                    <a:lumMod val="50000"/>
-                  </a:schemeClr>
-                </a:solidFill>
-              </a:rPr>
-              <a:t>Task complexity</a:t>
-            </a:r>
-            <a:endParaRPr lang="ru-RU" sz="2000" dirty="0">
-              <a:solidFill>
-                <a:schemeClr val="accent6">
-                  <a:lumMod val="50000"/>
-                </a:schemeClr>
-              </a:solidFill>
-            </a:endParaRPr>
-          </a:p>
-        </p:txBody>
-      </p:sp>
-      <p:sp>
-        <p:nvSpPr>
-          <p:cNvPr id="23" name="Стрелка вправо 22"/>
-          <p:cNvSpPr/>
-          <p:nvPr/>
-        </p:nvSpPr>
-        <p:spPr>
-          <a:xfrm>
-            <a:off x="6322400" y="6528570"/>
-            <a:ext cx="346850" cy="258749"/>
-          </a:xfrm>
-          <a:prstGeom prst="rightArrow">
-            <a:avLst/>
-          </a:prstGeom>
-          <a:solidFill>
-            <a:schemeClr val="accent6">
-              <a:lumMod val="40000"/>
-              <a:lumOff val="60000"/>
-            </a:schemeClr>
-          </a:solidFill>
-          <a:ln>
-            <a:noFill/>
-          </a:ln>
-        </p:spPr>
-        <p:style>
-          <a:lnRef idx="2">
-            <a:schemeClr val="accent1">
-              <a:shade val="50000"/>
-            </a:schemeClr>
-          </a:lnRef>
-          <a:fillRef idx="1">
-            <a:schemeClr val="accent1"/>
-          </a:fillRef>
-          <a:effectRef idx="0">
-            <a:schemeClr val="accent1"/>
-          </a:effectRef>
-          <a:fontRef idx="minor">
-            <a:schemeClr val="lt1"/>
-          </a:fontRef>
-        </p:style>
-        <p:txBody>
-          <a:bodyPr rtlCol="0" anchor="ctr"/>
-          <a:lstStyle/>
-          <a:p>
-            <a:pPr algn="ctr"/>
-            <a:endParaRPr lang="ru-RU"/>
-          </a:p>
-        </p:txBody>
-      </p:sp>
-      <p:sp>
-        <p:nvSpPr>
-          <p:cNvPr id="24" name="TextBox 23"/>
-          <p:cNvSpPr txBox="1"/>
-          <p:nvPr/>
-        </p:nvSpPr>
-        <p:spPr>
-          <a:xfrm rot="16200000">
-            <a:off x="-1005932" y="4765030"/>
-            <a:ext cx="2896706" cy="400110"/>
-          </a:xfrm>
-          <a:prstGeom prst="rect">
-            <a:avLst/>
-          </a:prstGeom>
-          <a:noFill/>
-        </p:spPr>
-        <p:txBody>
-          <a:bodyPr wrap="square" rtlCol="0">
-            <a:spAutoFit/>
-          </a:bodyPr>
-          <a:lstStyle>
-            <a:defPPr>
-              <a:defRPr lang="ru-RU"/>
-            </a:defPPr>
-            <a:lvl1pPr>
-              <a:defRPr sz="2000">
-                <a:solidFill>
-                  <a:schemeClr val="accent6">
-                    <a:lumMod val="50000"/>
-                  </a:schemeClr>
-                </a:solidFill>
-              </a:defRPr>
-            </a:lvl1pPr>
-          </a:lstStyle>
-          <a:p>
-            <a:pPr algn="r"/>
-            <a:r>
-              <a:rPr lang="en-US" dirty="0" smtClean="0"/>
-              <a:t>Code quality</a:t>
-            </a:r>
-            <a:endParaRPr lang="ru-RU" dirty="0"/>
-          </a:p>
-        </p:txBody>
-      </p:sp>
-      <p:sp>
-        <p:nvSpPr>
-          <p:cNvPr id="25" name="Стрелка вправо 24"/>
-          <p:cNvSpPr/>
-          <p:nvPr/>
-        </p:nvSpPr>
-        <p:spPr>
-          <a:xfrm rot="-5400000">
-            <a:off x="276563" y="3126200"/>
-            <a:ext cx="346850" cy="258749"/>
-          </a:xfrm>
-          <a:prstGeom prst="rightArrow">
-            <a:avLst/>
-          </a:prstGeom>
-          <a:solidFill>
-            <a:schemeClr val="accent6">
-              <a:lumMod val="40000"/>
-              <a:lumOff val="60000"/>
-            </a:schemeClr>
-          </a:solidFill>
-          <a:ln>
-            <a:noFill/>
-          </a:ln>
-        </p:spPr>
-        <p:style>
-          <a:lnRef idx="2">
-            <a:schemeClr val="accent1">
-              <a:shade val="50000"/>
-            </a:schemeClr>
-          </a:lnRef>
-          <a:fillRef idx="1">
-            <a:schemeClr val="accent1"/>
-          </a:fillRef>
-          <a:effectRef idx="0">
-            <a:schemeClr val="accent1"/>
-          </a:effectRef>
-          <a:fontRef idx="minor">
-            <a:schemeClr val="lt1"/>
-          </a:fontRef>
-        </p:style>
-        <p:txBody>
-          <a:bodyPr rtlCol="0" anchor="ctr"/>
-          <a:lstStyle/>
-          <a:p>
-            <a:pPr algn="ctr"/>
-            <a:endParaRPr lang="ru-RU"/>
-          </a:p>
-        </p:txBody>
-      </p:sp>
-      <p:cxnSp>
-        <p:nvCxnSpPr>
-          <p:cNvPr id="27" name="Прямая со стрелкой 26"/>
-          <p:cNvCxnSpPr/>
-          <p:nvPr/>
-        </p:nvCxnSpPr>
-        <p:spPr>
-          <a:xfrm flipV="1">
-            <a:off x="1220571" y="5030929"/>
-            <a:ext cx="2155168" cy="1018180"/>
-          </a:xfrm>
-          <a:prstGeom prst="straightConnector1">
-            <a:avLst/>
-          </a:prstGeom>
-          <a:ln>
-            <a:solidFill>
-              <a:schemeClr val="accent6">
-                <a:lumMod val="50000"/>
-              </a:schemeClr>
-            </a:solidFill>
-            <a:tailEnd type="triangle"/>
-          </a:ln>
-        </p:spPr>
-        <p:style>
-          <a:lnRef idx="1">
-            <a:schemeClr val="accent1"/>
-          </a:lnRef>
-          <a:fillRef idx="0">
-            <a:schemeClr val="accent1"/>
-          </a:fillRef>
-          <a:effectRef idx="0">
-            <a:schemeClr val="accent1"/>
-          </a:effectRef>
-          <a:fontRef idx="minor">
-            <a:schemeClr val="tx1"/>
-          </a:fontRef>
-        </p:style>
-      </p:cxnSp>
-      <p:cxnSp>
-        <p:nvCxnSpPr>
-          <p:cNvPr id="28" name="Прямая со стрелкой 27"/>
-          <p:cNvCxnSpPr/>
-          <p:nvPr/>
-        </p:nvCxnSpPr>
-        <p:spPr>
-          <a:xfrm flipV="1">
-            <a:off x="3954932" y="3931626"/>
-            <a:ext cx="1694349" cy="830614"/>
-          </a:xfrm>
-          <a:prstGeom prst="straightConnector1">
-            <a:avLst/>
-          </a:prstGeom>
-          <a:ln>
-            <a:solidFill>
-              <a:schemeClr val="accent6">
-                <a:lumMod val="50000"/>
-              </a:schemeClr>
-            </a:solidFill>
-            <a:tailEnd type="triangle"/>
-          </a:ln>
-        </p:spPr>
-        <p:style>
-          <a:lnRef idx="1">
-            <a:schemeClr val="accent1"/>
-          </a:lnRef>
-          <a:fillRef idx="0">
-            <a:schemeClr val="accent1"/>
-          </a:fillRef>
-          <a:effectRef idx="0">
-            <a:schemeClr val="accent1"/>
-          </a:effectRef>
-          <a:fontRef idx="minor">
-            <a:schemeClr val="tx1"/>
-          </a:fontRef>
-        </p:style>
-      </p:cxnSp>
-      <p:sp>
-        <p:nvSpPr>
-          <p:cNvPr id="33" name="Овал 32"/>
-          <p:cNvSpPr/>
-          <p:nvPr/>
-        </p:nvSpPr>
-        <p:spPr>
-          <a:xfrm>
-            <a:off x="5649281" y="1567382"/>
-            <a:ext cx="3918856" cy="2140419"/>
-          </a:xfrm>
-          <a:prstGeom prst="ellipse">
-            <a:avLst/>
-          </a:prstGeom>
-          <a:solidFill>
-            <a:schemeClr val="accent1">
-              <a:lumMod val="60000"/>
-              <a:lumOff val="40000"/>
-            </a:schemeClr>
-          </a:solidFill>
-          <a:ln>
-            <a:solidFill>
-              <a:schemeClr val="bg1"/>
-            </a:solidFill>
-          </a:ln>
-        </p:spPr>
-        <p:style>
-          <a:lnRef idx="2">
-            <a:schemeClr val="accent1">
-              <a:shade val="50000"/>
-            </a:schemeClr>
-          </a:lnRef>
-          <a:fillRef idx="1">
-            <a:schemeClr val="accent1"/>
-          </a:fillRef>
-          <a:effectRef idx="0">
-            <a:schemeClr val="accent1"/>
-          </a:effectRef>
-          <a:fontRef idx="minor">
-            <a:schemeClr val="lt1"/>
-          </a:fontRef>
-        </p:style>
-        <p:txBody>
-          <a:bodyPr rtlCol="0" anchor="ctr"/>
-          <a:lstStyle/>
-          <a:p>
-            <a:pPr algn="ctr"/>
-            <a:endParaRPr lang="ru-RU" sz="3200" dirty="0"/>
-          </a:p>
-        </p:txBody>
-      </p:sp>
-      <p:sp>
-        <p:nvSpPr>
-          <p:cNvPr id="34" name="TextBox 33"/>
-          <p:cNvSpPr txBox="1"/>
-          <p:nvPr/>
-        </p:nvSpPr>
-        <p:spPr>
-          <a:xfrm>
-            <a:off x="634490" y="2484762"/>
-            <a:ext cx="3490593" cy="523220"/>
-          </a:xfrm>
-          <a:prstGeom prst="rect">
-            <a:avLst/>
-          </a:prstGeom>
-          <a:noFill/>
-        </p:spPr>
-        <p:txBody>
-          <a:bodyPr wrap="square" rtlCol="0">
-            <a:spAutoFit/>
-          </a:bodyPr>
-          <a:lstStyle/>
-          <a:p>
-            <a:r>
-              <a:rPr lang="en-US" sz="2800" dirty="0" smtClean="0">
-                <a:solidFill>
-                  <a:schemeClr val="accent6">
-                    <a:lumMod val="50000"/>
-                  </a:schemeClr>
-                </a:solidFill>
-              </a:rPr>
-              <a:t>IT system/software</a:t>
-            </a:r>
-            <a:endParaRPr lang="ru-RU" sz="2800" dirty="0">
-              <a:solidFill>
-                <a:schemeClr val="accent6">
-                  <a:lumMod val="50000"/>
-                </a:schemeClr>
-              </a:solidFill>
-            </a:endParaRPr>
-          </a:p>
-        </p:txBody>
-      </p:sp>
-      <p:cxnSp>
-        <p:nvCxnSpPr>
-          <p:cNvPr id="37" name="Прямая соединительная линия 36"/>
-          <p:cNvCxnSpPr/>
-          <p:nvPr/>
-        </p:nvCxnSpPr>
-        <p:spPr>
-          <a:xfrm>
-            <a:off x="3705644" y="4917670"/>
-            <a:ext cx="160719" cy="330352"/>
-          </a:xfrm>
-          <a:prstGeom prst="line">
-            <a:avLst/>
-          </a:prstGeom>
-          <a:ln>
-            <a:solidFill>
-              <a:schemeClr val="accent6">
-                <a:lumMod val="75000"/>
-              </a:schemeClr>
-            </a:solidFill>
-          </a:ln>
-        </p:spPr>
-        <p:style>
-          <a:lnRef idx="1">
-            <a:schemeClr val="accent1"/>
-          </a:lnRef>
-          <a:fillRef idx="0">
-            <a:schemeClr val="accent1"/>
-          </a:fillRef>
-          <a:effectRef idx="0">
-            <a:schemeClr val="accent1"/>
-          </a:effectRef>
-          <a:fontRef idx="minor">
-            <a:schemeClr val="tx1"/>
-          </a:fontRef>
-        </p:style>
-      </p:cxnSp>
-      <p:cxnSp>
-        <p:nvCxnSpPr>
-          <p:cNvPr id="40" name="Прямая соединительная линия 39"/>
-          <p:cNvCxnSpPr>
-            <a:endCxn id="18" idx="1"/>
-          </p:cNvCxnSpPr>
-          <p:nvPr/>
-        </p:nvCxnSpPr>
-        <p:spPr>
-          <a:xfrm>
-            <a:off x="946895" y="6407086"/>
-            <a:ext cx="18712" cy="239887"/>
-          </a:xfrm>
-          <a:prstGeom prst="line">
-            <a:avLst/>
-          </a:prstGeom>
-          <a:ln>
-            <a:solidFill>
-              <a:schemeClr val="accent6">
-                <a:lumMod val="75000"/>
-              </a:schemeClr>
-            </a:solidFill>
-          </a:ln>
-        </p:spPr>
-        <p:style>
-          <a:lnRef idx="1">
-            <a:schemeClr val="accent1"/>
-          </a:lnRef>
-          <a:fillRef idx="0">
-            <a:schemeClr val="accent1"/>
-          </a:fillRef>
-          <a:effectRef idx="0">
-            <a:schemeClr val="accent1"/>
-          </a:effectRef>
-          <a:fontRef idx="minor">
-            <a:schemeClr val="tx1"/>
-          </a:fontRef>
-        </p:style>
-      </p:cxnSp>
-      <p:sp>
-        <p:nvSpPr>
-          <p:cNvPr id="43" name="TextBox 42"/>
-          <p:cNvSpPr txBox="1"/>
-          <p:nvPr/>
-        </p:nvSpPr>
-        <p:spPr>
-          <a:xfrm>
-            <a:off x="9603765" y="2395819"/>
-            <a:ext cx="2347947" cy="400110"/>
-          </a:xfrm>
-          <a:prstGeom prst="rect">
-            <a:avLst/>
-          </a:prstGeom>
-          <a:noFill/>
-        </p:spPr>
-        <p:txBody>
-          <a:bodyPr wrap="square" rtlCol="0">
-            <a:spAutoFit/>
-          </a:bodyPr>
-          <a:lstStyle>
-            <a:defPPr>
-              <a:defRPr lang="ru-RU"/>
-            </a:defPPr>
-            <a:lvl1pPr>
-              <a:defRPr sz="2800">
-                <a:solidFill>
-                  <a:schemeClr val="bg2">
-                    <a:lumMod val="25000"/>
-                  </a:schemeClr>
-                </a:solidFill>
-              </a:defRPr>
-            </a:lvl1pPr>
-          </a:lstStyle>
-          <a:p>
-            <a:r>
-              <a:rPr lang="en-US" sz="2000" dirty="0" smtClean="0"/>
-              <a:t>Business analyst</a:t>
-            </a:r>
-            <a:endParaRPr lang="ru-RU" sz="2000" dirty="0"/>
-          </a:p>
-        </p:txBody>
-      </p:sp>
-      <p:sp>
-        <p:nvSpPr>
-          <p:cNvPr id="35" name="Овал 34"/>
-          <p:cNvSpPr/>
-          <p:nvPr/>
-        </p:nvSpPr>
-        <p:spPr>
-          <a:xfrm>
-            <a:off x="6564076" y="3131899"/>
-            <a:ext cx="261257" cy="268690"/>
-          </a:xfrm>
-          <a:prstGeom prst="ellipse">
-            <a:avLst/>
-          </a:prstGeom>
-          <a:solidFill>
-            <a:schemeClr val="accent1">
-              <a:lumMod val="50000"/>
-            </a:schemeClr>
-          </a:solidFill>
-          <a:ln>
-            <a:solidFill>
-              <a:schemeClr val="accent1">
-                <a:lumMod val="50000"/>
-              </a:schemeClr>
-            </a:solidFill>
-          </a:ln>
-        </p:spPr>
-        <p:style>
-          <a:lnRef idx="2">
-            <a:schemeClr val="accent1">
-              <a:shade val="50000"/>
-            </a:schemeClr>
-          </a:lnRef>
-          <a:fillRef idx="1">
-            <a:schemeClr val="accent1"/>
-          </a:fillRef>
-          <a:effectRef idx="0">
-            <a:schemeClr val="accent1"/>
-          </a:effectRef>
-          <a:fontRef idx="minor">
-            <a:schemeClr val="lt1"/>
-          </a:fontRef>
-        </p:style>
-        <p:txBody>
-          <a:bodyPr rtlCol="0" anchor="ctr"/>
-          <a:lstStyle/>
-          <a:p>
-            <a:pPr algn="ctr"/>
-            <a:endParaRPr lang="ru-RU"/>
-          </a:p>
-        </p:txBody>
-      </p:sp>
-      <p:sp>
-        <p:nvSpPr>
-          <p:cNvPr id="51" name="TextBox 50"/>
-          <p:cNvSpPr txBox="1"/>
-          <p:nvPr/>
-        </p:nvSpPr>
-        <p:spPr>
-          <a:xfrm>
-            <a:off x="409422" y="1336588"/>
-            <a:ext cx="5344573" cy="707886"/>
-          </a:xfrm>
-          <a:prstGeom prst="rect">
-            <a:avLst/>
-          </a:prstGeom>
-          <a:noFill/>
-        </p:spPr>
-        <p:txBody>
-          <a:bodyPr wrap="square" rtlCol="0">
-            <a:spAutoFit/>
-          </a:bodyPr>
-          <a:lstStyle>
-            <a:defPPr>
-              <a:defRPr lang="ru-RU"/>
-            </a:defPPr>
-            <a:lvl1pPr>
-              <a:defRPr sz="2800">
-                <a:solidFill>
-                  <a:schemeClr val="bg2">
-                    <a:lumMod val="25000"/>
-                  </a:schemeClr>
-                </a:solidFill>
-              </a:defRPr>
-            </a:lvl1pPr>
-          </a:lstStyle>
-          <a:p>
-            <a:r>
               <a:rPr lang="en-US" sz="2000" dirty="0" smtClean="0"/>
               <a:t>1) Find </a:t>
             </a:r>
@@ -7796,11 +7750,7 @@
             </a:r>
             <a:r>
               <a:rPr lang="en-US" sz="2000" dirty="0" smtClean="0"/>
-              <a:t>: How to mak</a:t>
-            </a:r>
-            <a:r>
-              <a:rPr lang="en-US" sz="2000" dirty="0" smtClean="0"/>
-              <a:t>e it work?</a:t>
+              <a:t>: How to make it work?</a:t>
             </a:r>
             <a:endParaRPr lang="ru-RU" sz="2000" dirty="0"/>
           </a:p>

--- a/superhero.pptx
+++ b/superhero.pptx
@@ -2984,6 +2984,57 @@
       </p:grpSpPr>
       <p:sp>
         <p:nvSpPr>
+          <p:cNvPr id="53" name="Пятно 2 52"/>
+          <p:cNvSpPr/>
+          <p:nvPr/>
+        </p:nvSpPr>
+        <p:spPr>
+          <a:xfrm>
+            <a:off x="5928860" y="1600307"/>
+            <a:ext cx="5051508" cy="3198202"/>
+          </a:xfrm>
+          <a:prstGeom prst="irregularSeal2">
+            <a:avLst/>
+          </a:prstGeom>
+          <a:solidFill>
+            <a:schemeClr val="accent2">
+              <a:lumMod val="40000"/>
+              <a:lumOff val="60000"/>
+            </a:schemeClr>
+          </a:solidFill>
+          <a:ln>
+            <a:solidFill>
+              <a:srgbClr val="FF0000"/>
+            </a:solidFill>
+          </a:ln>
+        </p:spPr>
+        <p:style>
+          <a:lnRef idx="2">
+            <a:schemeClr val="accent1">
+              <a:shade val="50000"/>
+            </a:schemeClr>
+          </a:lnRef>
+          <a:fillRef idx="1">
+            <a:schemeClr val="accent1"/>
+          </a:fillRef>
+          <a:effectRef idx="0">
+            <a:schemeClr val="accent1"/>
+          </a:effectRef>
+          <a:fontRef idx="minor">
+            <a:schemeClr val="lt1"/>
+          </a:fontRef>
+        </p:style>
+        <p:txBody>
+          <a:bodyPr rtlCol="0" anchor="ctr"/>
+          <a:lstStyle/>
+          <a:p>
+            <a:pPr algn="ctr"/>
+            <a:endParaRPr lang="ru-RU"/>
+          </a:p>
+        </p:txBody>
+      </p:sp>
+      <p:sp>
+        <p:nvSpPr>
           <p:cNvPr id="4" name="Прямоугольник 3"/>
           <p:cNvSpPr/>
           <p:nvPr/>
@@ -3043,7 +3094,7 @@
         </p:nvSpPr>
         <p:spPr>
           <a:xfrm>
-            <a:off x="433887" y="625026"/>
+            <a:off x="433887" y="939898"/>
             <a:ext cx="7703596" cy="1325563"/>
           </a:xfrm>
         </p:spPr>
@@ -3055,30 +3106,41 @@
           <a:p>
             <a:r>
               <a:rPr lang="ru-RU" dirty="0" smtClean="0"/>
-              <a:t>Как с</a:t>
-            </a:r>
-            <a:r>
-              <a:rPr lang="ru-RU" dirty="0" smtClean="0"/>
-              <a:t>близить разработчиков </a:t>
-            </a:r>
-            <a:r>
-              <a:rPr lang="ru-RU" dirty="0" smtClean="0"/>
-              <a:t>и бизнес-аналитиков</a:t>
-            </a:r>
-            <a:r>
-              <a:rPr lang="ru-RU" dirty="0" smtClean="0"/>
-              <a:t>:</a:t>
+              <a:t>Как сблизить разработчиков и бизнес-аналитиков:</a:t>
             </a:r>
             <a:br>
               <a:rPr lang="ru-RU" dirty="0" smtClean="0"/>
             </a:br>
             <a:r>
               <a:rPr lang="ru-RU" dirty="0" smtClean="0"/>
-              <a:t>(</a:t>
+              <a:t>  (</a:t>
             </a:r>
             <a:r>
               <a:rPr lang="ru-RU" dirty="0" smtClean="0"/>
-              <a:t>а) никак, (б) ну попробуй</a:t>
+              <a:t>а) </a:t>
+            </a:r>
+            <a:r>
+              <a:rPr lang="ru-RU" dirty="0" smtClean="0"/>
+              <a:t>никак </a:t>
+            </a:r>
+            <a:br>
+              <a:rPr lang="ru-RU" dirty="0" smtClean="0"/>
+            </a:br>
+            <a:r>
+              <a:rPr lang="ru-RU" dirty="0" smtClean="0"/>
+              <a:t>  (</a:t>
+            </a:r>
+            <a:r>
+              <a:rPr lang="ru-RU" dirty="0" smtClean="0"/>
+              <a:t>б) ну </a:t>
+            </a:r>
+            <a:r>
+              <a:rPr lang="ru-RU" dirty="0" smtClean="0"/>
+              <a:t>попробуй</a:t>
+            </a:r>
+            <a:r>
+              <a:rPr lang="ru-RU" dirty="0" smtClean="0"/>
+              <a:t>те</a:t>
             </a:r>
             <a:r>
               <a:rPr lang="ru-RU" dirty="0" smtClean="0"/>
@@ -3577,7 +3639,7 @@
         </p:nvSpPr>
         <p:spPr>
           <a:xfrm rot="2650865">
-            <a:off x="4723511" y="4634866"/>
+            <a:off x="4922475" y="4223401"/>
             <a:ext cx="1541034" cy="954107"/>
           </a:xfrm>
           <a:prstGeom prst="rect">
@@ -4004,8 +4066,8 @@
         </p:nvCxnSpPr>
         <p:spPr>
           <a:xfrm>
-            <a:off x="6059482" y="3626859"/>
-            <a:ext cx="480317" cy="194722"/>
+            <a:off x="5172350" y="3272177"/>
+            <a:ext cx="638175" cy="248945"/>
           </a:xfrm>
           <a:prstGeom prst="line">
             <a:avLst/>
@@ -4293,7 +4355,7 @@
         </p:nvSpPr>
         <p:spPr>
           <a:xfrm>
-            <a:off x="9384046" y="155918"/>
+            <a:off x="9340106" y="186499"/>
             <a:ext cx="2851894" cy="523220"/>
           </a:xfrm>
           <a:prstGeom prst="rect">
@@ -4322,8 +4384,13 @@
           <a:p>
             <a:r>
               <a:rPr lang="ru-RU" dirty="0"/>
-              <a:t>«Стратеги»</a:t>
-            </a:r>
+              <a:t>«</a:t>
+            </a:r>
+            <a:r>
+              <a:rPr lang="ru-RU" dirty="0" smtClean="0"/>
+              <a:t>Стратеги»</a:t>
+            </a:r>
+            <a:endParaRPr lang="ru-RU" dirty="0"/>
           </a:p>
         </p:txBody>
       </p:sp>
@@ -4373,8 +4440,8 @@
         </p:nvSpPr>
         <p:spPr>
           <a:xfrm>
-            <a:off x="6927980" y="5564130"/>
-            <a:ext cx="5304573" cy="923330"/>
+            <a:off x="6732715" y="5052879"/>
+            <a:ext cx="5304573" cy="1569660"/>
           </a:xfrm>
           <a:prstGeom prst="rect">
             <a:avLst/>
@@ -4388,18 +4455,10 @@
           <a:lstStyle/>
           <a:p>
             <a:r>
-              <a:rPr lang="ru-RU" dirty="0" smtClean="0"/>
-              <a:t>От стратегии организации до лиц, ее реализующих </a:t>
-            </a:r>
-            <a:r>
-              <a:rPr lang="ru-RU" dirty="0" smtClean="0"/>
-              <a:t>в области ИТ, </a:t>
-            </a:r>
-            <a:r>
-              <a:rPr lang="ru-RU" dirty="0" smtClean="0"/>
-              <a:t>расстояние как до Луны и много «испорченных телефонов» в обе стороны.</a:t>
-            </a:r>
-            <a:endParaRPr lang="ru-RU" dirty="0"/>
+              <a:rPr lang="ru-RU" sz="2400" dirty="0" smtClean="0"/>
+              <a:t>От стратегии организации до лиц, ее реализующих в области ИТ, расстояние как до Луны и много «испорченных телефонов» в обе стороны.</a:t>
+            </a:r>
+            <a:endParaRPr lang="ru-RU" sz="2400" dirty="0"/>
           </a:p>
         </p:txBody>
       </p:sp>
@@ -4411,12 +4470,12 @@
         </p:nvCxnSpPr>
         <p:spPr>
           <a:xfrm rot="10800000" flipV="1">
-            <a:off x="6539805" y="2213201"/>
-            <a:ext cx="3985127" cy="3153981"/>
+            <a:off x="6385723" y="2213200"/>
+            <a:ext cx="4139211" cy="2712379"/>
           </a:xfrm>
           <a:prstGeom prst="curvedConnector3">
             <a:avLst>
-              <a:gd name="adj1" fmla="val 6451"/>
+              <a:gd name="adj1" fmla="val -26284"/>
             </a:avLst>
           </a:prstGeom>
           <a:noFill/>
@@ -4447,64 +4506,13 @@
       </p:cxnSp>
       <p:sp>
         <p:nvSpPr>
-          <p:cNvPr id="53" name="Пятно 2 52"/>
-          <p:cNvSpPr/>
-          <p:nvPr/>
-        </p:nvSpPr>
-        <p:spPr>
-          <a:xfrm>
-            <a:off x="8400647" y="3472642"/>
-            <a:ext cx="3353653" cy="1935552"/>
-          </a:xfrm>
-          <a:prstGeom prst="irregularSeal2">
-            <a:avLst/>
-          </a:prstGeom>
-          <a:solidFill>
-            <a:schemeClr val="accent2">
-              <a:lumMod val="40000"/>
-              <a:lumOff val="60000"/>
-            </a:schemeClr>
-          </a:solidFill>
-          <a:ln>
-            <a:solidFill>
-              <a:srgbClr val="FF0000"/>
-            </a:solidFill>
-          </a:ln>
-        </p:spPr>
-        <p:style>
-          <a:lnRef idx="2">
-            <a:schemeClr val="accent1">
-              <a:shade val="50000"/>
-            </a:schemeClr>
-          </a:lnRef>
-          <a:fillRef idx="1">
-            <a:schemeClr val="accent1"/>
-          </a:fillRef>
-          <a:effectRef idx="0">
-            <a:schemeClr val="accent1"/>
-          </a:effectRef>
-          <a:fontRef idx="minor">
-            <a:schemeClr val="lt1"/>
-          </a:fontRef>
-        </p:style>
-        <p:txBody>
-          <a:bodyPr rtlCol="0" anchor="ctr"/>
-          <a:lstStyle/>
-          <a:p>
-            <a:pPr algn="ctr"/>
-            <a:endParaRPr lang="ru-RU"/>
-          </a:p>
-        </p:txBody>
-      </p:sp>
-      <p:sp>
-        <p:nvSpPr>
           <p:cNvPr id="17" name="TextBox 16"/>
           <p:cNvSpPr txBox="1"/>
           <p:nvPr/>
         </p:nvSpPr>
         <p:spPr>
           <a:xfrm>
-            <a:off x="6594292" y="3705611"/>
+            <a:off x="2703934" y="3014519"/>
             <a:ext cx="2384100" cy="954107"/>
           </a:xfrm>
           <a:prstGeom prst="rect">
@@ -4531,6 +4539,7 @@
             </a:lvl1pPr>
           </a:lstStyle>
           <a:p>
+            <a:pPr algn="r"/>
             <a:r>
               <a:rPr lang="en-US" dirty="0"/>
               <a:t>Senior </a:t>
